--- a/assets/teaching/os/2_Bolum_2_Surecler.pptx
+++ b/assets/teaching/os/2_Bolum_2_Surecler.pptx
@@ -7,7 +7,8 @@
   <p:sldIdLst>
     <p:sldId id="256" r:id="rId2"/>
     <p:sldId id="257" r:id="rId3"/>
-    <p:sldId id="312" r:id="rId4"/>
+    <p:sldId id="313" r:id="rId4"/>
+    <p:sldId id="312" r:id="rId5"/>
   </p:sldIdLst>
   <p:sldSz cx="12192000" cy="6858000"/>
   <p:notesSz cx="6858000" cy="9144000"/>
@@ -3016,11 +3017,7 @@
           <a:p>
             <a:r>
               <a:rPr lang="tr-TR" dirty="0" smtClean="0"/>
-              <a:t>Bölüm </a:t>
-            </a:r>
-            <a:r>
-              <a:rPr lang="tr-TR" dirty="0" smtClean="0"/>
-              <a:t>2: Süreçler</a:t>
+              <a:t>Bölüm 2: Süreçler</a:t>
             </a:r>
             <a:endParaRPr lang="tr-TR" dirty="0"/>
           </a:p>
@@ -3102,9 +3099,10 @@
           <a:lstStyle/>
           <a:p>
             <a:r>
-              <a:rPr lang="tr-TR" dirty="0"/>
-              <a:t>Modern Bilgisayarın Bileşenleri:</a:t>
-            </a:r>
+              <a:rPr lang="tr-TR" dirty="0" smtClean="0"/>
+              <a:t>Sözde Paralellik</a:t>
+            </a:r>
+            <a:endParaRPr lang="tr-TR" dirty="0"/>
           </a:p>
         </p:txBody>
       </p:sp>
@@ -3132,56 +3130,87 @@
           <a:p>
             <a:r>
               <a:rPr lang="tr-TR" dirty="0"/>
-              <a:t>Bir veya daha fazla işlemci</a:t>
-            </a:r>
-          </a:p>
-          <a:p>
+              <a:t>Tüm modern bilgisayarlar aynı anda birçok </a:t>
+            </a:r>
+            <a:r>
+              <a:rPr lang="tr-TR" dirty="0" smtClean="0"/>
+              <a:t>iş yapar.</a:t>
+            </a:r>
+          </a:p>
+          <a:p>
+            <a:r>
+              <a:rPr lang="tr-TR" dirty="0" smtClean="0"/>
+              <a:t>Tek </a:t>
+            </a:r>
             <a:r>
               <a:rPr lang="tr-TR" dirty="0"/>
-              <a:t>Ana bellek</a:t>
-            </a:r>
-          </a:p>
-          <a:p>
+              <a:t>işlemcili bir sistemde, herhangi bir anda, </a:t>
+            </a:r>
+            <a:r>
+              <a:rPr lang="tr-TR" dirty="0" smtClean="0"/>
+              <a:t>işlemci sadece bir </a:t>
+            </a:r>
             <a:r>
               <a:rPr lang="tr-TR" dirty="0"/>
-              <a:t>Diskler</a:t>
-            </a:r>
-          </a:p>
-          <a:p>
+              <a:t>işlem </a:t>
+            </a:r>
+            <a:r>
+              <a:rPr lang="tr-TR" dirty="0" smtClean="0"/>
+              <a:t>yürütebilir.</a:t>
+            </a:r>
+          </a:p>
+          <a:p>
+            <a:r>
+              <a:rPr lang="tr-TR" dirty="0" smtClean="0"/>
+              <a:t>Ancak </a:t>
+            </a:r>
             <a:r>
               <a:rPr lang="tr-TR" dirty="0"/>
-              <a:t>Yazıcılar</a:t>
-            </a:r>
-          </a:p>
-          <a:p>
+              <a:t>çoklu programlama sisteminde </a:t>
+            </a:r>
+            <a:r>
+              <a:rPr lang="tr-TR" dirty="0" smtClean="0"/>
+              <a:t>işlemci, </a:t>
+            </a:r>
             <a:r>
               <a:rPr lang="tr-TR" dirty="0"/>
-              <a:t>Klavye</a:t>
-            </a:r>
-          </a:p>
-          <a:p>
+              <a:t>her biri onlarca veya yüzlerce </a:t>
+            </a:r>
+            <a:r>
+              <a:rPr lang="tr-TR" dirty="0" err="1" smtClean="0"/>
+              <a:t>ms</a:t>
+            </a:r>
+            <a:r>
+              <a:rPr lang="tr-TR" dirty="0" smtClean="0"/>
+              <a:t> </a:t>
+            </a:r>
             <a:r>
               <a:rPr lang="tr-TR" dirty="0"/>
-              <a:t>Fare</a:t>
-            </a:r>
-          </a:p>
-          <a:p>
+              <a:t>boyunca çalışan </a:t>
+            </a:r>
+            <a:r>
+              <a:rPr lang="tr-TR" dirty="0" smtClean="0"/>
+              <a:t>işlemler arasında hızlıca geçiş </a:t>
+            </a:r>
             <a:r>
               <a:rPr lang="tr-TR" dirty="0"/>
-              <a:t>Ekran</a:t>
-            </a:r>
-          </a:p>
-          <a:p>
-            <a:r>
-              <a:rPr lang="tr-TR" dirty="0"/>
-              <a:t>Ağ arayüzleri</a:t>
-            </a:r>
-          </a:p>
-          <a:p>
-            <a:r>
-              <a:rPr lang="tr-TR" dirty="0"/>
-              <a:t>G/Ç cihazları</a:t>
-            </a:r>
+              <a:t>yapar</a:t>
+            </a:r>
+            <a:r>
+              <a:rPr lang="tr-TR" dirty="0" smtClean="0"/>
+              <a:t>.</a:t>
+            </a:r>
+          </a:p>
+          <a:p>
+            <a:r>
+              <a:rPr lang="tr-TR" dirty="0" smtClean="0"/>
+              <a:t>Sözde paralellik kullanıcılar için çok faydalıdır. Ancak; yönetimi bir o </a:t>
+            </a:r>
+            <a:r>
+              <a:rPr lang="tr-TR" smtClean="0"/>
+              <a:t>kadar zordur.</a:t>
+            </a:r>
+            <a:endParaRPr lang="tr-TR" dirty="0"/>
           </a:p>
         </p:txBody>
       </p:sp>
@@ -3206,6 +3235,161 @@
 </file>
 
 <file path=ppt/slides/slide3.xml><?xml version="1.0" encoding="utf-8"?>
+<p:sld xmlns:a="http://schemas.openxmlformats.org/drawingml/2006/main" xmlns:r="http://schemas.openxmlformats.org/officeDocument/2006/relationships" xmlns:p="http://schemas.openxmlformats.org/presentationml/2006/main">
+  <p:cSld>
+    <p:spTree>
+      <p:nvGrpSpPr>
+        <p:cNvPr id="1" name=""/>
+        <p:cNvGrpSpPr/>
+        <p:nvPr/>
+      </p:nvGrpSpPr>
+      <p:grpSpPr>
+        <a:xfrm>
+          <a:off x="0" y="0"/>
+          <a:ext cx="0" cy="0"/>
+          <a:chOff x="0" y="0"/>
+          <a:chExt cx="0" cy="0"/>
+        </a:xfrm>
+      </p:grpSpPr>
+      <p:sp>
+        <p:nvSpPr>
+          <p:cNvPr id="2" name="Title 1"/>
+          <p:cNvSpPr>
+            <a:spLocks noGrp="1"/>
+          </p:cNvSpPr>
+          <p:nvPr>
+            <p:ph type="title"/>
+          </p:nvPr>
+        </p:nvSpPr>
+        <p:spPr/>
+        <p:txBody>
+          <a:bodyPr/>
+          <a:lstStyle/>
+          <a:p>
+            <a:r>
+              <a:rPr lang="tr-TR" dirty="0" smtClean="0"/>
+              <a:t>Süreç Modeli</a:t>
+            </a:r>
+            <a:endParaRPr lang="tr-TR" dirty="0"/>
+          </a:p>
+        </p:txBody>
+      </p:sp>
+      <p:sp>
+        <p:nvSpPr>
+          <p:cNvPr id="3" name="Content Placeholder 2"/>
+          <p:cNvSpPr>
+            <a:spLocks noGrp="1"/>
+          </p:cNvSpPr>
+          <p:nvPr>
+            <p:ph idx="1"/>
+          </p:nvPr>
+        </p:nvSpPr>
+        <p:spPr>
+          <a:xfrm>
+            <a:off x="838200" y="1825625"/>
+            <a:ext cx="10515600" cy="4680000"/>
+          </a:xfrm>
+        </p:spPr>
+        <p:txBody>
+          <a:bodyPr>
+            <a:normAutofit/>
+          </a:bodyPr>
+          <a:lstStyle/>
+          <a:p>
+            <a:pPr marL="0" indent="0">
+              <a:buNone/>
+            </a:pPr>
+            <a:r>
+              <a:rPr lang="tr-TR" dirty="0"/>
+              <a:t>(a) Dört programın çoklu programlanması. (b) Birbirinden bağımsız dört ardışık sürecin kavramsal modeli. (c) Aynı anda </a:t>
+            </a:r>
+            <a:r>
+              <a:rPr lang="tr-TR" dirty="0" smtClean="0"/>
+              <a:t>bir </a:t>
+            </a:r>
+            <a:r>
+              <a:rPr lang="tr-TR" dirty="0"/>
+              <a:t>program etkindir.</a:t>
+            </a:r>
+            <a:endParaRPr lang="tr-TR" dirty="0"/>
+          </a:p>
+        </p:txBody>
+      </p:sp>
+      <p:pic>
+        <p:nvPicPr>
+          <p:cNvPr id="4" name="Picture 6" descr="02-01"/>
+          <p:cNvPicPr>
+            <a:picLocks noChangeAspect="1" noChangeArrowheads="1"/>
+          </p:cNvPicPr>
+          <p:nvPr/>
+        </p:nvPicPr>
+        <p:blipFill>
+          <a:blip r:embed="rId2">
+            <a:extLst>
+              <a:ext uri="{28A0092B-C50C-407E-A947-70E740481C1C}">
+                <a14:useLocalDpi xmlns:a14="http://schemas.microsoft.com/office/drawing/2010/main" val="0"/>
+              </a:ext>
+            </a:extLst>
+          </a:blip>
+          <a:srcRect/>
+          <a:stretch>
+            <a:fillRect/>
+          </a:stretch>
+        </p:blipFill>
+        <p:spPr bwMode="auto">
+          <a:xfrm>
+            <a:off x="838199" y="3195994"/>
+            <a:ext cx="9298577" cy="2983872"/>
+          </a:xfrm>
+          <a:prstGeom prst="rect">
+            <a:avLst/>
+          </a:prstGeom>
+          <a:noFill/>
+          <a:ln>
+            <a:noFill/>
+          </a:ln>
+          <a:extLst>
+            <a:ext uri="{909E8E84-426E-40DD-AFC4-6F175D3DCCD1}">
+              <a14:hiddenFill xmlns:a14="http://schemas.microsoft.com/office/drawing/2010/main">
+                <a:solidFill>
+                  <a:srgbClr val="FFFFFF"/>
+                </a:solidFill>
+              </a14:hiddenFill>
+            </a:ext>
+            <a:ext uri="{91240B29-F687-4F45-9708-019B960494DF}">
+              <a14:hiddenLine xmlns:a14="http://schemas.microsoft.com/office/drawing/2010/main" w="9525">
+                <a:solidFill>
+                  <a:srgbClr val="000000"/>
+                </a:solidFill>
+                <a:miter lim="800000"/>
+                <a:headEnd/>
+                <a:tailEnd/>
+              </a14:hiddenLine>
+            </a:ext>
+          </a:extLst>
+        </p:spPr>
+      </p:pic>
+    </p:spTree>
+    <p:extLst>
+      <p:ext uri="{BB962C8B-B14F-4D97-AF65-F5344CB8AC3E}">
+        <p14:creationId xmlns:p14="http://schemas.microsoft.com/office/powerpoint/2010/main" val="4169584711"/>
+      </p:ext>
+    </p:extLst>
+  </p:cSld>
+  <p:clrMapOvr>
+    <a:masterClrMapping/>
+  </p:clrMapOvr>
+  <p:timing>
+    <p:tnLst>
+      <p:par>
+        <p:cTn id="1" dur="indefinite" restart="never" nodeType="tmRoot"/>
+      </p:par>
+    </p:tnLst>
+  </p:timing>
+</p:sld>
+</file>
+
+<file path=ppt/slides/slide4.xml><?xml version="1.0" encoding="utf-8"?>
 <p:sld xmlns:a="http://schemas.openxmlformats.org/drawingml/2006/main" xmlns:r="http://schemas.openxmlformats.org/officeDocument/2006/relationships" xmlns:p="http://schemas.openxmlformats.org/presentationml/2006/main">
   <p:cSld>
     <p:spTree>

--- a/assets/teaching/os/2_Bolum_2_Surecler.pptx
+++ b/assets/teaching/os/2_Bolum_2_Surecler.pptx
@@ -8,7 +8,22 @@
     <p:sldId id="256" r:id="rId2"/>
     <p:sldId id="257" r:id="rId3"/>
     <p:sldId id="313" r:id="rId4"/>
-    <p:sldId id="312" r:id="rId5"/>
+    <p:sldId id="315" r:id="rId5"/>
+    <p:sldId id="316" r:id="rId6"/>
+    <p:sldId id="317" r:id="rId7"/>
+    <p:sldId id="318" r:id="rId8"/>
+    <p:sldId id="319" r:id="rId9"/>
+    <p:sldId id="320" r:id="rId10"/>
+    <p:sldId id="327" r:id="rId11"/>
+    <p:sldId id="328" r:id="rId12"/>
+    <p:sldId id="321" r:id="rId13"/>
+    <p:sldId id="322" r:id="rId14"/>
+    <p:sldId id="329" r:id="rId15"/>
+    <p:sldId id="323" r:id="rId16"/>
+    <p:sldId id="324" r:id="rId17"/>
+    <p:sldId id="325" r:id="rId18"/>
+    <p:sldId id="326" r:id="rId19"/>
+    <p:sldId id="312" r:id="rId20"/>
   </p:sldIdLst>
   <p:sldSz cx="12192000" cy="6858000"/>
   <p:notesSz cx="6858000" cy="9144000"/>
@@ -247,7 +262,7 @@
             <a:fld id="{B61BEF0D-F0BB-DE4B-95CE-6DB70DBA9567}" type="datetimeFigureOut">
               <a:rPr lang="en-US" smtClean="0"/>
               <a:pPr/>
-              <a:t>1/13/2023</a:t>
+              <a:t>1/15/2023</a:t>
             </a:fld>
             <a:endParaRPr lang="en-US" dirty="0"/>
           </a:p>
@@ -419,7 +434,7 @@
             <a:fld id="{B61BEF0D-F0BB-DE4B-95CE-6DB70DBA9567}" type="datetimeFigureOut">
               <a:rPr lang="en-US" smtClean="0"/>
               <a:pPr/>
-              <a:t>1/13/2023</a:t>
+              <a:t>1/15/2023</a:t>
             </a:fld>
             <a:endParaRPr lang="en-US" dirty="0"/>
           </a:p>
@@ -601,7 +616,7 @@
             <a:fld id="{B61BEF0D-F0BB-DE4B-95CE-6DB70DBA9567}" type="datetimeFigureOut">
               <a:rPr lang="en-US" smtClean="0"/>
               <a:pPr/>
-              <a:t>1/13/2023</a:t>
+              <a:t>1/15/2023</a:t>
             </a:fld>
             <a:endParaRPr lang="en-US" dirty="0"/>
           </a:p>
@@ -773,7 +788,7 @@
             <a:fld id="{B61BEF0D-F0BB-DE4B-95CE-6DB70DBA9567}" type="datetimeFigureOut">
               <a:rPr lang="en-US" smtClean="0"/>
               <a:pPr/>
-              <a:t>1/13/2023</a:t>
+              <a:t>1/15/2023</a:t>
             </a:fld>
             <a:endParaRPr lang="en-US" dirty="0"/>
           </a:p>
@@ -1021,7 +1036,7 @@
             <a:fld id="{B61BEF0D-F0BB-DE4B-95CE-6DB70DBA9567}" type="datetimeFigureOut">
               <a:rPr lang="en-US" smtClean="0"/>
               <a:pPr/>
-              <a:t>1/13/2023</a:t>
+              <a:t>1/15/2023</a:t>
             </a:fld>
             <a:endParaRPr lang="en-US" dirty="0"/>
           </a:p>
@@ -1255,7 +1270,7 @@
             <a:fld id="{B61BEF0D-F0BB-DE4B-95CE-6DB70DBA9567}" type="datetimeFigureOut">
               <a:rPr lang="en-US" smtClean="0"/>
               <a:pPr/>
-              <a:t>1/13/2023</a:t>
+              <a:t>1/15/2023</a:t>
             </a:fld>
             <a:endParaRPr lang="en-US" dirty="0"/>
           </a:p>
@@ -1624,7 +1639,7 @@
             <a:fld id="{B61BEF0D-F0BB-DE4B-95CE-6DB70DBA9567}" type="datetimeFigureOut">
               <a:rPr lang="en-US" smtClean="0"/>
               <a:pPr/>
-              <a:t>1/13/2023</a:t>
+              <a:t>1/15/2023</a:t>
             </a:fld>
             <a:endParaRPr lang="en-US" dirty="0"/>
           </a:p>
@@ -1744,7 +1759,7 @@
             <a:fld id="{B61BEF0D-F0BB-DE4B-95CE-6DB70DBA9567}" type="datetimeFigureOut">
               <a:rPr lang="en-US" smtClean="0"/>
               <a:pPr/>
-              <a:t>1/13/2023</a:t>
+              <a:t>1/15/2023</a:t>
             </a:fld>
             <a:endParaRPr lang="en-US" dirty="0"/>
           </a:p>
@@ -1841,7 +1856,7 @@
             <a:fld id="{B61BEF0D-F0BB-DE4B-95CE-6DB70DBA9567}" type="datetimeFigureOut">
               <a:rPr lang="en-US" smtClean="0"/>
               <a:pPr/>
-              <a:t>1/13/2023</a:t>
+              <a:t>1/15/2023</a:t>
             </a:fld>
             <a:endParaRPr lang="en-US" dirty="0"/>
           </a:p>
@@ -2120,7 +2135,7 @@
             <a:fld id="{B61BEF0D-F0BB-DE4B-95CE-6DB70DBA9567}" type="datetimeFigureOut">
               <a:rPr lang="en-US" smtClean="0"/>
               <a:pPr/>
-              <a:t>1/13/2023</a:t>
+              <a:t>1/15/2023</a:t>
             </a:fld>
             <a:endParaRPr lang="en-US" dirty="0"/>
           </a:p>
@@ -2379,7 +2394,7 @@
             <a:fld id="{B61BEF0D-F0BB-DE4B-95CE-6DB70DBA9567}" type="datetimeFigureOut">
               <a:rPr lang="en-US" smtClean="0"/>
               <a:pPr/>
-              <a:t>1/13/2023</a:t>
+              <a:t>1/15/2023</a:t>
             </a:fld>
             <a:endParaRPr lang="en-US" dirty="0"/>
           </a:p>
@@ -2594,7 +2609,7 @@
             <a:fld id="{B61BEF0D-F0BB-DE4B-95CE-6DB70DBA9567}" type="datetimeFigureOut">
               <a:rPr lang="en-US" smtClean="0"/>
               <a:pPr/>
-              <a:t>1/13/2023</a:t>
+              <a:t>1/15/2023</a:t>
             </a:fld>
             <a:endParaRPr lang="en-US" dirty="0"/>
           </a:p>
@@ -3066,6 +3081,1233 @@
 </p:sld>
 </file>
 
+<file path=ppt/slides/slide10.xml><?xml version="1.0" encoding="utf-8"?>
+<p:sld xmlns:a="http://schemas.openxmlformats.org/drawingml/2006/main" xmlns:r="http://schemas.openxmlformats.org/officeDocument/2006/relationships" xmlns:p="http://schemas.openxmlformats.org/presentationml/2006/main">
+  <p:cSld>
+    <p:spTree>
+      <p:nvGrpSpPr>
+        <p:cNvPr id="1" name=""/>
+        <p:cNvGrpSpPr/>
+        <p:nvPr/>
+      </p:nvGrpSpPr>
+      <p:grpSpPr>
+        <a:xfrm>
+          <a:off x="0" y="0"/>
+          <a:ext cx="0" cy="0"/>
+          <a:chOff x="0" y="0"/>
+          <a:chExt cx="0" cy="0"/>
+        </a:xfrm>
+      </p:grpSpPr>
+      <p:sp>
+        <p:nvSpPr>
+          <p:cNvPr id="2" name="Title 1"/>
+          <p:cNvSpPr>
+            <a:spLocks noGrp="1"/>
+          </p:cNvSpPr>
+          <p:nvPr>
+            <p:ph type="title"/>
+          </p:nvPr>
+        </p:nvSpPr>
+        <p:spPr/>
+        <p:txBody>
+          <a:bodyPr/>
+          <a:lstStyle/>
+          <a:p>
+            <a:r>
+              <a:rPr lang="tr-TR" dirty="0" smtClean="0"/>
+              <a:t>Süreçleri Gerçekleştirme</a:t>
+            </a:r>
+            <a:endParaRPr lang="tr-TR" dirty="0"/>
+          </a:p>
+        </p:txBody>
+      </p:sp>
+      <p:sp>
+        <p:nvSpPr>
+          <p:cNvPr id="3" name="Content Placeholder 2"/>
+          <p:cNvSpPr>
+            <a:spLocks noGrp="1"/>
+          </p:cNvSpPr>
+          <p:nvPr>
+            <p:ph idx="1"/>
+          </p:nvPr>
+        </p:nvSpPr>
+        <p:spPr>
+          <a:xfrm>
+            <a:off x="838200" y="1825625"/>
+            <a:ext cx="10515600" cy="4680000"/>
+          </a:xfrm>
+        </p:spPr>
+        <p:txBody>
+          <a:bodyPr>
+            <a:normAutofit/>
+          </a:bodyPr>
+          <a:lstStyle/>
+          <a:p>
+            <a:pPr marL="0" indent="0">
+              <a:buNone/>
+            </a:pPr>
+            <a:r>
+              <a:rPr lang="tr-TR" dirty="0"/>
+              <a:t>Süreç </a:t>
+            </a:r>
+            <a:r>
+              <a:rPr lang="tr-TR" dirty="0" smtClean="0"/>
+              <a:t>tablosunda bulunan bazı alanlar.</a:t>
+            </a:r>
+            <a:endParaRPr lang="tr-TR" dirty="0"/>
+          </a:p>
+        </p:txBody>
+      </p:sp>
+      <p:pic>
+        <p:nvPicPr>
+          <p:cNvPr id="5" name="Picture 6" descr="02-04"/>
+          <p:cNvPicPr>
+            <a:picLocks noChangeAspect="1" noChangeArrowheads="1"/>
+          </p:cNvPicPr>
+          <p:nvPr/>
+        </p:nvPicPr>
+        <p:blipFill>
+          <a:blip r:embed="rId2">
+            <a:extLst>
+              <a:ext uri="{28A0092B-C50C-407E-A947-70E740481C1C}">
+                <a14:useLocalDpi xmlns:a14="http://schemas.microsoft.com/office/drawing/2010/main" val="0"/>
+              </a:ext>
+            </a:extLst>
+          </a:blip>
+          <a:srcRect/>
+          <a:stretch>
+            <a:fillRect/>
+          </a:stretch>
+        </p:blipFill>
+        <p:spPr bwMode="auto">
+          <a:xfrm>
+            <a:off x="2482623" y="2328887"/>
+            <a:ext cx="7223555" cy="4176738"/>
+          </a:xfrm>
+          <a:prstGeom prst="rect">
+            <a:avLst/>
+          </a:prstGeom>
+          <a:noFill/>
+          <a:ln>
+            <a:noFill/>
+          </a:ln>
+          <a:extLst>
+            <a:ext uri="{909E8E84-426E-40DD-AFC4-6F175D3DCCD1}">
+              <a14:hiddenFill xmlns:a14="http://schemas.microsoft.com/office/drawing/2010/main">
+                <a:solidFill>
+                  <a:srgbClr val="FFFFFF"/>
+                </a:solidFill>
+              </a14:hiddenFill>
+            </a:ext>
+            <a:ext uri="{91240B29-F687-4F45-9708-019B960494DF}">
+              <a14:hiddenLine xmlns:a14="http://schemas.microsoft.com/office/drawing/2010/main" w="9525">
+                <a:solidFill>
+                  <a:srgbClr val="000000"/>
+                </a:solidFill>
+                <a:miter lim="800000"/>
+                <a:headEnd/>
+                <a:tailEnd/>
+              </a14:hiddenLine>
+            </a:ext>
+          </a:extLst>
+        </p:spPr>
+      </p:pic>
+    </p:spTree>
+    <p:extLst>
+      <p:ext uri="{BB962C8B-B14F-4D97-AF65-F5344CB8AC3E}">
+        <p14:creationId xmlns:p14="http://schemas.microsoft.com/office/powerpoint/2010/main" val="1855182512"/>
+      </p:ext>
+    </p:extLst>
+  </p:cSld>
+  <p:clrMapOvr>
+    <a:masterClrMapping/>
+  </p:clrMapOvr>
+  <p:timing>
+    <p:tnLst>
+      <p:par>
+        <p:cTn id="1" dur="indefinite" restart="never" nodeType="tmRoot"/>
+      </p:par>
+    </p:tnLst>
+  </p:timing>
+</p:sld>
+</file>
+
+<file path=ppt/slides/slide11.xml><?xml version="1.0" encoding="utf-8"?>
+<p:sld xmlns:a="http://schemas.openxmlformats.org/drawingml/2006/main" xmlns:r="http://schemas.openxmlformats.org/officeDocument/2006/relationships" xmlns:p="http://schemas.openxmlformats.org/presentationml/2006/main">
+  <p:cSld>
+    <p:spTree>
+      <p:nvGrpSpPr>
+        <p:cNvPr id="1" name=""/>
+        <p:cNvGrpSpPr/>
+        <p:nvPr/>
+      </p:nvGrpSpPr>
+      <p:grpSpPr>
+        <a:xfrm>
+          <a:off x="0" y="0"/>
+          <a:ext cx="0" cy="0"/>
+          <a:chOff x="0" y="0"/>
+          <a:chExt cx="0" cy="0"/>
+        </a:xfrm>
+      </p:grpSpPr>
+      <p:sp>
+        <p:nvSpPr>
+          <p:cNvPr id="2" name="Title 1"/>
+          <p:cNvSpPr>
+            <a:spLocks noGrp="1"/>
+          </p:cNvSpPr>
+          <p:nvPr>
+            <p:ph type="title"/>
+          </p:nvPr>
+        </p:nvSpPr>
+        <p:spPr/>
+        <p:txBody>
+          <a:bodyPr/>
+          <a:lstStyle/>
+          <a:p>
+            <a:r>
+              <a:rPr lang="tr-TR" dirty="0" smtClean="0"/>
+              <a:t>Süreçleri Gerçekleştirme</a:t>
+            </a:r>
+            <a:endParaRPr lang="tr-TR" dirty="0"/>
+          </a:p>
+        </p:txBody>
+      </p:sp>
+      <p:sp>
+        <p:nvSpPr>
+          <p:cNvPr id="3" name="Content Placeholder 2"/>
+          <p:cNvSpPr>
+            <a:spLocks noGrp="1"/>
+          </p:cNvSpPr>
+          <p:nvPr>
+            <p:ph idx="1"/>
+          </p:nvPr>
+        </p:nvSpPr>
+        <p:spPr>
+          <a:xfrm>
+            <a:off x="838200" y="1825625"/>
+            <a:ext cx="10515600" cy="4680000"/>
+          </a:xfrm>
+        </p:spPr>
+        <p:txBody>
+          <a:bodyPr>
+            <a:normAutofit/>
+          </a:bodyPr>
+          <a:lstStyle/>
+          <a:p>
+            <a:pPr marL="0" indent="0">
+              <a:buNone/>
+            </a:pPr>
+            <a:r>
+              <a:rPr lang="tr-TR" dirty="0"/>
+              <a:t>Bir </a:t>
+            </a:r>
+            <a:r>
+              <a:rPr lang="tr-TR" dirty="0" smtClean="0"/>
+              <a:t>kesilme oluştuğunda işletim </a:t>
+            </a:r>
+            <a:r>
+              <a:rPr lang="tr-TR" dirty="0"/>
+              <a:t>sisteminin en düşük </a:t>
+            </a:r>
+            <a:r>
+              <a:rPr lang="tr-TR" dirty="0" smtClean="0"/>
+              <a:t>seviyesi </a:t>
+            </a:r>
+            <a:r>
+              <a:rPr lang="tr-TR" dirty="0"/>
+              <a:t>ne </a:t>
+            </a:r>
+            <a:r>
+              <a:rPr lang="tr-TR" dirty="0" smtClean="0"/>
+              <a:t>yapar.</a:t>
+            </a:r>
+            <a:endParaRPr lang="tr-TR" dirty="0"/>
+          </a:p>
+        </p:txBody>
+      </p:sp>
+      <p:pic>
+        <p:nvPicPr>
+          <p:cNvPr id="6" name="Picture 6" descr="02-05"/>
+          <p:cNvPicPr>
+            <a:picLocks noChangeAspect="1" noChangeArrowheads="1"/>
+          </p:cNvPicPr>
+          <p:nvPr/>
+        </p:nvPicPr>
+        <p:blipFill>
+          <a:blip r:embed="rId2">
+            <a:extLst>
+              <a:ext uri="{28A0092B-C50C-407E-A947-70E740481C1C}">
+                <a14:useLocalDpi xmlns:a14="http://schemas.microsoft.com/office/drawing/2010/main" val="0"/>
+              </a:ext>
+            </a:extLst>
+          </a:blip>
+          <a:srcRect/>
+          <a:stretch>
+            <a:fillRect/>
+          </a:stretch>
+        </p:blipFill>
+        <p:spPr bwMode="auto">
+          <a:xfrm>
+            <a:off x="1865726" y="2819038"/>
+            <a:ext cx="8460547" cy="3255191"/>
+          </a:xfrm>
+          <a:prstGeom prst="rect">
+            <a:avLst/>
+          </a:prstGeom>
+          <a:noFill/>
+          <a:ln>
+            <a:noFill/>
+          </a:ln>
+          <a:extLst>
+            <a:ext uri="{909E8E84-426E-40DD-AFC4-6F175D3DCCD1}">
+              <a14:hiddenFill xmlns:a14="http://schemas.microsoft.com/office/drawing/2010/main">
+                <a:solidFill>
+                  <a:srgbClr val="FFFFFF"/>
+                </a:solidFill>
+              </a14:hiddenFill>
+            </a:ext>
+            <a:ext uri="{91240B29-F687-4F45-9708-019B960494DF}">
+              <a14:hiddenLine xmlns:a14="http://schemas.microsoft.com/office/drawing/2010/main" w="9525">
+                <a:solidFill>
+                  <a:srgbClr val="000000"/>
+                </a:solidFill>
+                <a:miter lim="800000"/>
+                <a:headEnd/>
+                <a:tailEnd/>
+              </a14:hiddenLine>
+            </a:ext>
+          </a:extLst>
+        </p:spPr>
+      </p:pic>
+    </p:spTree>
+    <p:extLst>
+      <p:ext uri="{BB962C8B-B14F-4D97-AF65-F5344CB8AC3E}">
+        <p14:creationId xmlns:p14="http://schemas.microsoft.com/office/powerpoint/2010/main" val="4102978137"/>
+      </p:ext>
+    </p:extLst>
+  </p:cSld>
+  <p:clrMapOvr>
+    <a:masterClrMapping/>
+  </p:clrMapOvr>
+  <p:timing>
+    <p:tnLst>
+      <p:par>
+        <p:cTn id="1" dur="indefinite" restart="never" nodeType="tmRoot"/>
+      </p:par>
+    </p:tnLst>
+  </p:timing>
+</p:sld>
+</file>
+
+<file path=ppt/slides/slide12.xml><?xml version="1.0" encoding="utf-8"?>
+<p:sld xmlns:a="http://schemas.openxmlformats.org/drawingml/2006/main" xmlns:r="http://schemas.openxmlformats.org/officeDocument/2006/relationships" xmlns:p="http://schemas.openxmlformats.org/presentationml/2006/main">
+  <p:cSld>
+    <p:spTree>
+      <p:nvGrpSpPr>
+        <p:cNvPr id="1" name=""/>
+        <p:cNvGrpSpPr/>
+        <p:nvPr/>
+      </p:nvGrpSpPr>
+      <p:grpSpPr>
+        <a:xfrm>
+          <a:off x="0" y="0"/>
+          <a:ext cx="0" cy="0"/>
+          <a:chOff x="0" y="0"/>
+          <a:chExt cx="0" cy="0"/>
+        </a:xfrm>
+      </p:grpSpPr>
+      <p:sp>
+        <p:nvSpPr>
+          <p:cNvPr id="2" name="Title 1"/>
+          <p:cNvSpPr>
+            <a:spLocks noGrp="1"/>
+          </p:cNvSpPr>
+          <p:nvPr>
+            <p:ph type="title"/>
+          </p:nvPr>
+        </p:nvSpPr>
+        <p:spPr/>
+        <p:txBody>
+          <a:bodyPr/>
+          <a:lstStyle/>
+          <a:p>
+            <a:r>
+              <a:rPr lang="tr-TR" dirty="0" smtClean="0"/>
+              <a:t>Çoklu Programlama Modellemesi</a:t>
+            </a:r>
+            <a:endParaRPr lang="tr-TR" dirty="0"/>
+          </a:p>
+        </p:txBody>
+      </p:sp>
+      <p:sp>
+        <p:nvSpPr>
+          <p:cNvPr id="3" name="Content Placeholder 2"/>
+          <p:cNvSpPr>
+            <a:spLocks noGrp="1"/>
+          </p:cNvSpPr>
+          <p:nvPr>
+            <p:ph idx="1"/>
+          </p:nvPr>
+        </p:nvSpPr>
+        <p:spPr>
+          <a:xfrm>
+            <a:off x="838200" y="1825625"/>
+            <a:ext cx="10515600" cy="4680000"/>
+          </a:xfrm>
+        </p:spPr>
+        <p:txBody>
+          <a:bodyPr>
+            <a:normAutofit/>
+          </a:bodyPr>
+          <a:lstStyle/>
+          <a:p>
+            <a:pPr marL="0" indent="0">
+              <a:buNone/>
+            </a:pPr>
+            <a:r>
+              <a:rPr lang="tr-TR" dirty="0" smtClean="0"/>
+              <a:t>Bellekte bulunan süreç sayısının </a:t>
+            </a:r>
+            <a:r>
+              <a:rPr lang="tr-TR" dirty="0"/>
+              <a:t>bir fonksiyonu olarak CPU </a:t>
+            </a:r>
+            <a:r>
+              <a:rPr lang="tr-TR" dirty="0" smtClean="0"/>
+              <a:t>kullanımı grafiği.</a:t>
+            </a:r>
+            <a:endParaRPr lang="tr-TR" dirty="0"/>
+          </a:p>
+        </p:txBody>
+      </p:sp>
+      <p:pic>
+        <p:nvPicPr>
+          <p:cNvPr id="4" name="Picture 6" descr="02-06"/>
+          <p:cNvPicPr>
+            <a:picLocks noChangeAspect="1" noChangeArrowheads="1"/>
+          </p:cNvPicPr>
+          <p:nvPr/>
+        </p:nvPicPr>
+        <p:blipFill>
+          <a:blip r:embed="rId2">
+            <a:extLst>
+              <a:ext uri="{28A0092B-C50C-407E-A947-70E740481C1C}">
+                <a14:useLocalDpi xmlns:a14="http://schemas.microsoft.com/office/drawing/2010/main" val="0"/>
+              </a:ext>
+            </a:extLst>
+          </a:blip>
+          <a:srcRect/>
+          <a:stretch>
+            <a:fillRect/>
+          </a:stretch>
+        </p:blipFill>
+        <p:spPr bwMode="auto">
+          <a:xfrm>
+            <a:off x="2794000" y="2794050"/>
+            <a:ext cx="6604000" cy="3711575"/>
+          </a:xfrm>
+          <a:prstGeom prst="rect">
+            <a:avLst/>
+          </a:prstGeom>
+          <a:noFill/>
+          <a:ln>
+            <a:noFill/>
+          </a:ln>
+          <a:extLst>
+            <a:ext uri="{909E8E84-426E-40DD-AFC4-6F175D3DCCD1}">
+              <a14:hiddenFill xmlns:a14="http://schemas.microsoft.com/office/drawing/2010/main">
+                <a:solidFill>
+                  <a:srgbClr val="FFFFFF"/>
+                </a:solidFill>
+              </a14:hiddenFill>
+            </a:ext>
+            <a:ext uri="{91240B29-F687-4F45-9708-019B960494DF}">
+              <a14:hiddenLine xmlns:a14="http://schemas.microsoft.com/office/drawing/2010/main" w="9525">
+                <a:solidFill>
+                  <a:srgbClr val="000000"/>
+                </a:solidFill>
+                <a:miter lim="800000"/>
+                <a:headEnd/>
+                <a:tailEnd/>
+              </a14:hiddenLine>
+            </a:ext>
+          </a:extLst>
+        </p:spPr>
+      </p:pic>
+    </p:spTree>
+    <p:extLst>
+      <p:ext uri="{BB962C8B-B14F-4D97-AF65-F5344CB8AC3E}">
+        <p14:creationId xmlns:p14="http://schemas.microsoft.com/office/powerpoint/2010/main" val="183822931"/>
+      </p:ext>
+    </p:extLst>
+  </p:cSld>
+  <p:clrMapOvr>
+    <a:masterClrMapping/>
+  </p:clrMapOvr>
+  <p:timing>
+    <p:tnLst>
+      <p:par>
+        <p:cTn id="1" dur="indefinite" restart="never" nodeType="tmRoot"/>
+      </p:par>
+    </p:tnLst>
+  </p:timing>
+</p:sld>
+</file>
+
+<file path=ppt/slides/slide13.xml><?xml version="1.0" encoding="utf-8"?>
+<p:sld xmlns:a="http://schemas.openxmlformats.org/drawingml/2006/main" xmlns:r="http://schemas.openxmlformats.org/officeDocument/2006/relationships" xmlns:p="http://schemas.openxmlformats.org/presentationml/2006/main">
+  <p:cSld>
+    <p:spTree>
+      <p:nvGrpSpPr>
+        <p:cNvPr id="1" name=""/>
+        <p:cNvGrpSpPr/>
+        <p:nvPr/>
+      </p:nvGrpSpPr>
+      <p:grpSpPr>
+        <a:xfrm>
+          <a:off x="0" y="0"/>
+          <a:ext cx="0" cy="0"/>
+          <a:chOff x="0" y="0"/>
+          <a:chExt cx="0" cy="0"/>
+        </a:xfrm>
+      </p:grpSpPr>
+      <p:sp>
+        <p:nvSpPr>
+          <p:cNvPr id="2" name="Title 1"/>
+          <p:cNvSpPr>
+            <a:spLocks noGrp="1"/>
+          </p:cNvSpPr>
+          <p:nvPr>
+            <p:ph type="title"/>
+          </p:nvPr>
+        </p:nvSpPr>
+        <p:spPr/>
+        <p:txBody>
+          <a:bodyPr/>
+          <a:lstStyle/>
+          <a:p>
+            <a:r>
+              <a:rPr lang="tr-TR" dirty="0" smtClean="0"/>
+              <a:t>İş Parçacığı</a:t>
+            </a:r>
+            <a:endParaRPr lang="tr-TR" dirty="0"/>
+          </a:p>
+        </p:txBody>
+      </p:sp>
+      <p:sp>
+        <p:nvSpPr>
+          <p:cNvPr id="3" name="Content Placeholder 2"/>
+          <p:cNvSpPr>
+            <a:spLocks noGrp="1"/>
+          </p:cNvSpPr>
+          <p:nvPr>
+            <p:ph idx="1"/>
+          </p:nvPr>
+        </p:nvSpPr>
+        <p:spPr>
+          <a:xfrm>
+            <a:off x="838200" y="1825625"/>
+            <a:ext cx="10515600" cy="4680000"/>
+          </a:xfrm>
+        </p:spPr>
+        <p:txBody>
+          <a:bodyPr>
+            <a:normAutofit/>
+          </a:bodyPr>
+          <a:lstStyle/>
+          <a:p>
+            <a:pPr marL="0" indent="0">
+              <a:buNone/>
+            </a:pPr>
+            <a:r>
+              <a:rPr lang="tr-TR" dirty="0" smtClean="0"/>
+              <a:t>3 iş parçacığına sahip bir uygulama</a:t>
+            </a:r>
+            <a:endParaRPr lang="tr-TR" dirty="0"/>
+          </a:p>
+        </p:txBody>
+      </p:sp>
+      <p:pic>
+        <p:nvPicPr>
+          <p:cNvPr id="4" name="Picture 4" descr="2-9"/>
+          <p:cNvPicPr>
+            <a:picLocks noChangeAspect="1" noChangeArrowheads="1"/>
+          </p:cNvPicPr>
+          <p:nvPr/>
+        </p:nvPicPr>
+        <p:blipFill>
+          <a:blip r:embed="rId2">
+            <a:extLst>
+              <a:ext uri="{28A0092B-C50C-407E-A947-70E740481C1C}">
+                <a14:useLocalDpi xmlns:a14="http://schemas.microsoft.com/office/drawing/2010/main" val="0"/>
+              </a:ext>
+            </a:extLst>
+          </a:blip>
+          <a:srcRect/>
+          <a:stretch>
+            <a:fillRect/>
+          </a:stretch>
+        </p:blipFill>
+        <p:spPr bwMode="auto">
+          <a:xfrm>
+            <a:off x="2292350" y="2253481"/>
+            <a:ext cx="7607300" cy="3824287"/>
+          </a:xfrm>
+          <a:prstGeom prst="rect">
+            <a:avLst/>
+          </a:prstGeom>
+          <a:noFill/>
+          <a:ln>
+            <a:noFill/>
+          </a:ln>
+          <a:extLst>
+            <a:ext uri="{909E8E84-426E-40DD-AFC4-6F175D3DCCD1}">
+              <a14:hiddenFill xmlns:a14="http://schemas.microsoft.com/office/drawing/2010/main">
+                <a:solidFill>
+                  <a:srgbClr val="FFFFFF"/>
+                </a:solidFill>
+              </a14:hiddenFill>
+            </a:ext>
+            <a:ext uri="{91240B29-F687-4F45-9708-019B960494DF}">
+              <a14:hiddenLine xmlns:a14="http://schemas.microsoft.com/office/drawing/2010/main" w="9525">
+                <a:solidFill>
+                  <a:srgbClr val="000000"/>
+                </a:solidFill>
+                <a:miter lim="800000"/>
+                <a:headEnd/>
+                <a:tailEnd/>
+              </a14:hiddenLine>
+            </a:ext>
+          </a:extLst>
+        </p:spPr>
+      </p:pic>
+    </p:spTree>
+    <p:extLst>
+      <p:ext uri="{BB962C8B-B14F-4D97-AF65-F5344CB8AC3E}">
+        <p14:creationId xmlns:p14="http://schemas.microsoft.com/office/powerpoint/2010/main" val="4073705716"/>
+      </p:ext>
+    </p:extLst>
+  </p:cSld>
+  <p:clrMapOvr>
+    <a:masterClrMapping/>
+  </p:clrMapOvr>
+  <p:timing>
+    <p:tnLst>
+      <p:par>
+        <p:cTn id="1" dur="indefinite" restart="never" nodeType="tmRoot"/>
+      </p:par>
+    </p:tnLst>
+  </p:timing>
+</p:sld>
+</file>
+
+<file path=ppt/slides/slide14.xml><?xml version="1.0" encoding="utf-8"?>
+<p:sld xmlns:a="http://schemas.openxmlformats.org/drawingml/2006/main" xmlns:r="http://schemas.openxmlformats.org/officeDocument/2006/relationships" xmlns:p="http://schemas.openxmlformats.org/presentationml/2006/main">
+  <p:cSld>
+    <p:spTree>
+      <p:nvGrpSpPr>
+        <p:cNvPr id="1" name=""/>
+        <p:cNvGrpSpPr/>
+        <p:nvPr/>
+      </p:nvGrpSpPr>
+      <p:grpSpPr>
+        <a:xfrm>
+          <a:off x="0" y="0"/>
+          <a:ext cx="0" cy="0"/>
+          <a:chOff x="0" y="0"/>
+          <a:chExt cx="0" cy="0"/>
+        </a:xfrm>
+      </p:grpSpPr>
+      <p:sp>
+        <p:nvSpPr>
+          <p:cNvPr id="2" name="Title 1"/>
+          <p:cNvSpPr>
+            <a:spLocks noGrp="1"/>
+          </p:cNvSpPr>
+          <p:nvPr>
+            <p:ph type="title"/>
+          </p:nvPr>
+        </p:nvSpPr>
+        <p:spPr/>
+        <p:txBody>
+          <a:bodyPr/>
+          <a:lstStyle/>
+          <a:p>
+            <a:r>
+              <a:rPr lang="tr-TR" dirty="0" smtClean="0"/>
+              <a:t>İş Parçacığı Kullanımı</a:t>
+            </a:r>
+            <a:endParaRPr lang="tr-TR" dirty="0"/>
+          </a:p>
+        </p:txBody>
+      </p:sp>
+      <p:sp>
+        <p:nvSpPr>
+          <p:cNvPr id="3" name="Content Placeholder 2"/>
+          <p:cNvSpPr>
+            <a:spLocks noGrp="1"/>
+          </p:cNvSpPr>
+          <p:nvPr>
+            <p:ph idx="1"/>
+          </p:nvPr>
+        </p:nvSpPr>
+        <p:spPr>
+          <a:xfrm>
+            <a:off x="838200" y="1825625"/>
+            <a:ext cx="10515600" cy="4680000"/>
+          </a:xfrm>
+        </p:spPr>
+        <p:txBody>
+          <a:bodyPr>
+            <a:normAutofit/>
+          </a:bodyPr>
+          <a:lstStyle/>
+          <a:p>
+            <a:pPr marL="0" indent="0">
+              <a:buNone/>
+            </a:pPr>
+            <a:r>
+              <a:rPr lang="tr-TR" dirty="0" smtClean="0"/>
+              <a:t>Çoklu</a:t>
+            </a:r>
+            <a:r>
+              <a:rPr lang="tr-TR" dirty="0" smtClean="0"/>
+              <a:t> iş parçacığına sahip bir web sunucusu</a:t>
+            </a:r>
+          </a:p>
+          <a:p>
+            <a:pPr marL="0" indent="0">
+              <a:buNone/>
+            </a:pPr>
+            <a:endParaRPr lang="tr-TR" dirty="0"/>
+          </a:p>
+        </p:txBody>
+      </p:sp>
+      <p:pic>
+        <p:nvPicPr>
+          <p:cNvPr id="5" name="Picture 4" descr="2-10"/>
+          <p:cNvPicPr>
+            <a:picLocks noChangeAspect="1" noChangeArrowheads="1"/>
+          </p:cNvPicPr>
+          <p:nvPr/>
+        </p:nvPicPr>
+        <p:blipFill>
+          <a:blip r:embed="rId2">
+            <a:extLst>
+              <a:ext uri="{28A0092B-C50C-407E-A947-70E740481C1C}">
+                <a14:useLocalDpi xmlns:a14="http://schemas.microsoft.com/office/drawing/2010/main" val="0"/>
+              </a:ext>
+            </a:extLst>
+          </a:blip>
+          <a:srcRect/>
+          <a:stretch>
+            <a:fillRect/>
+          </a:stretch>
+        </p:blipFill>
+        <p:spPr bwMode="auto">
+          <a:xfrm>
+            <a:off x="2832100" y="2416357"/>
+            <a:ext cx="6527800" cy="4325938"/>
+          </a:xfrm>
+          <a:prstGeom prst="rect">
+            <a:avLst/>
+          </a:prstGeom>
+          <a:noFill/>
+          <a:ln>
+            <a:noFill/>
+          </a:ln>
+          <a:extLst>
+            <a:ext uri="{909E8E84-426E-40DD-AFC4-6F175D3DCCD1}">
+              <a14:hiddenFill xmlns:a14="http://schemas.microsoft.com/office/drawing/2010/main">
+                <a:solidFill>
+                  <a:srgbClr val="FFFFFF"/>
+                </a:solidFill>
+              </a14:hiddenFill>
+            </a:ext>
+            <a:ext uri="{91240B29-F687-4F45-9708-019B960494DF}">
+              <a14:hiddenLine xmlns:a14="http://schemas.microsoft.com/office/drawing/2010/main" w="9525">
+                <a:solidFill>
+                  <a:srgbClr val="000000"/>
+                </a:solidFill>
+                <a:miter lim="800000"/>
+                <a:headEnd/>
+                <a:tailEnd/>
+              </a14:hiddenLine>
+            </a:ext>
+          </a:extLst>
+        </p:spPr>
+      </p:pic>
+    </p:spTree>
+    <p:extLst>
+      <p:ext uri="{BB962C8B-B14F-4D97-AF65-F5344CB8AC3E}">
+        <p14:creationId xmlns:p14="http://schemas.microsoft.com/office/powerpoint/2010/main" val="47319965"/>
+      </p:ext>
+    </p:extLst>
+  </p:cSld>
+  <p:clrMapOvr>
+    <a:masterClrMapping/>
+  </p:clrMapOvr>
+  <p:timing>
+    <p:tnLst>
+      <p:par>
+        <p:cTn id="1" dur="indefinite" restart="never" nodeType="tmRoot"/>
+      </p:par>
+    </p:tnLst>
+  </p:timing>
+</p:sld>
+</file>
+
+<file path=ppt/slides/slide15.xml><?xml version="1.0" encoding="utf-8"?>
+<p:sld xmlns:a="http://schemas.openxmlformats.org/drawingml/2006/main" xmlns:r="http://schemas.openxmlformats.org/officeDocument/2006/relationships" xmlns:p="http://schemas.openxmlformats.org/presentationml/2006/main">
+  <p:cSld>
+    <p:spTree>
+      <p:nvGrpSpPr>
+        <p:cNvPr id="1" name=""/>
+        <p:cNvGrpSpPr/>
+        <p:nvPr/>
+      </p:nvGrpSpPr>
+      <p:grpSpPr>
+        <a:xfrm>
+          <a:off x="0" y="0"/>
+          <a:ext cx="0" cy="0"/>
+          <a:chOff x="0" y="0"/>
+          <a:chExt cx="0" cy="0"/>
+        </a:xfrm>
+      </p:grpSpPr>
+      <p:sp>
+        <p:nvSpPr>
+          <p:cNvPr id="2" name="Title 1"/>
+          <p:cNvSpPr>
+            <a:spLocks noGrp="1"/>
+          </p:cNvSpPr>
+          <p:nvPr>
+            <p:ph type="title"/>
+          </p:nvPr>
+        </p:nvSpPr>
+        <p:spPr/>
+        <p:txBody>
+          <a:bodyPr/>
+          <a:lstStyle/>
+          <a:p>
+            <a:r>
+              <a:rPr lang="tr-TR" dirty="0"/>
+              <a:t>Tekrarlanamaz Yürütme</a:t>
+            </a:r>
+            <a:endParaRPr lang="tr-TR" dirty="0"/>
+          </a:p>
+        </p:txBody>
+      </p:sp>
+      <p:sp>
+        <p:nvSpPr>
+          <p:cNvPr id="3" name="Content Placeholder 2"/>
+          <p:cNvSpPr>
+            <a:spLocks noGrp="1"/>
+          </p:cNvSpPr>
+          <p:nvPr>
+            <p:ph idx="1"/>
+          </p:nvPr>
+        </p:nvSpPr>
+        <p:spPr>
+          <a:xfrm>
+            <a:off x="838200" y="1825625"/>
+            <a:ext cx="10515600" cy="4680000"/>
+          </a:xfrm>
+        </p:spPr>
+        <p:txBody>
+          <a:bodyPr>
+            <a:normAutofit/>
+          </a:bodyPr>
+          <a:lstStyle/>
+          <a:p>
+            <a:endParaRPr lang="tr-TR" dirty="0"/>
+          </a:p>
+        </p:txBody>
+      </p:sp>
+    </p:spTree>
+    <p:extLst>
+      <p:ext uri="{BB962C8B-B14F-4D97-AF65-F5344CB8AC3E}">
+        <p14:creationId xmlns:p14="http://schemas.microsoft.com/office/powerpoint/2010/main" val="3874814885"/>
+      </p:ext>
+    </p:extLst>
+  </p:cSld>
+  <p:clrMapOvr>
+    <a:masterClrMapping/>
+  </p:clrMapOvr>
+  <p:timing>
+    <p:tnLst>
+      <p:par>
+        <p:cTn id="1" dur="indefinite" restart="never" nodeType="tmRoot"/>
+      </p:par>
+    </p:tnLst>
+  </p:timing>
+</p:sld>
+</file>
+
+<file path=ppt/slides/slide16.xml><?xml version="1.0" encoding="utf-8"?>
+<p:sld xmlns:a="http://schemas.openxmlformats.org/drawingml/2006/main" xmlns:r="http://schemas.openxmlformats.org/officeDocument/2006/relationships" xmlns:p="http://schemas.openxmlformats.org/presentationml/2006/main">
+  <p:cSld>
+    <p:spTree>
+      <p:nvGrpSpPr>
+        <p:cNvPr id="1" name=""/>
+        <p:cNvGrpSpPr/>
+        <p:nvPr/>
+      </p:nvGrpSpPr>
+      <p:grpSpPr>
+        <a:xfrm>
+          <a:off x="0" y="0"/>
+          <a:ext cx="0" cy="0"/>
+          <a:chOff x="0" y="0"/>
+          <a:chExt cx="0" cy="0"/>
+        </a:xfrm>
+      </p:grpSpPr>
+      <p:sp>
+        <p:nvSpPr>
+          <p:cNvPr id="2" name="Title 1"/>
+          <p:cNvSpPr>
+            <a:spLocks noGrp="1"/>
+          </p:cNvSpPr>
+          <p:nvPr>
+            <p:ph type="title"/>
+          </p:nvPr>
+        </p:nvSpPr>
+        <p:spPr/>
+        <p:txBody>
+          <a:bodyPr/>
+          <a:lstStyle/>
+          <a:p>
+            <a:r>
+              <a:rPr lang="tr-TR" dirty="0"/>
+              <a:t>Tekrarlanamaz Yürütme</a:t>
+            </a:r>
+            <a:endParaRPr lang="tr-TR" dirty="0"/>
+          </a:p>
+        </p:txBody>
+      </p:sp>
+      <p:sp>
+        <p:nvSpPr>
+          <p:cNvPr id="3" name="Content Placeholder 2"/>
+          <p:cNvSpPr>
+            <a:spLocks noGrp="1"/>
+          </p:cNvSpPr>
+          <p:nvPr>
+            <p:ph idx="1"/>
+          </p:nvPr>
+        </p:nvSpPr>
+        <p:spPr>
+          <a:xfrm>
+            <a:off x="838200" y="1825625"/>
+            <a:ext cx="10515600" cy="4680000"/>
+          </a:xfrm>
+        </p:spPr>
+        <p:txBody>
+          <a:bodyPr>
+            <a:normAutofit/>
+          </a:bodyPr>
+          <a:lstStyle/>
+          <a:p>
+            <a:endParaRPr lang="tr-TR" dirty="0"/>
+          </a:p>
+        </p:txBody>
+      </p:sp>
+    </p:spTree>
+    <p:extLst>
+      <p:ext uri="{BB962C8B-B14F-4D97-AF65-F5344CB8AC3E}">
+        <p14:creationId xmlns:p14="http://schemas.microsoft.com/office/powerpoint/2010/main" val="3968101357"/>
+      </p:ext>
+    </p:extLst>
+  </p:cSld>
+  <p:clrMapOvr>
+    <a:masterClrMapping/>
+  </p:clrMapOvr>
+  <p:timing>
+    <p:tnLst>
+      <p:par>
+        <p:cTn id="1" dur="indefinite" restart="never" nodeType="tmRoot"/>
+      </p:par>
+    </p:tnLst>
+  </p:timing>
+</p:sld>
+</file>
+
+<file path=ppt/slides/slide17.xml><?xml version="1.0" encoding="utf-8"?>
+<p:sld xmlns:a="http://schemas.openxmlformats.org/drawingml/2006/main" xmlns:r="http://schemas.openxmlformats.org/officeDocument/2006/relationships" xmlns:p="http://schemas.openxmlformats.org/presentationml/2006/main">
+  <p:cSld>
+    <p:spTree>
+      <p:nvGrpSpPr>
+        <p:cNvPr id="1" name=""/>
+        <p:cNvGrpSpPr/>
+        <p:nvPr/>
+      </p:nvGrpSpPr>
+      <p:grpSpPr>
+        <a:xfrm>
+          <a:off x="0" y="0"/>
+          <a:ext cx="0" cy="0"/>
+          <a:chOff x="0" y="0"/>
+          <a:chExt cx="0" cy="0"/>
+        </a:xfrm>
+      </p:grpSpPr>
+      <p:sp>
+        <p:nvSpPr>
+          <p:cNvPr id="2" name="Title 1"/>
+          <p:cNvSpPr>
+            <a:spLocks noGrp="1"/>
+          </p:cNvSpPr>
+          <p:nvPr>
+            <p:ph type="title"/>
+          </p:nvPr>
+        </p:nvSpPr>
+        <p:spPr/>
+        <p:txBody>
+          <a:bodyPr/>
+          <a:lstStyle/>
+          <a:p>
+            <a:r>
+              <a:rPr lang="tr-TR" dirty="0"/>
+              <a:t>Tekrarlanamaz Yürütme</a:t>
+            </a:r>
+            <a:endParaRPr lang="tr-TR" dirty="0"/>
+          </a:p>
+        </p:txBody>
+      </p:sp>
+      <p:sp>
+        <p:nvSpPr>
+          <p:cNvPr id="3" name="Content Placeholder 2"/>
+          <p:cNvSpPr>
+            <a:spLocks noGrp="1"/>
+          </p:cNvSpPr>
+          <p:nvPr>
+            <p:ph idx="1"/>
+          </p:nvPr>
+        </p:nvSpPr>
+        <p:spPr>
+          <a:xfrm>
+            <a:off x="838200" y="1825625"/>
+            <a:ext cx="10515600" cy="4680000"/>
+          </a:xfrm>
+        </p:spPr>
+        <p:txBody>
+          <a:bodyPr>
+            <a:normAutofit/>
+          </a:bodyPr>
+          <a:lstStyle/>
+          <a:p>
+            <a:endParaRPr lang="tr-TR" dirty="0"/>
+          </a:p>
+        </p:txBody>
+      </p:sp>
+    </p:spTree>
+    <p:extLst>
+      <p:ext uri="{BB962C8B-B14F-4D97-AF65-F5344CB8AC3E}">
+        <p14:creationId xmlns:p14="http://schemas.microsoft.com/office/powerpoint/2010/main" val="2565588013"/>
+      </p:ext>
+    </p:extLst>
+  </p:cSld>
+  <p:clrMapOvr>
+    <a:masterClrMapping/>
+  </p:clrMapOvr>
+  <p:timing>
+    <p:tnLst>
+      <p:par>
+        <p:cTn id="1" dur="indefinite" restart="never" nodeType="tmRoot"/>
+      </p:par>
+    </p:tnLst>
+  </p:timing>
+</p:sld>
+</file>
+
+<file path=ppt/slides/slide18.xml><?xml version="1.0" encoding="utf-8"?>
+<p:sld xmlns:a="http://schemas.openxmlformats.org/drawingml/2006/main" xmlns:r="http://schemas.openxmlformats.org/officeDocument/2006/relationships" xmlns:p="http://schemas.openxmlformats.org/presentationml/2006/main">
+  <p:cSld>
+    <p:spTree>
+      <p:nvGrpSpPr>
+        <p:cNvPr id="1" name=""/>
+        <p:cNvGrpSpPr/>
+        <p:nvPr/>
+      </p:nvGrpSpPr>
+      <p:grpSpPr>
+        <a:xfrm>
+          <a:off x="0" y="0"/>
+          <a:ext cx="0" cy="0"/>
+          <a:chOff x="0" y="0"/>
+          <a:chExt cx="0" cy="0"/>
+        </a:xfrm>
+      </p:grpSpPr>
+      <p:sp>
+        <p:nvSpPr>
+          <p:cNvPr id="2" name="Title 1"/>
+          <p:cNvSpPr>
+            <a:spLocks noGrp="1"/>
+          </p:cNvSpPr>
+          <p:nvPr>
+            <p:ph type="title"/>
+          </p:nvPr>
+        </p:nvSpPr>
+        <p:spPr/>
+        <p:txBody>
+          <a:bodyPr/>
+          <a:lstStyle/>
+          <a:p>
+            <a:r>
+              <a:rPr lang="tr-TR" dirty="0"/>
+              <a:t>Tekrarlanamaz Yürütme</a:t>
+            </a:r>
+            <a:endParaRPr lang="tr-TR" dirty="0"/>
+          </a:p>
+        </p:txBody>
+      </p:sp>
+      <p:sp>
+        <p:nvSpPr>
+          <p:cNvPr id="3" name="Content Placeholder 2"/>
+          <p:cNvSpPr>
+            <a:spLocks noGrp="1"/>
+          </p:cNvSpPr>
+          <p:nvPr>
+            <p:ph idx="1"/>
+          </p:nvPr>
+        </p:nvSpPr>
+        <p:spPr>
+          <a:xfrm>
+            <a:off x="838200" y="1825625"/>
+            <a:ext cx="10515600" cy="4680000"/>
+          </a:xfrm>
+        </p:spPr>
+        <p:txBody>
+          <a:bodyPr>
+            <a:normAutofit/>
+          </a:bodyPr>
+          <a:lstStyle/>
+          <a:p>
+            <a:endParaRPr lang="tr-TR" dirty="0"/>
+          </a:p>
+        </p:txBody>
+      </p:sp>
+    </p:spTree>
+    <p:extLst>
+      <p:ext uri="{BB962C8B-B14F-4D97-AF65-F5344CB8AC3E}">
+        <p14:creationId xmlns:p14="http://schemas.microsoft.com/office/powerpoint/2010/main" val="2943690468"/>
+      </p:ext>
+    </p:extLst>
+  </p:cSld>
+  <p:clrMapOvr>
+    <a:masterClrMapping/>
+  </p:clrMapOvr>
+  <p:timing>
+    <p:tnLst>
+      <p:par>
+        <p:cTn id="1" dur="indefinite" restart="never" nodeType="tmRoot"/>
+      </p:par>
+    </p:tnLst>
+  </p:timing>
+</p:sld>
+</file>
+
+<file path=ppt/slides/slide19.xml><?xml version="1.0" encoding="utf-8"?>
+<p:sld xmlns:a="http://schemas.openxmlformats.org/drawingml/2006/main" xmlns:r="http://schemas.openxmlformats.org/officeDocument/2006/relationships" xmlns:p="http://schemas.openxmlformats.org/presentationml/2006/main">
+  <p:cSld>
+    <p:spTree>
+      <p:nvGrpSpPr>
+        <p:cNvPr id="1" name=""/>
+        <p:cNvGrpSpPr/>
+        <p:nvPr/>
+      </p:nvGrpSpPr>
+      <p:grpSpPr>
+        <a:xfrm>
+          <a:off x="0" y="0"/>
+          <a:ext cx="0" cy="0"/>
+          <a:chOff x="0" y="0"/>
+          <a:chExt cx="0" cy="0"/>
+        </a:xfrm>
+      </p:grpSpPr>
+      <p:sp>
+        <p:nvSpPr>
+          <p:cNvPr id="2" name="Title 1"/>
+          <p:cNvSpPr>
+            <a:spLocks noGrp="1"/>
+          </p:cNvSpPr>
+          <p:nvPr>
+            <p:ph type="title"/>
+          </p:nvPr>
+        </p:nvSpPr>
+        <p:spPr/>
+        <p:txBody>
+          <a:bodyPr/>
+          <a:lstStyle/>
+          <a:p>
+            <a:endParaRPr lang="tr-TR" dirty="0"/>
+          </a:p>
+        </p:txBody>
+      </p:sp>
+      <p:sp>
+        <p:nvSpPr>
+          <p:cNvPr id="3" name="Content Placeholder 2"/>
+          <p:cNvSpPr>
+            <a:spLocks noGrp="1"/>
+          </p:cNvSpPr>
+          <p:nvPr>
+            <p:ph idx="1"/>
+          </p:nvPr>
+        </p:nvSpPr>
+        <p:spPr>
+          <a:xfrm>
+            <a:off x="838200" y="1825625"/>
+            <a:ext cx="10515600" cy="4680000"/>
+          </a:xfrm>
+        </p:spPr>
+        <p:txBody>
+          <a:bodyPr>
+            <a:normAutofit/>
+          </a:bodyPr>
+          <a:lstStyle/>
+          <a:p>
+            <a:endParaRPr lang="tr-TR" dirty="0" smtClean="0"/>
+          </a:p>
+          <a:p>
+            <a:endParaRPr lang="tr-TR" dirty="0"/>
+          </a:p>
+          <a:p>
+            <a:endParaRPr lang="tr-TR" dirty="0" smtClean="0"/>
+          </a:p>
+          <a:p>
+            <a:pPr marL="0" indent="0" algn="ctr">
+              <a:buNone/>
+            </a:pPr>
+            <a:r>
+              <a:rPr lang="tr-TR" dirty="0" smtClean="0"/>
+              <a:t>SON</a:t>
+            </a:r>
+            <a:endParaRPr lang="tr-TR" dirty="0"/>
+          </a:p>
+          <a:p>
+            <a:endParaRPr lang="tr-TR" dirty="0"/>
+          </a:p>
+          <a:p>
+            <a:endParaRPr lang="tr-TR" dirty="0"/>
+          </a:p>
+          <a:p>
+            <a:endParaRPr lang="tr-TR" dirty="0"/>
+          </a:p>
+        </p:txBody>
+      </p:sp>
+    </p:spTree>
+    <p:extLst>
+      <p:ext uri="{BB962C8B-B14F-4D97-AF65-F5344CB8AC3E}">
+        <p14:creationId xmlns:p14="http://schemas.microsoft.com/office/powerpoint/2010/main" val="2824592776"/>
+      </p:ext>
+    </p:extLst>
+  </p:cSld>
+  <p:clrMapOvr>
+    <a:masterClrMapping/>
+  </p:clrMapOvr>
+  <p:timing>
+    <p:tnLst>
+      <p:par>
+        <p:cTn id="1" dur="indefinite" restart="never" nodeType="tmRoot"/>
+      </p:par>
+    </p:tnLst>
+  </p:timing>
+</p:sld>
+</file>
+
 <file path=ppt/slides/slide2.xml><?xml version="1.0" encoding="utf-8"?>
 <p:sld xmlns:a="http://schemas.openxmlformats.org/drawingml/2006/main" xmlns:r="http://schemas.openxmlformats.org/officeDocument/2006/relationships" xmlns:p="http://schemas.openxmlformats.org/presentationml/2006/main">
   <p:cSld>
@@ -3311,7 +4553,6 @@
               <a:rPr lang="tr-TR" dirty="0"/>
               <a:t>program etkindir.</a:t>
             </a:r>
-            <a:endParaRPr lang="tr-TR" dirty="0"/>
           </a:p>
         </p:txBody>
       </p:sp>
@@ -3421,6 +4662,10 @@
           <a:bodyPr/>
           <a:lstStyle/>
           <a:p>
+            <a:r>
+              <a:rPr lang="tr-TR" dirty="0"/>
+              <a:t>Tekrarlanamaz Yürütme</a:t>
+            </a:r>
             <a:endParaRPr lang="tr-TR" dirty="0"/>
           </a:p>
         </p:txBody>
@@ -3447,29 +4692,125 @@
           </a:bodyPr>
           <a:lstStyle/>
           <a:p>
+            <a:r>
+              <a:rPr lang="tr-TR" dirty="0" err="1" smtClean="0"/>
+              <a:t>Non-reproducible</a:t>
+            </a:r>
             <a:endParaRPr lang="tr-TR" dirty="0" smtClean="0"/>
           </a:p>
           <a:p>
             <a:endParaRPr lang="tr-TR" dirty="0"/>
           </a:p>
           <a:p>
-            <a:endParaRPr lang="tr-TR" dirty="0" smtClean="0"/>
-          </a:p>
-          <a:p>
-            <a:pPr marL="0" indent="0" algn="ctr">
+            <a:pPr marL="0" indent="0">
               <a:buNone/>
             </a:pPr>
             <a:r>
               <a:rPr lang="tr-TR" dirty="0" smtClean="0"/>
-              <a:t>SON</a:t>
-            </a:r>
+              <a:t>Program 1: </a:t>
+            </a:r>
+            <a:r>
+              <a:rPr lang="tr-TR" dirty="0" err="1" smtClean="0"/>
+              <a:t>repeat</a:t>
+            </a:r>
+            <a:r>
+              <a:rPr lang="tr-TR" dirty="0" smtClean="0"/>
+              <a:t> n = n + 1;</a:t>
+            </a:r>
+          </a:p>
+          <a:p>
+            <a:pPr marL="0" indent="0">
+              <a:buNone/>
+            </a:pPr>
+            <a:r>
+              <a:rPr lang="tr-TR" dirty="0" smtClean="0"/>
+              <a:t>Program 2: </a:t>
+            </a:r>
+            <a:r>
+              <a:rPr lang="tr-TR" dirty="0" err="1" smtClean="0"/>
+              <a:t>repeat</a:t>
+            </a:r>
+            <a:r>
+              <a:rPr lang="tr-TR" dirty="0" smtClean="0"/>
+              <a:t> </a:t>
+            </a:r>
+            <a:r>
+              <a:rPr lang="tr-TR" dirty="0" err="1" smtClean="0"/>
+              <a:t>print</a:t>
+            </a:r>
+            <a:r>
+              <a:rPr lang="tr-TR" dirty="0" smtClean="0"/>
+              <a:t>(n); n = 0;</a:t>
+            </a:r>
+          </a:p>
+          <a:p>
+            <a:pPr marL="0" indent="0">
+              <a:buNone/>
+            </a:pPr>
             <a:endParaRPr lang="tr-TR" dirty="0"/>
           </a:p>
           <a:p>
-            <a:endParaRPr lang="tr-TR" dirty="0"/>
-          </a:p>
-          <a:p>
-            <a:endParaRPr lang="tr-TR" dirty="0"/>
+            <a:pPr marL="0" indent="0">
+              <a:buNone/>
+            </a:pPr>
+            <a:r>
+              <a:rPr lang="tr-TR" dirty="0" smtClean="0"/>
+              <a:t>Yürütme sırası farklı olabilir.</a:t>
+            </a:r>
+          </a:p>
+          <a:p>
+            <a:r>
+              <a:rPr lang="tr-TR" dirty="0"/>
+              <a:t>n</a:t>
+            </a:r>
+            <a:r>
+              <a:rPr lang="tr-TR" dirty="0" smtClean="0"/>
+              <a:t> = n + 1; </a:t>
+            </a:r>
+            <a:r>
+              <a:rPr lang="tr-TR" dirty="0" err="1" smtClean="0"/>
+              <a:t>print</a:t>
+            </a:r>
+            <a:r>
+              <a:rPr lang="tr-TR" dirty="0" smtClean="0"/>
+              <a:t>(n); n = 0;</a:t>
+            </a:r>
+          </a:p>
+          <a:p>
+            <a:r>
+              <a:rPr lang="tr-TR" dirty="0" err="1"/>
+              <a:t>print</a:t>
+            </a:r>
+            <a:r>
+              <a:rPr lang="tr-TR" dirty="0"/>
+              <a:t>(n); n = 0</a:t>
+            </a:r>
+            <a:r>
+              <a:rPr lang="tr-TR" dirty="0" smtClean="0"/>
+              <a:t>; </a:t>
+            </a:r>
+            <a:r>
+              <a:rPr lang="tr-TR" dirty="0"/>
+              <a:t>n = n + 1; </a:t>
+            </a:r>
+          </a:p>
+          <a:p>
+            <a:r>
+              <a:rPr lang="tr-TR" dirty="0" err="1"/>
+              <a:t>print</a:t>
+            </a:r>
+            <a:r>
+              <a:rPr lang="tr-TR" dirty="0"/>
+              <a:t>(n</a:t>
+            </a:r>
+            <a:r>
+              <a:rPr lang="tr-TR" dirty="0" smtClean="0"/>
+              <a:t>); </a:t>
+            </a:r>
+            <a:r>
+              <a:rPr lang="tr-TR" dirty="0"/>
+              <a:t>n = n + 1; n = 0; </a:t>
+            </a:r>
           </a:p>
           <a:p>
             <a:endParaRPr lang="tr-TR" dirty="0"/>
@@ -3479,7 +4820,845 @@
     </p:spTree>
     <p:extLst>
       <p:ext uri="{BB962C8B-B14F-4D97-AF65-F5344CB8AC3E}">
-        <p14:creationId xmlns:p14="http://schemas.microsoft.com/office/powerpoint/2010/main" val="2824592776"/>
+        <p14:creationId xmlns:p14="http://schemas.microsoft.com/office/powerpoint/2010/main" val="3384719215"/>
+      </p:ext>
+    </p:extLst>
+  </p:cSld>
+  <p:clrMapOvr>
+    <a:masterClrMapping/>
+  </p:clrMapOvr>
+  <p:timing>
+    <p:tnLst>
+      <p:par>
+        <p:cTn id="1" dur="indefinite" restart="never" nodeType="tmRoot"/>
+      </p:par>
+    </p:tnLst>
+  </p:timing>
+</p:sld>
+</file>
+
+<file path=ppt/slides/slide5.xml><?xml version="1.0" encoding="utf-8"?>
+<p:sld xmlns:a="http://schemas.openxmlformats.org/drawingml/2006/main" xmlns:r="http://schemas.openxmlformats.org/officeDocument/2006/relationships" xmlns:p="http://schemas.openxmlformats.org/presentationml/2006/main">
+  <p:cSld>
+    <p:spTree>
+      <p:nvGrpSpPr>
+        <p:cNvPr id="1" name=""/>
+        <p:cNvGrpSpPr/>
+        <p:nvPr/>
+      </p:nvGrpSpPr>
+      <p:grpSpPr>
+        <a:xfrm>
+          <a:off x="0" y="0"/>
+          <a:ext cx="0" cy="0"/>
+          <a:chOff x="0" y="0"/>
+          <a:chExt cx="0" cy="0"/>
+        </a:xfrm>
+      </p:grpSpPr>
+      <p:sp>
+        <p:nvSpPr>
+          <p:cNvPr id="2" name="Title 1"/>
+          <p:cNvSpPr>
+            <a:spLocks noGrp="1"/>
+          </p:cNvSpPr>
+          <p:nvPr>
+            <p:ph type="title"/>
+          </p:nvPr>
+        </p:nvSpPr>
+        <p:spPr/>
+        <p:txBody>
+          <a:bodyPr/>
+          <a:lstStyle/>
+          <a:p>
+            <a:r>
+              <a:rPr lang="tr-TR" dirty="0" smtClean="0"/>
+              <a:t>Süreç ve </a:t>
+            </a:r>
+            <a:r>
+              <a:rPr lang="tr-TR" dirty="0"/>
+              <a:t>Program Arasındaki Farklar</a:t>
+            </a:r>
+            <a:endParaRPr lang="tr-TR" dirty="0"/>
+          </a:p>
+        </p:txBody>
+      </p:sp>
+      <p:sp>
+        <p:nvSpPr>
+          <p:cNvPr id="3" name="Content Placeholder 2"/>
+          <p:cNvSpPr>
+            <a:spLocks noGrp="1"/>
+          </p:cNvSpPr>
+          <p:nvPr>
+            <p:ph idx="1"/>
+          </p:nvPr>
+        </p:nvSpPr>
+        <p:spPr>
+          <a:xfrm>
+            <a:off x="838200" y="1825625"/>
+            <a:ext cx="10515600" cy="4680000"/>
+          </a:xfrm>
+        </p:spPr>
+        <p:txBody>
+          <a:bodyPr>
+            <a:normAutofit/>
+          </a:bodyPr>
+          <a:lstStyle/>
+          <a:p>
+            <a:r>
+              <a:rPr lang="tr-TR" dirty="0" smtClean="0"/>
+              <a:t>Program</a:t>
+            </a:r>
+            <a:r>
+              <a:rPr lang="tr-TR" dirty="0"/>
+              <a:t>, bilgisayar kodlarının bir </a:t>
+            </a:r>
+            <a:r>
+              <a:rPr lang="tr-TR" dirty="0" smtClean="0"/>
+              <a:t>koleksiyonudur </a:t>
+            </a:r>
+            <a:r>
+              <a:rPr lang="tr-TR" dirty="0"/>
+              <a:t>ve çalıştırılabilir bir </a:t>
+            </a:r>
+            <a:r>
+              <a:rPr lang="tr-TR" dirty="0" smtClean="0"/>
+              <a:t>dosya halindedir.</a:t>
+            </a:r>
+            <a:endParaRPr lang="tr-TR" dirty="0"/>
+          </a:p>
+          <a:p>
+            <a:r>
+              <a:rPr lang="tr-TR" dirty="0" smtClean="0"/>
+              <a:t>Bir </a:t>
+            </a:r>
+            <a:r>
+              <a:rPr lang="tr-TR" dirty="0"/>
+              <a:t>program, bir </a:t>
+            </a:r>
+            <a:r>
+              <a:rPr lang="tr-TR" dirty="0" smtClean="0"/>
+              <a:t>süreç </a:t>
+            </a:r>
+            <a:r>
+              <a:rPr lang="tr-TR" dirty="0"/>
+              <a:t>oluşturulduğunda </a:t>
+            </a:r>
+            <a:r>
+              <a:rPr lang="tr-TR" dirty="0" smtClean="0"/>
+              <a:t>çalıştırılır.</a:t>
+            </a:r>
+          </a:p>
+          <a:p>
+            <a:r>
+              <a:rPr lang="tr-TR" dirty="0" smtClean="0"/>
+              <a:t>Süreçler bellekte yer kaplar.</a:t>
+            </a:r>
+            <a:endParaRPr lang="tr-TR" dirty="0"/>
+          </a:p>
+          <a:p>
+            <a:r>
+              <a:rPr lang="tr-TR" dirty="0"/>
+              <a:t>Bir program birden fazla </a:t>
+            </a:r>
+            <a:r>
+              <a:rPr lang="tr-TR" dirty="0" smtClean="0"/>
+              <a:t>süreç oluşturabilir </a:t>
+            </a:r>
+            <a:r>
+              <a:rPr lang="tr-TR" dirty="0"/>
+              <a:t>ve her </a:t>
+            </a:r>
+            <a:r>
+              <a:rPr lang="tr-TR" dirty="0" smtClean="0"/>
+              <a:t>süreç ayrı sistem kaynakları </a:t>
+            </a:r>
+            <a:r>
+              <a:rPr lang="tr-TR" dirty="0"/>
+              <a:t>kullanır.</a:t>
+            </a:r>
+          </a:p>
+          <a:p>
+            <a:r>
+              <a:rPr lang="tr-TR" dirty="0" smtClean="0"/>
+              <a:t>Süreçler </a:t>
+            </a:r>
+            <a:r>
+              <a:rPr lang="tr-TR" dirty="0"/>
+              <a:t>arasında haberleşme, </a:t>
+            </a:r>
+            <a:r>
+              <a:rPr lang="tr-TR" dirty="0" smtClean="0"/>
+              <a:t>veri </a:t>
+            </a:r>
+            <a:r>
+              <a:rPr lang="tr-TR" dirty="0"/>
+              <a:t>paylaşımı ve </a:t>
+            </a:r>
+            <a:r>
+              <a:rPr lang="tr-TR" dirty="0" smtClean="0"/>
+              <a:t>iş </a:t>
+            </a:r>
+            <a:r>
+              <a:rPr lang="tr-TR" dirty="0"/>
+              <a:t>bölümü gerçekleşebilir.</a:t>
+            </a:r>
+            <a:endParaRPr lang="tr-TR" dirty="0"/>
+          </a:p>
+        </p:txBody>
+      </p:sp>
+    </p:spTree>
+    <p:extLst>
+      <p:ext uri="{BB962C8B-B14F-4D97-AF65-F5344CB8AC3E}">
+        <p14:creationId xmlns:p14="http://schemas.microsoft.com/office/powerpoint/2010/main" val="3748034735"/>
+      </p:ext>
+    </p:extLst>
+  </p:cSld>
+  <p:clrMapOvr>
+    <a:masterClrMapping/>
+  </p:clrMapOvr>
+  <p:timing>
+    <p:tnLst>
+      <p:par>
+        <p:cTn id="1" dur="indefinite" restart="never" nodeType="tmRoot"/>
+      </p:par>
+    </p:tnLst>
+  </p:timing>
+</p:sld>
+</file>
+
+<file path=ppt/slides/slide6.xml><?xml version="1.0" encoding="utf-8"?>
+<p:sld xmlns:a="http://schemas.openxmlformats.org/drawingml/2006/main" xmlns:r="http://schemas.openxmlformats.org/officeDocument/2006/relationships" xmlns:p="http://schemas.openxmlformats.org/presentationml/2006/main">
+  <p:cSld>
+    <p:spTree>
+      <p:nvGrpSpPr>
+        <p:cNvPr id="1" name=""/>
+        <p:cNvGrpSpPr/>
+        <p:nvPr/>
+      </p:nvGrpSpPr>
+      <p:grpSpPr>
+        <a:xfrm>
+          <a:off x="0" y="0"/>
+          <a:ext cx="0" cy="0"/>
+          <a:chOff x="0" y="0"/>
+          <a:chExt cx="0" cy="0"/>
+        </a:xfrm>
+      </p:grpSpPr>
+      <p:sp>
+        <p:nvSpPr>
+          <p:cNvPr id="2" name="Title 1"/>
+          <p:cNvSpPr>
+            <a:spLocks noGrp="1"/>
+          </p:cNvSpPr>
+          <p:nvPr>
+            <p:ph type="title"/>
+          </p:nvPr>
+        </p:nvSpPr>
+        <p:spPr/>
+        <p:txBody>
+          <a:bodyPr/>
+          <a:lstStyle/>
+          <a:p>
+            <a:r>
+              <a:rPr lang="tr-TR" dirty="0" smtClean="0"/>
+              <a:t>Süreç Başlatma</a:t>
+            </a:r>
+            <a:endParaRPr lang="tr-TR" dirty="0"/>
+          </a:p>
+        </p:txBody>
+      </p:sp>
+      <p:sp>
+        <p:nvSpPr>
+          <p:cNvPr id="3" name="Content Placeholder 2"/>
+          <p:cNvSpPr>
+            <a:spLocks noGrp="1"/>
+          </p:cNvSpPr>
+          <p:nvPr>
+            <p:ph idx="1"/>
+          </p:nvPr>
+        </p:nvSpPr>
+        <p:spPr>
+          <a:xfrm>
+            <a:off x="838200" y="1825625"/>
+            <a:ext cx="10515600" cy="4680000"/>
+          </a:xfrm>
+        </p:spPr>
+        <p:txBody>
+          <a:bodyPr>
+            <a:normAutofit/>
+          </a:bodyPr>
+          <a:lstStyle/>
+          <a:p>
+            <a:pPr marL="0" indent="0">
+              <a:buNone/>
+            </a:pPr>
+            <a:r>
+              <a:rPr lang="tr-TR" dirty="0"/>
+              <a:t>Süreç oluşturmaya neden olan olaylar</a:t>
+            </a:r>
+            <a:r>
+              <a:rPr lang="tr-TR" dirty="0" smtClean="0"/>
+              <a:t>:</a:t>
+            </a:r>
+          </a:p>
+          <a:p>
+            <a:endParaRPr lang="tr-TR" dirty="0"/>
+          </a:p>
+          <a:p>
+            <a:r>
+              <a:rPr lang="tr-TR" dirty="0" smtClean="0"/>
+              <a:t>Sistem </a:t>
+            </a:r>
+            <a:r>
+              <a:rPr lang="tr-TR" dirty="0"/>
+              <a:t>başlatma</a:t>
+            </a:r>
+            <a:r>
+              <a:rPr lang="tr-TR" dirty="0" smtClean="0"/>
+              <a:t>.</a:t>
+            </a:r>
+          </a:p>
+          <a:p>
+            <a:r>
+              <a:rPr lang="tr-TR" dirty="0" smtClean="0"/>
+              <a:t>Çalışan </a:t>
+            </a:r>
+            <a:r>
+              <a:rPr lang="tr-TR" dirty="0"/>
+              <a:t>bir süreç tarafından bir süreç oluşturma sistem çağrısının yürütülmesi</a:t>
+            </a:r>
+            <a:r>
+              <a:rPr lang="tr-TR" dirty="0" smtClean="0"/>
+              <a:t>.</a:t>
+            </a:r>
+          </a:p>
+          <a:p>
+            <a:r>
+              <a:rPr lang="tr-TR" dirty="0" smtClean="0"/>
+              <a:t>Yeni </a:t>
+            </a:r>
+            <a:r>
+              <a:rPr lang="tr-TR" dirty="0"/>
+              <a:t>bir süreç oluşturmak için bir kullanıcı isteği</a:t>
+            </a:r>
+            <a:r>
+              <a:rPr lang="tr-TR" dirty="0" smtClean="0"/>
+              <a:t>.</a:t>
+            </a:r>
+          </a:p>
+          <a:p>
+            <a:r>
+              <a:rPr lang="tr-TR" dirty="0" smtClean="0"/>
+              <a:t>Toplu </a:t>
+            </a:r>
+            <a:r>
+              <a:rPr lang="tr-TR" dirty="0"/>
+              <a:t>işin başlatılması</a:t>
+            </a:r>
+            <a:r>
+              <a:rPr lang="tr-TR" dirty="0" smtClean="0"/>
+              <a:t>. (</a:t>
+            </a:r>
+            <a:r>
+              <a:rPr lang="tr-TR" dirty="0" err="1" smtClean="0"/>
+              <a:t>batch</a:t>
+            </a:r>
+            <a:r>
+              <a:rPr lang="tr-TR" dirty="0" smtClean="0"/>
+              <a:t>)</a:t>
+            </a:r>
+            <a:endParaRPr lang="tr-TR" dirty="0"/>
+          </a:p>
+        </p:txBody>
+      </p:sp>
+    </p:spTree>
+    <p:extLst>
+      <p:ext uri="{BB962C8B-B14F-4D97-AF65-F5344CB8AC3E}">
+        <p14:creationId xmlns:p14="http://schemas.microsoft.com/office/powerpoint/2010/main" val="86166381"/>
+      </p:ext>
+    </p:extLst>
+  </p:cSld>
+  <p:clrMapOvr>
+    <a:masterClrMapping/>
+  </p:clrMapOvr>
+  <p:timing>
+    <p:tnLst>
+      <p:par>
+        <p:cTn id="1" dur="indefinite" restart="never" nodeType="tmRoot"/>
+      </p:par>
+    </p:tnLst>
+  </p:timing>
+</p:sld>
+</file>
+
+<file path=ppt/slides/slide7.xml><?xml version="1.0" encoding="utf-8"?>
+<p:sld xmlns:a="http://schemas.openxmlformats.org/drawingml/2006/main" xmlns:r="http://schemas.openxmlformats.org/officeDocument/2006/relationships" xmlns:p="http://schemas.openxmlformats.org/presentationml/2006/main">
+  <p:cSld>
+    <p:spTree>
+      <p:nvGrpSpPr>
+        <p:cNvPr id="1" name=""/>
+        <p:cNvGrpSpPr/>
+        <p:nvPr/>
+      </p:nvGrpSpPr>
+      <p:grpSpPr>
+        <a:xfrm>
+          <a:off x="0" y="0"/>
+          <a:ext cx="0" cy="0"/>
+          <a:chOff x="0" y="0"/>
+          <a:chExt cx="0" cy="0"/>
+        </a:xfrm>
+      </p:grpSpPr>
+      <p:sp>
+        <p:nvSpPr>
+          <p:cNvPr id="2" name="Title 1"/>
+          <p:cNvSpPr>
+            <a:spLocks noGrp="1"/>
+          </p:cNvSpPr>
+          <p:nvPr>
+            <p:ph type="title"/>
+          </p:nvPr>
+        </p:nvSpPr>
+        <p:spPr/>
+        <p:txBody>
+          <a:bodyPr/>
+          <a:lstStyle/>
+          <a:p>
+            <a:r>
+              <a:rPr lang="tr-TR" dirty="0" smtClean="0"/>
+              <a:t>Süreç Sonlandırma</a:t>
+            </a:r>
+            <a:endParaRPr lang="tr-TR" dirty="0"/>
+          </a:p>
+        </p:txBody>
+      </p:sp>
+      <p:sp>
+        <p:nvSpPr>
+          <p:cNvPr id="3" name="Content Placeholder 2"/>
+          <p:cNvSpPr>
+            <a:spLocks noGrp="1"/>
+          </p:cNvSpPr>
+          <p:nvPr>
+            <p:ph idx="1"/>
+          </p:nvPr>
+        </p:nvSpPr>
+        <p:spPr>
+          <a:xfrm>
+            <a:off x="838200" y="1825625"/>
+            <a:ext cx="10515600" cy="4680000"/>
+          </a:xfrm>
+        </p:spPr>
+        <p:txBody>
+          <a:bodyPr>
+            <a:normAutofit/>
+          </a:bodyPr>
+          <a:lstStyle/>
+          <a:p>
+            <a:pPr marL="0" indent="0">
+              <a:buNone/>
+            </a:pPr>
+            <a:r>
+              <a:rPr lang="tr-TR" dirty="0"/>
+              <a:t>İşlemin sonlandırılmasına neden olan olaylar</a:t>
+            </a:r>
+            <a:r>
+              <a:rPr lang="tr-TR" dirty="0" smtClean="0"/>
+              <a:t>:</a:t>
+            </a:r>
+          </a:p>
+          <a:p>
+            <a:endParaRPr lang="tr-TR" dirty="0"/>
+          </a:p>
+          <a:p>
+            <a:r>
+              <a:rPr lang="tr-TR" dirty="0" smtClean="0"/>
+              <a:t>Normal </a:t>
+            </a:r>
+            <a:r>
+              <a:rPr lang="tr-TR" dirty="0"/>
+              <a:t>çıkış (gönüllü</a:t>
+            </a:r>
+            <a:r>
+              <a:rPr lang="tr-TR" dirty="0" smtClean="0"/>
+              <a:t>).</a:t>
+            </a:r>
+          </a:p>
+          <a:p>
+            <a:r>
+              <a:rPr lang="tr-TR" dirty="0" smtClean="0"/>
+              <a:t>Hata sonrası çıkış </a:t>
+            </a:r>
+            <a:r>
+              <a:rPr lang="tr-TR" dirty="0"/>
+              <a:t>(gönüllü</a:t>
+            </a:r>
+            <a:r>
+              <a:rPr lang="tr-TR" dirty="0" smtClean="0"/>
+              <a:t>).</a:t>
+            </a:r>
+          </a:p>
+          <a:p>
+            <a:r>
+              <a:rPr lang="tr-TR" dirty="0" smtClean="0"/>
+              <a:t>Ölümcül </a:t>
+            </a:r>
+            <a:r>
+              <a:rPr lang="tr-TR" dirty="0"/>
+              <a:t>hata </a:t>
+            </a:r>
+            <a:r>
+              <a:rPr lang="tr-TR" dirty="0" smtClean="0"/>
+              <a:t>sonrası çıkış (istem </a:t>
+            </a:r>
+            <a:r>
+              <a:rPr lang="tr-TR" dirty="0"/>
+              <a:t>dışı</a:t>
+            </a:r>
+            <a:r>
+              <a:rPr lang="tr-TR" dirty="0" smtClean="0"/>
+              <a:t>).</a:t>
+            </a:r>
+          </a:p>
+          <a:p>
+            <a:r>
+              <a:rPr lang="tr-TR" dirty="0" smtClean="0"/>
+              <a:t>Başka </a:t>
+            </a:r>
+            <a:r>
+              <a:rPr lang="tr-TR" dirty="0"/>
+              <a:t>bir süreç tarafından </a:t>
+            </a:r>
+            <a:r>
+              <a:rPr lang="tr-TR" dirty="0" smtClean="0"/>
+              <a:t>sonlandırılma (</a:t>
+            </a:r>
+            <a:r>
+              <a:rPr lang="tr-TR" dirty="0" err="1" smtClean="0"/>
+              <a:t>kill</a:t>
+            </a:r>
+            <a:r>
+              <a:rPr lang="tr-TR" dirty="0" smtClean="0"/>
+              <a:t>) (istemsiz</a:t>
+            </a:r>
+            <a:r>
+              <a:rPr lang="tr-TR" dirty="0"/>
+              <a:t>).</a:t>
+            </a:r>
+            <a:endParaRPr lang="tr-TR" dirty="0"/>
+          </a:p>
+        </p:txBody>
+      </p:sp>
+    </p:spTree>
+    <p:extLst>
+      <p:ext uri="{BB962C8B-B14F-4D97-AF65-F5344CB8AC3E}">
+        <p14:creationId xmlns:p14="http://schemas.microsoft.com/office/powerpoint/2010/main" val="2514041638"/>
+      </p:ext>
+    </p:extLst>
+  </p:cSld>
+  <p:clrMapOvr>
+    <a:masterClrMapping/>
+  </p:clrMapOvr>
+  <p:timing>
+    <p:tnLst>
+      <p:par>
+        <p:cTn id="1" dur="indefinite" restart="never" nodeType="tmRoot"/>
+      </p:par>
+    </p:tnLst>
+  </p:timing>
+</p:sld>
+</file>
+
+<file path=ppt/slides/slide8.xml><?xml version="1.0" encoding="utf-8"?>
+<p:sld xmlns:a="http://schemas.openxmlformats.org/drawingml/2006/main" xmlns:r="http://schemas.openxmlformats.org/officeDocument/2006/relationships" xmlns:p="http://schemas.openxmlformats.org/presentationml/2006/main">
+  <p:cSld>
+    <p:spTree>
+      <p:nvGrpSpPr>
+        <p:cNvPr id="1" name=""/>
+        <p:cNvGrpSpPr/>
+        <p:nvPr/>
+      </p:nvGrpSpPr>
+      <p:grpSpPr>
+        <a:xfrm>
+          <a:off x="0" y="0"/>
+          <a:ext cx="0" cy="0"/>
+          <a:chOff x="0" y="0"/>
+          <a:chExt cx="0" cy="0"/>
+        </a:xfrm>
+      </p:grpSpPr>
+      <p:sp>
+        <p:nvSpPr>
+          <p:cNvPr id="2" name="Title 1"/>
+          <p:cNvSpPr>
+            <a:spLocks noGrp="1"/>
+          </p:cNvSpPr>
+          <p:nvPr>
+            <p:ph type="title"/>
+          </p:nvPr>
+        </p:nvSpPr>
+        <p:spPr/>
+        <p:txBody>
+          <a:bodyPr/>
+          <a:lstStyle/>
+          <a:p>
+            <a:r>
+              <a:rPr lang="tr-TR" dirty="0" smtClean="0"/>
+              <a:t>Süreç Durumları</a:t>
+            </a:r>
+            <a:endParaRPr lang="tr-TR" dirty="0"/>
+          </a:p>
+        </p:txBody>
+      </p:sp>
+      <p:sp>
+        <p:nvSpPr>
+          <p:cNvPr id="3" name="Content Placeholder 2"/>
+          <p:cNvSpPr>
+            <a:spLocks noGrp="1"/>
+          </p:cNvSpPr>
+          <p:nvPr>
+            <p:ph idx="1"/>
+          </p:nvPr>
+        </p:nvSpPr>
+        <p:spPr>
+          <a:xfrm>
+            <a:off x="838200" y="1825625"/>
+            <a:ext cx="10515600" cy="4680000"/>
+          </a:xfrm>
+        </p:spPr>
+        <p:txBody>
+          <a:bodyPr>
+            <a:normAutofit/>
+          </a:bodyPr>
+          <a:lstStyle/>
+          <a:p>
+            <a:pPr marL="0" indent="0">
+              <a:buNone/>
+            </a:pPr>
+            <a:r>
+              <a:rPr lang="tr-TR" dirty="0"/>
+              <a:t>Bir </a:t>
+            </a:r>
+            <a:r>
+              <a:rPr lang="tr-TR" dirty="0" smtClean="0"/>
+              <a:t>süreç çalışıyor</a:t>
+            </a:r>
+            <a:r>
+              <a:rPr lang="tr-TR" dirty="0"/>
+              <a:t>, engellenmiş veya hazır durumda olabilir.</a:t>
+            </a:r>
+            <a:endParaRPr lang="tr-TR" dirty="0"/>
+          </a:p>
+        </p:txBody>
+      </p:sp>
+      <p:pic>
+        <p:nvPicPr>
+          <p:cNvPr id="4" name="Picture 6" descr="02-02"/>
+          <p:cNvPicPr>
+            <a:picLocks noChangeAspect="1" noChangeArrowheads="1"/>
+          </p:cNvPicPr>
+          <p:nvPr/>
+        </p:nvPicPr>
+        <p:blipFill>
+          <a:blip r:embed="rId2">
+            <a:extLst>
+              <a:ext uri="{28A0092B-C50C-407E-A947-70E740481C1C}">
+                <a14:useLocalDpi xmlns:a14="http://schemas.microsoft.com/office/drawing/2010/main" val="0"/>
+              </a:ext>
+            </a:extLst>
+          </a:blip>
+          <a:srcRect/>
+          <a:stretch>
+            <a:fillRect/>
+          </a:stretch>
+        </p:blipFill>
+        <p:spPr bwMode="auto">
+          <a:xfrm>
+            <a:off x="1793967" y="3109983"/>
+            <a:ext cx="8591802" cy="1997594"/>
+          </a:xfrm>
+          <a:prstGeom prst="rect">
+            <a:avLst/>
+          </a:prstGeom>
+          <a:noFill/>
+          <a:ln>
+            <a:noFill/>
+          </a:ln>
+          <a:extLst>
+            <a:ext uri="{909E8E84-426E-40DD-AFC4-6F175D3DCCD1}">
+              <a14:hiddenFill xmlns:a14="http://schemas.microsoft.com/office/drawing/2010/main">
+                <a:solidFill>
+                  <a:srgbClr val="FFFFFF"/>
+                </a:solidFill>
+              </a14:hiddenFill>
+            </a:ext>
+            <a:ext uri="{91240B29-F687-4F45-9708-019B960494DF}">
+              <a14:hiddenLine xmlns:a14="http://schemas.microsoft.com/office/drawing/2010/main" w="9525">
+                <a:solidFill>
+                  <a:srgbClr val="000000"/>
+                </a:solidFill>
+                <a:miter lim="800000"/>
+                <a:headEnd/>
+                <a:tailEnd/>
+              </a14:hiddenLine>
+            </a:ext>
+          </a:extLst>
+        </p:spPr>
+      </p:pic>
+    </p:spTree>
+    <p:extLst>
+      <p:ext uri="{BB962C8B-B14F-4D97-AF65-F5344CB8AC3E}">
+        <p14:creationId xmlns:p14="http://schemas.microsoft.com/office/powerpoint/2010/main" val="2563972402"/>
+      </p:ext>
+    </p:extLst>
+  </p:cSld>
+  <p:clrMapOvr>
+    <a:masterClrMapping/>
+  </p:clrMapOvr>
+  <p:timing>
+    <p:tnLst>
+      <p:par>
+        <p:cTn id="1" dur="indefinite" restart="never" nodeType="tmRoot"/>
+      </p:par>
+    </p:tnLst>
+  </p:timing>
+</p:sld>
+</file>
+
+<file path=ppt/slides/slide9.xml><?xml version="1.0" encoding="utf-8"?>
+<p:sld xmlns:a="http://schemas.openxmlformats.org/drawingml/2006/main" xmlns:r="http://schemas.openxmlformats.org/officeDocument/2006/relationships" xmlns:p="http://schemas.openxmlformats.org/presentationml/2006/main">
+  <p:cSld>
+    <p:spTree>
+      <p:nvGrpSpPr>
+        <p:cNvPr id="1" name=""/>
+        <p:cNvGrpSpPr/>
+        <p:nvPr/>
+      </p:nvGrpSpPr>
+      <p:grpSpPr>
+        <a:xfrm>
+          <a:off x="0" y="0"/>
+          <a:ext cx="0" cy="0"/>
+          <a:chOff x="0" y="0"/>
+          <a:chExt cx="0" cy="0"/>
+        </a:xfrm>
+      </p:grpSpPr>
+      <p:sp>
+        <p:nvSpPr>
+          <p:cNvPr id="2" name="Title 1"/>
+          <p:cNvSpPr>
+            <a:spLocks noGrp="1"/>
+          </p:cNvSpPr>
+          <p:nvPr>
+            <p:ph type="title"/>
+          </p:nvPr>
+        </p:nvSpPr>
+        <p:spPr/>
+        <p:txBody>
+          <a:bodyPr/>
+          <a:lstStyle/>
+          <a:p>
+            <a:r>
+              <a:rPr lang="tr-TR" dirty="0" smtClean="0"/>
+              <a:t>Süreçleri Gerçekleştirme</a:t>
+            </a:r>
+            <a:endParaRPr lang="tr-TR" dirty="0"/>
+          </a:p>
+        </p:txBody>
+      </p:sp>
+      <p:sp>
+        <p:nvSpPr>
+          <p:cNvPr id="3" name="Content Placeholder 2"/>
+          <p:cNvSpPr>
+            <a:spLocks noGrp="1"/>
+          </p:cNvSpPr>
+          <p:nvPr>
+            <p:ph idx="1"/>
+          </p:nvPr>
+        </p:nvSpPr>
+        <p:spPr>
+          <a:xfrm>
+            <a:off x="838200" y="1825625"/>
+            <a:ext cx="10515600" cy="4680000"/>
+          </a:xfrm>
+        </p:spPr>
+        <p:txBody>
+          <a:bodyPr>
+            <a:normAutofit/>
+          </a:bodyPr>
+          <a:lstStyle/>
+          <a:p>
+            <a:pPr marL="0" indent="0">
+              <a:buNone/>
+            </a:pPr>
+            <a:r>
+              <a:rPr lang="tr-TR" dirty="0"/>
+              <a:t>Süreç yapılı bir işletim sisteminin en alt katmanı </a:t>
+            </a:r>
+            <a:r>
+              <a:rPr lang="tr-TR" dirty="0" smtClean="0"/>
+              <a:t>kesilmeleri ve çizelgelemeyi yönetir</a:t>
+            </a:r>
+            <a:r>
+              <a:rPr lang="tr-TR" dirty="0"/>
+              <a:t>. Bu katmanın üzerinde sıralı süreçler bulunur.</a:t>
+            </a:r>
+            <a:endParaRPr lang="tr-TR" dirty="0"/>
+          </a:p>
+        </p:txBody>
+      </p:sp>
+      <p:pic>
+        <p:nvPicPr>
+          <p:cNvPr id="4" name="Picture 6" descr="02-03"/>
+          <p:cNvPicPr>
+            <a:picLocks noChangeAspect="1" noChangeArrowheads="1"/>
+          </p:cNvPicPr>
+          <p:nvPr/>
+        </p:nvPicPr>
+        <p:blipFill>
+          <a:blip r:embed="rId2">
+            <a:extLst>
+              <a:ext uri="{28A0092B-C50C-407E-A947-70E740481C1C}">
+                <a14:useLocalDpi xmlns:a14="http://schemas.microsoft.com/office/drawing/2010/main" val="0"/>
+              </a:ext>
+            </a:extLst>
+          </a:blip>
+          <a:srcRect/>
+          <a:stretch>
+            <a:fillRect/>
+          </a:stretch>
+        </p:blipFill>
+        <p:spPr bwMode="auto">
+          <a:xfrm>
+            <a:off x="3157537" y="2926218"/>
+            <a:ext cx="5876925" cy="3095625"/>
+          </a:xfrm>
+          <a:prstGeom prst="rect">
+            <a:avLst/>
+          </a:prstGeom>
+          <a:noFill/>
+          <a:ln>
+            <a:noFill/>
+          </a:ln>
+          <a:extLst>
+            <a:ext uri="{909E8E84-426E-40DD-AFC4-6F175D3DCCD1}">
+              <a14:hiddenFill xmlns:a14="http://schemas.microsoft.com/office/drawing/2010/main">
+                <a:solidFill>
+                  <a:srgbClr val="FFFFFF"/>
+                </a:solidFill>
+              </a14:hiddenFill>
+            </a:ext>
+            <a:ext uri="{91240B29-F687-4F45-9708-019B960494DF}">
+              <a14:hiddenLine xmlns:a14="http://schemas.microsoft.com/office/drawing/2010/main" w="9525">
+                <a:solidFill>
+                  <a:srgbClr val="000000"/>
+                </a:solidFill>
+                <a:miter lim="800000"/>
+                <a:headEnd/>
+                <a:tailEnd/>
+              </a14:hiddenLine>
+            </a:ext>
+          </a:extLst>
+        </p:spPr>
+      </p:pic>
+    </p:spTree>
+    <p:extLst>
+      <p:ext uri="{BB962C8B-B14F-4D97-AF65-F5344CB8AC3E}">
+        <p14:creationId xmlns:p14="http://schemas.microsoft.com/office/powerpoint/2010/main" val="165170262"/>
       </p:ext>
     </p:extLst>
   </p:cSld>

--- a/assets/teaching/os/2_Bolum_2_Surecler.pptx
+++ b/assets/teaching/os/2_Bolum_2_Surecler.pptx
@@ -23,7 +23,15 @@
     <p:sldId id="324" r:id="rId17"/>
     <p:sldId id="325" r:id="rId18"/>
     <p:sldId id="326" r:id="rId19"/>
-    <p:sldId id="312" r:id="rId20"/>
+    <p:sldId id="330" r:id="rId20"/>
+    <p:sldId id="331" r:id="rId21"/>
+    <p:sldId id="332" r:id="rId22"/>
+    <p:sldId id="333" r:id="rId23"/>
+    <p:sldId id="334" r:id="rId24"/>
+    <p:sldId id="335" r:id="rId25"/>
+    <p:sldId id="336" r:id="rId26"/>
+    <p:sldId id="337" r:id="rId27"/>
+    <p:sldId id="312" r:id="rId28"/>
   </p:sldIdLst>
   <p:sldSz cx="12192000" cy="6858000"/>
   <p:notesSz cx="6858000" cy="9144000"/>
@@ -3891,7 +3899,7 @@
           <a:p>
             <a:r>
               <a:rPr lang="tr-TR" dirty="0"/>
-              <a:t>Tekrarlanamaz Yürütme</a:t>
+              <a:t>İş Parçacığı Kullanımı</a:t>
             </a:r>
             <a:endParaRPr lang="tr-TR" dirty="0"/>
           </a:p>
@@ -3919,10 +3927,108 @@
           </a:bodyPr>
           <a:lstStyle/>
           <a:p>
+            <a:pPr marL="514350" indent="-514350">
+              <a:buAutoNum type="alphaLcParenBoth"/>
+            </a:pPr>
+            <a:r>
+              <a:rPr lang="tr-TR" dirty="0" smtClean="0"/>
+              <a:t>İşlemci zamanlayıcı (</a:t>
+            </a:r>
+            <a:r>
+              <a:rPr lang="tr-TR" dirty="0" err="1"/>
+              <a:t>d</a:t>
+            </a:r>
+            <a:r>
+              <a:rPr lang="tr-TR" dirty="0" err="1" smtClean="0"/>
+              <a:t>ispatcher</a:t>
+            </a:r>
+            <a:r>
+              <a:rPr lang="tr-TR" dirty="0" smtClean="0"/>
+              <a:t>) iş </a:t>
+            </a:r>
+            <a:r>
+              <a:rPr lang="tr-TR" dirty="0"/>
+              <a:t>p</a:t>
+            </a:r>
+            <a:r>
+              <a:rPr lang="tr-TR" dirty="0" smtClean="0"/>
+              <a:t>arçacığı </a:t>
+            </a:r>
+          </a:p>
+          <a:p>
+            <a:pPr marL="514350" indent="-514350">
+              <a:buAutoNum type="alphaLcParenBoth"/>
+            </a:pPr>
+            <a:r>
+              <a:rPr lang="tr-TR" dirty="0" smtClean="0"/>
+              <a:t>İşçi (</a:t>
+            </a:r>
+            <a:r>
+              <a:rPr lang="tr-TR" dirty="0" err="1" smtClean="0"/>
+              <a:t>worker</a:t>
+            </a:r>
+            <a:r>
+              <a:rPr lang="tr-TR" dirty="0" smtClean="0"/>
+              <a:t>) iş parçacığı </a:t>
+            </a:r>
             <a:endParaRPr lang="tr-TR" dirty="0"/>
           </a:p>
         </p:txBody>
       </p:sp>
+      <p:pic>
+        <p:nvPicPr>
+          <p:cNvPr id="4" name="Picture 4"/>
+          <p:cNvPicPr>
+            <a:picLocks noChangeAspect="1" noChangeArrowheads="1"/>
+          </p:cNvPicPr>
+          <p:nvPr/>
+        </p:nvPicPr>
+        <p:blipFill>
+          <a:blip r:embed="rId2">
+            <a:extLst>
+              <a:ext uri="{28A0092B-C50C-407E-A947-70E740481C1C}">
+                <a14:useLocalDpi xmlns:a14="http://schemas.microsoft.com/office/drawing/2010/main" val="0"/>
+              </a:ext>
+            </a:extLst>
+          </a:blip>
+          <a:srcRect/>
+          <a:stretch>
+            <a:fillRect/>
+          </a:stretch>
+        </p:blipFill>
+        <p:spPr bwMode="auto">
+          <a:xfrm>
+            <a:off x="1713249" y="3301229"/>
+            <a:ext cx="8765502" cy="2328862"/>
+          </a:xfrm>
+          <a:prstGeom prst="rect">
+            <a:avLst/>
+          </a:prstGeom>
+          <a:noFill/>
+          <a:ln>
+            <a:noFill/>
+          </a:ln>
+          <a:extLst>
+            <a:ext uri="{909E8E84-426E-40DD-AFC4-6F175D3DCCD1}">
+              <a14:hiddenFill xmlns:a14="http://schemas.microsoft.com/office/drawing/2010/main">
+                <a:solidFill>
+                  <a:srgbClr val="FFFFFF"/>
+                </a:solidFill>
+              </a14:hiddenFill>
+            </a:ext>
+            <a:ext uri="{91240B29-F687-4F45-9708-019B960494DF}">
+              <a14:hiddenLine xmlns:a14="http://schemas.microsoft.com/office/drawing/2010/main" w="9525">
+                <a:solidFill>
+                  <a:srgbClr val="000000"/>
+                </a:solidFill>
+                <a:miter lim="800000"/>
+                <a:headEnd/>
+                <a:tailEnd/>
+              </a14:hiddenLine>
+            </a:ext>
+          </a:extLst>
+        </p:spPr>
+      </p:pic>
     </p:spTree>
     <p:extLst>
       <p:ext uri="{BB962C8B-B14F-4D97-AF65-F5344CB8AC3E}">
@@ -3976,8 +4082,8 @@
           <a:lstStyle/>
           <a:p>
             <a:r>
-              <a:rPr lang="tr-TR" dirty="0"/>
-              <a:t>Tekrarlanamaz Yürütme</a:t>
+              <a:rPr lang="tr-TR" dirty="0" smtClean="0"/>
+              <a:t>İş Parçacığı Modeli</a:t>
             </a:r>
             <a:endParaRPr lang="tr-TR" dirty="0"/>
           </a:p>
@@ -4005,10 +4111,74 @@
           </a:bodyPr>
           <a:lstStyle/>
           <a:p>
+            <a:r>
+              <a:rPr lang="tr-TR" dirty="0" smtClean="0"/>
+              <a:t>Süreç içerisindeki tüm iş parçacıkları ile paylaşılanlar</a:t>
+            </a:r>
+          </a:p>
+          <a:p>
+            <a:r>
+              <a:rPr lang="tr-TR" dirty="0" smtClean="0"/>
+              <a:t>Her bir iş parçacığına özel veriler</a:t>
+            </a:r>
             <a:endParaRPr lang="tr-TR" dirty="0"/>
           </a:p>
         </p:txBody>
       </p:sp>
+      <p:pic>
+        <p:nvPicPr>
+          <p:cNvPr id="4" name="Picture 4"/>
+          <p:cNvPicPr>
+            <a:picLocks noChangeAspect="1" noChangeArrowheads="1"/>
+          </p:cNvPicPr>
+          <p:nvPr/>
+        </p:nvPicPr>
+        <p:blipFill>
+          <a:blip r:embed="rId2">
+            <a:extLst>
+              <a:ext uri="{28A0092B-C50C-407E-A947-70E740481C1C}">
+                <a14:useLocalDpi xmlns:a14="http://schemas.microsoft.com/office/drawing/2010/main" val="0"/>
+              </a:ext>
+            </a:extLst>
+          </a:blip>
+          <a:srcRect r="24895"/>
+          <a:stretch>
+            <a:fillRect/>
+          </a:stretch>
+        </p:blipFill>
+        <p:spPr bwMode="auto">
+          <a:xfrm>
+            <a:off x="1828800" y="3043101"/>
+            <a:ext cx="8534400" cy="2984500"/>
+          </a:xfrm>
+          <a:prstGeom prst="rect">
+            <a:avLst/>
+          </a:prstGeom>
+          <a:noFill/>
+          <a:ln>
+            <a:noFill/>
+          </a:ln>
+          <a:extLst>
+            <a:ext uri="{909E8E84-426E-40DD-AFC4-6F175D3DCCD1}">
+              <a14:hiddenFill xmlns:a14="http://schemas.microsoft.com/office/drawing/2010/main">
+                <a:solidFill>
+                  <a:srgbClr val="FFFFFF"/>
+                </a:solidFill>
+              </a14:hiddenFill>
+            </a:ext>
+            <a:ext uri="{91240B29-F687-4F45-9708-019B960494DF}">
+              <a14:hiddenLine xmlns:a14="http://schemas.microsoft.com/office/drawing/2010/main" w="9525">
+                <a:solidFill>
+                  <a:srgbClr val="000000"/>
+                </a:solidFill>
+                <a:miter lim="800000"/>
+                <a:headEnd/>
+                <a:tailEnd/>
+              </a14:hiddenLine>
+            </a:ext>
+          </a:extLst>
+        </p:spPr>
+      </p:pic>
     </p:spTree>
     <p:extLst>
       <p:ext uri="{BB962C8B-B14F-4D97-AF65-F5344CB8AC3E}">
@@ -4062,8 +4232,8 @@
           <a:lstStyle/>
           <a:p>
             <a:r>
-              <a:rPr lang="tr-TR" dirty="0"/>
-              <a:t>Tekrarlanamaz Yürütme</a:t>
+              <a:rPr lang="tr-TR" dirty="0" smtClean="0"/>
+              <a:t>İş Parçacığı</a:t>
             </a:r>
             <a:endParaRPr lang="tr-TR" dirty="0"/>
           </a:p>
@@ -4091,6 +4261,117 @@
           </a:bodyPr>
           <a:lstStyle/>
           <a:p>
+            <a:r>
+              <a:rPr lang="tr-TR" dirty="0"/>
+              <a:t>Kendi program sayacı, </a:t>
+            </a:r>
+            <a:r>
+              <a:rPr lang="tr-TR" dirty="0" smtClean="0"/>
+              <a:t>yazmaç kümesi ve </a:t>
+            </a:r>
+            <a:r>
+              <a:rPr lang="tr-TR" dirty="0"/>
+              <a:t>yığını </a:t>
+            </a:r>
+            <a:r>
+              <a:rPr lang="tr-TR" dirty="0" smtClean="0"/>
+              <a:t>vardır</a:t>
+            </a:r>
+          </a:p>
+          <a:p>
+            <a:r>
+              <a:rPr lang="tr-TR" dirty="0" smtClean="0"/>
+              <a:t>Kod (</a:t>
+            </a:r>
+            <a:r>
+              <a:rPr lang="tr-TR" dirty="0" err="1" smtClean="0"/>
+              <a:t>text</a:t>
+            </a:r>
+            <a:r>
+              <a:rPr lang="tr-TR" dirty="0" smtClean="0"/>
+              <a:t>), global veri ve </a:t>
+            </a:r>
+            <a:r>
+              <a:rPr lang="tr-TR" dirty="0"/>
+              <a:t>açık dosyaları </a:t>
+            </a:r>
+            <a:r>
+              <a:rPr lang="tr-TR" dirty="0" smtClean="0"/>
+              <a:t>paylaşır</a:t>
+            </a:r>
+          </a:p>
+          <a:p>
+            <a:pPr lvl="1"/>
+            <a:r>
+              <a:rPr lang="tr-TR" dirty="0" smtClean="0"/>
+              <a:t>Aynı süreci sonlandırmak için paralel çalıştığı iş parçacıkları ile</a:t>
+            </a:r>
+          </a:p>
+          <a:p>
+            <a:r>
+              <a:rPr lang="tr-TR" dirty="0" smtClean="0"/>
+              <a:t>Kendi süreç kontrol bloğuna (PCB) sahip olabilir</a:t>
+            </a:r>
+          </a:p>
+          <a:p>
+            <a:pPr lvl="1"/>
+            <a:r>
+              <a:rPr lang="tr-TR" dirty="0" smtClean="0"/>
+              <a:t>İşletim </a:t>
+            </a:r>
+            <a:r>
+              <a:rPr lang="tr-TR" dirty="0"/>
+              <a:t>sistemine </a:t>
+            </a:r>
+            <a:r>
+              <a:rPr lang="tr-TR" dirty="0" smtClean="0"/>
+              <a:t>bağlıdır</a:t>
+            </a:r>
+          </a:p>
+          <a:p>
+            <a:pPr lvl="1"/>
+            <a:r>
+              <a:rPr lang="tr-TR" dirty="0" smtClean="0"/>
+              <a:t>Bağlam</a:t>
+            </a:r>
+            <a:r>
+              <a:rPr lang="tr-TR" dirty="0"/>
+              <a:t>, iş parçacığı kimliğini, program sayacını, kayıt kümesini, yığın işaretçisini </a:t>
+            </a:r>
+            <a:r>
+              <a:rPr lang="tr-TR" dirty="0" smtClean="0"/>
+              <a:t>içerir</a:t>
+            </a:r>
+          </a:p>
+          <a:p>
+            <a:pPr lvl="1"/>
+            <a:r>
+              <a:rPr lang="tr-TR" dirty="0" smtClean="0"/>
+              <a:t>Aynı süreçteki diğer </a:t>
+            </a:r>
+            <a:r>
+              <a:rPr lang="tr-TR" dirty="0"/>
+              <a:t>iş parçacıklarıyla </a:t>
+            </a:r>
+            <a:r>
+              <a:rPr lang="tr-TR" dirty="0" smtClean="0"/>
+              <a:t>bellek adres uzayı paylaşılır</a:t>
+            </a:r>
+          </a:p>
+          <a:p>
+            <a:pPr lvl="2"/>
+            <a:r>
+              <a:rPr lang="tr-TR" dirty="0" smtClean="0"/>
+              <a:t>bellek </a:t>
+            </a:r>
+            <a:r>
+              <a:rPr lang="tr-TR" dirty="0"/>
+              <a:t>yönetimi </a:t>
+            </a:r>
+            <a:r>
+              <a:rPr lang="tr-TR" dirty="0" smtClean="0"/>
+              <a:t>bilgileri paylaşılır</a:t>
+            </a:r>
             <a:endParaRPr lang="tr-TR" dirty="0"/>
           </a:p>
         </p:txBody>
@@ -4148,8 +4429,8 @@
           <a:lstStyle/>
           <a:p>
             <a:r>
-              <a:rPr lang="tr-TR" dirty="0"/>
-              <a:t>Tekrarlanamaz Yürütme</a:t>
+              <a:rPr lang="tr-TR" dirty="0" smtClean="0"/>
+              <a:t>İş Parçacıkları Arasında Çakışma</a:t>
             </a:r>
             <a:endParaRPr lang="tr-TR" dirty="0"/>
           </a:p>
@@ -4177,10 +4458,79 @@
           </a:bodyPr>
           <a:lstStyle/>
           <a:p>
+            <a:pPr marL="0" indent="0">
+              <a:buNone/>
+            </a:pPr>
+            <a:r>
+              <a:rPr lang="tr-TR" dirty="0" smtClean="0"/>
+              <a:t>Global bir </a:t>
+            </a:r>
+            <a:r>
+              <a:rPr lang="tr-TR" dirty="0"/>
+              <a:t>değişkenin kullanımıyla ilgili iş parçacıkları </a:t>
+            </a:r>
+            <a:r>
+              <a:rPr lang="tr-TR" dirty="0" smtClean="0"/>
+              <a:t>arasında yaşanabilecek çakışma</a:t>
+            </a:r>
             <a:endParaRPr lang="tr-TR" dirty="0"/>
           </a:p>
         </p:txBody>
       </p:sp>
+      <p:pic>
+        <p:nvPicPr>
+          <p:cNvPr id="4" name="Picture 4"/>
+          <p:cNvPicPr>
+            <a:picLocks noChangeAspect="1" noChangeArrowheads="1"/>
+          </p:cNvPicPr>
+          <p:nvPr/>
+        </p:nvPicPr>
+        <p:blipFill>
+          <a:blip r:embed="rId2">
+            <a:extLst>
+              <a:ext uri="{28A0092B-C50C-407E-A947-70E740481C1C}">
+                <a14:useLocalDpi xmlns:a14="http://schemas.microsoft.com/office/drawing/2010/main" val="0"/>
+              </a:ext>
+            </a:extLst>
+          </a:blip>
+          <a:srcRect l="28593" t="42694" r="26979" b="36827"/>
+          <a:stretch>
+            <a:fillRect/>
+          </a:stretch>
+        </p:blipFill>
+        <p:spPr bwMode="auto">
+          <a:xfrm>
+            <a:off x="4367167" y="2363837"/>
+            <a:ext cx="6557963" cy="4276725"/>
+          </a:xfrm>
+          <a:prstGeom prst="rect">
+            <a:avLst/>
+          </a:prstGeom>
+          <a:noFill/>
+          <a:ln>
+            <a:noFill/>
+          </a:ln>
+          <a:extLst>
+            <a:ext uri="{909E8E84-426E-40DD-AFC4-6F175D3DCCD1}">
+              <a14:hiddenFill xmlns:a14="http://schemas.microsoft.com/office/drawing/2010/main">
+                <a:solidFill>
+                  <a:srgbClr val="FFFFFF"/>
+                </a:solidFill>
+              </a14:hiddenFill>
+            </a:ext>
+            <a:ext uri="{91240B29-F687-4F45-9708-019B960494DF}">
+              <a14:hiddenLine xmlns:a14="http://schemas.microsoft.com/office/drawing/2010/main" w="9525">
+                <a:solidFill>
+                  <a:srgbClr val="000000"/>
+                </a:solidFill>
+                <a:miter lim="800000"/>
+                <a:headEnd/>
+                <a:tailEnd/>
+              </a14:hiddenLine>
+            </a:ext>
+          </a:extLst>
+        </p:spPr>
+      </p:pic>
     </p:spTree>
     <p:extLst>
       <p:ext uri="{BB962C8B-B14F-4D97-AF65-F5344CB8AC3E}">
@@ -4233,6 +4583,10 @@
           <a:bodyPr/>
           <a:lstStyle/>
           <a:p>
+            <a:r>
+              <a:rPr lang="tr-TR" dirty="0" smtClean="0"/>
+              <a:t>Çoklu İş Parçacıklı Programlama</a:t>
+            </a:r>
             <a:endParaRPr lang="tr-TR" dirty="0"/>
           </a:p>
         </p:txBody>
@@ -4259,39 +4613,79 @@
           </a:bodyPr>
           <a:lstStyle/>
           <a:p>
-            <a:endParaRPr lang="tr-TR" dirty="0" smtClean="0"/>
-          </a:p>
-          <a:p>
+            <a:pPr marL="0" indent="0">
+              <a:buNone/>
+            </a:pPr>
+            <a:r>
+              <a:rPr lang="tr-TR" dirty="0" smtClean="0"/>
+              <a:t>İş parçacıkları kendilerine ait global </a:t>
+            </a:r>
+            <a:r>
+              <a:rPr lang="tr-TR" dirty="0"/>
+              <a:t>değişkenlere sahip olabilir</a:t>
+            </a:r>
             <a:endParaRPr lang="tr-TR" dirty="0"/>
           </a:p>
-          <a:p>
-            <a:endParaRPr lang="tr-TR" dirty="0" smtClean="0"/>
-          </a:p>
-          <a:p>
-            <a:pPr marL="0" indent="0" algn="ctr">
-              <a:buNone/>
-            </a:pPr>
-            <a:r>
-              <a:rPr lang="tr-TR" dirty="0" smtClean="0"/>
-              <a:t>SON</a:t>
-            </a:r>
-            <a:endParaRPr lang="tr-TR" dirty="0"/>
-          </a:p>
-          <a:p>
-            <a:endParaRPr lang="tr-TR" dirty="0"/>
-          </a:p>
-          <a:p>
-            <a:endParaRPr lang="tr-TR" dirty="0"/>
-          </a:p>
-          <a:p>
-            <a:endParaRPr lang="tr-TR" dirty="0"/>
-          </a:p>
-        </p:txBody>
-      </p:sp>
+        </p:txBody>
+      </p:sp>
+      <p:pic>
+        <p:nvPicPr>
+          <p:cNvPr id="4" name="Picture 4" descr="2-17"/>
+          <p:cNvPicPr>
+            <a:picLocks noChangeAspect="1" noChangeArrowheads="1"/>
+          </p:cNvPicPr>
+          <p:nvPr/>
+        </p:nvPicPr>
+        <p:blipFill>
+          <a:blip r:embed="rId2">
+            <a:extLst>
+              <a:ext uri="{28A0092B-C50C-407E-A947-70E740481C1C}">
+                <a14:useLocalDpi xmlns:a14="http://schemas.microsoft.com/office/drawing/2010/main" val="0"/>
+              </a:ext>
+            </a:extLst>
+          </a:blip>
+          <a:srcRect/>
+          <a:stretch>
+            <a:fillRect/>
+          </a:stretch>
+        </p:blipFill>
+        <p:spPr bwMode="auto">
+          <a:xfrm>
+            <a:off x="4171950" y="2532112"/>
+            <a:ext cx="3848100" cy="4108450"/>
+          </a:xfrm>
+          <a:prstGeom prst="rect">
+            <a:avLst/>
+          </a:prstGeom>
+          <a:noFill/>
+          <a:ln>
+            <a:noFill/>
+          </a:ln>
+          <a:extLst>
+            <a:ext uri="{909E8E84-426E-40DD-AFC4-6F175D3DCCD1}">
+              <a14:hiddenFill xmlns:a14="http://schemas.microsoft.com/office/drawing/2010/main">
+                <a:solidFill>
+                  <a:srgbClr val="FFFFFF"/>
+                </a:solidFill>
+              </a14:hiddenFill>
+            </a:ext>
+            <a:ext uri="{91240B29-F687-4F45-9708-019B960494DF}">
+              <a14:hiddenLine xmlns:a14="http://schemas.microsoft.com/office/drawing/2010/main" w="9525">
+                <a:solidFill>
+                  <a:srgbClr val="000000"/>
+                </a:solidFill>
+                <a:miter lim="800000"/>
+                <a:headEnd/>
+                <a:tailEnd/>
+              </a14:hiddenLine>
+            </a:ext>
+          </a:extLst>
+        </p:spPr>
+      </p:pic>
     </p:spTree>
     <p:extLst>
       <p:ext uri="{BB962C8B-B14F-4D97-AF65-F5344CB8AC3E}">
-        <p14:creationId xmlns:p14="http://schemas.microsoft.com/office/powerpoint/2010/main" val="2824592776"/>
+        <p14:creationId xmlns:p14="http://schemas.microsoft.com/office/powerpoint/2010/main" val="3768719898"/>
       </p:ext>
     </p:extLst>
   </p:cSld>
@@ -4460,6 +4854,1025 @@
     <p:extLst>
       <p:ext uri="{BB962C8B-B14F-4D97-AF65-F5344CB8AC3E}">
         <p14:creationId xmlns:p14="http://schemas.microsoft.com/office/powerpoint/2010/main" val="4188232905"/>
+      </p:ext>
+    </p:extLst>
+  </p:cSld>
+  <p:clrMapOvr>
+    <a:masterClrMapping/>
+  </p:clrMapOvr>
+  <p:timing>
+    <p:tnLst>
+      <p:par>
+        <p:cTn id="1" dur="indefinite" restart="never" nodeType="tmRoot"/>
+      </p:par>
+    </p:tnLst>
+  </p:timing>
+</p:sld>
+</file>
+
+<file path=ppt/slides/slide20.xml><?xml version="1.0" encoding="utf-8"?>
+<p:sld xmlns:a="http://schemas.openxmlformats.org/drawingml/2006/main" xmlns:r="http://schemas.openxmlformats.org/officeDocument/2006/relationships" xmlns:p="http://schemas.openxmlformats.org/presentationml/2006/main">
+  <p:cSld>
+    <p:spTree>
+      <p:nvGrpSpPr>
+        <p:cNvPr id="1" name=""/>
+        <p:cNvGrpSpPr/>
+        <p:nvPr/>
+      </p:nvGrpSpPr>
+      <p:grpSpPr>
+        <a:xfrm>
+          <a:off x="0" y="0"/>
+          <a:ext cx="0" cy="0"/>
+          <a:chOff x="0" y="0"/>
+          <a:chExt cx="0" cy="0"/>
+        </a:xfrm>
+      </p:grpSpPr>
+      <p:sp>
+        <p:nvSpPr>
+          <p:cNvPr id="2" name="Title 1"/>
+          <p:cNvSpPr>
+            <a:spLocks noGrp="1"/>
+          </p:cNvSpPr>
+          <p:nvPr>
+            <p:ph type="title"/>
+          </p:nvPr>
+        </p:nvSpPr>
+        <p:spPr/>
+        <p:txBody>
+          <a:bodyPr/>
+          <a:lstStyle/>
+          <a:p>
+            <a:r>
+              <a:rPr lang="tr-TR" dirty="0" smtClean="0"/>
+              <a:t>İş Parçacıklarının Avantajları</a:t>
+            </a:r>
+            <a:endParaRPr lang="tr-TR" dirty="0"/>
+          </a:p>
+        </p:txBody>
+      </p:sp>
+      <p:sp>
+        <p:nvSpPr>
+          <p:cNvPr id="3" name="Content Placeholder 2"/>
+          <p:cNvSpPr>
+            <a:spLocks noGrp="1"/>
+          </p:cNvSpPr>
+          <p:nvPr>
+            <p:ph idx="1"/>
+          </p:nvPr>
+        </p:nvSpPr>
+        <p:spPr>
+          <a:xfrm>
+            <a:off x="838200" y="1825625"/>
+            <a:ext cx="10515600" cy="4680000"/>
+          </a:xfrm>
+        </p:spPr>
+        <p:txBody>
+          <a:bodyPr>
+            <a:normAutofit/>
+          </a:bodyPr>
+          <a:lstStyle/>
+          <a:p>
+            <a:r>
+              <a:rPr lang="tr-TR" dirty="0"/>
+              <a:t>Kullanıcı </a:t>
+            </a:r>
+            <a:r>
+              <a:rPr lang="tr-TR" dirty="0" smtClean="0"/>
+              <a:t>duyarlılığı</a:t>
+            </a:r>
+          </a:p>
+          <a:p>
+            <a:pPr lvl="1"/>
+            <a:r>
+              <a:rPr lang="tr-TR" dirty="0" smtClean="0"/>
+              <a:t>Bir </a:t>
+            </a:r>
+            <a:r>
+              <a:rPr lang="tr-TR" dirty="0"/>
+              <a:t>iş parçacığı bloke olduğunda, diğeri kullanıcı G/Ç'sini </a:t>
+            </a:r>
+            <a:r>
+              <a:rPr lang="tr-TR" dirty="0" smtClean="0"/>
+              <a:t>işleyebilir. Ancak</a:t>
+            </a:r>
+            <a:r>
+              <a:rPr lang="tr-TR" dirty="0"/>
+              <a:t>: iş parçacığı uygulamasına </a:t>
+            </a:r>
+            <a:r>
+              <a:rPr lang="tr-TR" dirty="0" smtClean="0"/>
+              <a:t>bağlı</a:t>
+            </a:r>
+          </a:p>
+          <a:p>
+            <a:r>
+              <a:rPr lang="tr-TR" dirty="0" smtClean="0"/>
+              <a:t>Kaynak </a:t>
+            </a:r>
+            <a:r>
+              <a:rPr lang="tr-TR" dirty="0"/>
+              <a:t>paylaşımı: </a:t>
+            </a:r>
+            <a:r>
+              <a:rPr lang="tr-TR" dirty="0" smtClean="0"/>
+              <a:t>ekonomi</a:t>
+            </a:r>
+          </a:p>
+          <a:p>
+            <a:pPr lvl="1"/>
+            <a:r>
+              <a:rPr lang="tr-TR" dirty="0" smtClean="0"/>
+              <a:t>Bellek </a:t>
+            </a:r>
+            <a:r>
+              <a:rPr lang="tr-TR" dirty="0"/>
+              <a:t>paylaşılır (yani adres alanı paylaşılır</a:t>
+            </a:r>
+            <a:r>
+              <a:rPr lang="tr-TR" dirty="0" smtClean="0"/>
+              <a:t>), Açık </a:t>
+            </a:r>
+            <a:r>
+              <a:rPr lang="tr-TR" dirty="0"/>
+              <a:t>dosyalar, </a:t>
+            </a:r>
+            <a:r>
+              <a:rPr lang="tr-TR" dirty="0" smtClean="0"/>
+              <a:t>soketler</a:t>
+            </a:r>
+          </a:p>
+          <a:p>
+            <a:r>
+              <a:rPr lang="tr-TR" dirty="0" smtClean="0"/>
+              <a:t>Hız</a:t>
+            </a:r>
+          </a:p>
+          <a:p>
+            <a:pPr lvl="1"/>
+            <a:r>
+              <a:rPr lang="tr-TR" dirty="0" smtClean="0"/>
+              <a:t>İş parçacığı oluşturma süreç </a:t>
+            </a:r>
+            <a:r>
+              <a:rPr lang="tr-TR" dirty="0"/>
+              <a:t>oluşturmaya göre yaklaşık 30 kat daha </a:t>
+            </a:r>
+            <a:r>
+              <a:rPr lang="tr-TR" dirty="0" smtClean="0"/>
+              <a:t>hızlı, bağlam geçişi 5 </a:t>
+            </a:r>
+            <a:r>
+              <a:rPr lang="tr-TR" dirty="0"/>
+              <a:t>kat daha hızlı </a:t>
+            </a:r>
+            <a:endParaRPr lang="tr-TR" dirty="0" smtClean="0"/>
+          </a:p>
+          <a:p>
+            <a:r>
+              <a:rPr lang="tr-TR" dirty="0" smtClean="0"/>
+              <a:t>Donanım </a:t>
+            </a:r>
+            <a:r>
+              <a:rPr lang="tr-TR" dirty="0"/>
+              <a:t>paralelliğinden </a:t>
+            </a:r>
+            <a:r>
+              <a:rPr lang="tr-TR" dirty="0" smtClean="0"/>
+              <a:t>yararlanma</a:t>
+            </a:r>
+          </a:p>
+          <a:p>
+            <a:pPr lvl="1"/>
+            <a:r>
+              <a:rPr lang="tr-TR" dirty="0" smtClean="0"/>
+              <a:t>Ağır süreçler, çoklu </a:t>
+            </a:r>
+            <a:r>
+              <a:rPr lang="tr-TR" dirty="0"/>
+              <a:t>işlemcili mimarilerden de faydalanabilir</a:t>
+            </a:r>
+            <a:endParaRPr lang="tr-TR" dirty="0"/>
+          </a:p>
+        </p:txBody>
+      </p:sp>
+    </p:spTree>
+    <p:extLst>
+      <p:ext uri="{BB962C8B-B14F-4D97-AF65-F5344CB8AC3E}">
+        <p14:creationId xmlns:p14="http://schemas.microsoft.com/office/powerpoint/2010/main" val="3374983204"/>
+      </p:ext>
+    </p:extLst>
+  </p:cSld>
+  <p:clrMapOvr>
+    <a:masterClrMapping/>
+  </p:clrMapOvr>
+  <p:timing>
+    <p:tnLst>
+      <p:par>
+        <p:cTn id="1" dur="indefinite" restart="never" nodeType="tmRoot"/>
+      </p:par>
+    </p:tnLst>
+  </p:timing>
+</p:sld>
+</file>
+
+<file path=ppt/slides/slide21.xml><?xml version="1.0" encoding="utf-8"?>
+<p:sld xmlns:a="http://schemas.openxmlformats.org/drawingml/2006/main" xmlns:r="http://schemas.openxmlformats.org/officeDocument/2006/relationships" xmlns:p="http://schemas.openxmlformats.org/presentationml/2006/main">
+  <p:cSld>
+    <p:spTree>
+      <p:nvGrpSpPr>
+        <p:cNvPr id="1" name=""/>
+        <p:cNvGrpSpPr/>
+        <p:nvPr/>
+      </p:nvGrpSpPr>
+      <p:grpSpPr>
+        <a:xfrm>
+          <a:off x="0" y="0"/>
+          <a:ext cx="0" cy="0"/>
+          <a:chOff x="0" y="0"/>
+          <a:chExt cx="0" cy="0"/>
+        </a:xfrm>
+      </p:grpSpPr>
+      <p:sp>
+        <p:nvSpPr>
+          <p:cNvPr id="2" name="Title 1"/>
+          <p:cNvSpPr>
+            <a:spLocks noGrp="1"/>
+          </p:cNvSpPr>
+          <p:nvPr>
+            <p:ph type="title"/>
+          </p:nvPr>
+        </p:nvSpPr>
+        <p:spPr/>
+        <p:txBody>
+          <a:bodyPr/>
+          <a:lstStyle/>
+          <a:p>
+            <a:r>
+              <a:rPr lang="tr-TR" dirty="0"/>
+              <a:t>İş Parçacıklarının </a:t>
+            </a:r>
+            <a:r>
+              <a:rPr lang="tr-TR" dirty="0" smtClean="0"/>
+              <a:t>Dezavantajları</a:t>
+            </a:r>
+            <a:endParaRPr lang="tr-TR" dirty="0"/>
+          </a:p>
+        </p:txBody>
+      </p:sp>
+      <p:sp>
+        <p:nvSpPr>
+          <p:cNvPr id="3" name="Content Placeholder 2"/>
+          <p:cNvSpPr>
+            <a:spLocks noGrp="1"/>
+          </p:cNvSpPr>
+          <p:nvPr>
+            <p:ph idx="1"/>
+          </p:nvPr>
+        </p:nvSpPr>
+        <p:spPr>
+          <a:xfrm>
+            <a:off x="838200" y="1825625"/>
+            <a:ext cx="10515600" cy="4680000"/>
+          </a:xfrm>
+        </p:spPr>
+        <p:txBody>
+          <a:bodyPr>
+            <a:normAutofit/>
+          </a:bodyPr>
+          <a:lstStyle/>
+          <a:p>
+            <a:r>
+              <a:rPr lang="tr-TR" dirty="0" smtClean="0"/>
+              <a:t>Senkronizasyon</a:t>
+            </a:r>
+          </a:p>
+          <a:p>
+            <a:pPr lvl="1"/>
+            <a:r>
+              <a:rPr lang="tr-TR" dirty="0"/>
+              <a:t>P</a:t>
+            </a:r>
+            <a:r>
+              <a:rPr lang="tr-TR" dirty="0" smtClean="0"/>
+              <a:t>aylaşımlı bellek ve değişkenlere </a:t>
+            </a:r>
+            <a:r>
+              <a:rPr lang="tr-TR" dirty="0"/>
+              <a:t>erişim kontrol edilmelidir</a:t>
+            </a:r>
+            <a:r>
+              <a:rPr lang="tr-TR" dirty="0" smtClean="0"/>
+              <a:t>.</a:t>
+            </a:r>
+          </a:p>
+          <a:p>
+            <a:pPr lvl="1"/>
+            <a:r>
+              <a:rPr lang="tr-TR" dirty="0" smtClean="0"/>
+              <a:t>Program </a:t>
+            </a:r>
+            <a:r>
+              <a:rPr lang="tr-TR" dirty="0"/>
+              <a:t>koduna karmaşıklık, hatalar </a:t>
+            </a:r>
+            <a:r>
+              <a:rPr lang="tr-TR" dirty="0" smtClean="0"/>
+              <a:t>ekleyebilir. Yarış </a:t>
+            </a:r>
+            <a:r>
+              <a:rPr lang="tr-TR" dirty="0"/>
+              <a:t>koşullarından, kilitlenmelerden ve diğer sorunlardan kaçınmak </a:t>
+            </a:r>
+            <a:r>
+              <a:rPr lang="tr-TR" dirty="0" smtClean="0"/>
+              <a:t>gerekir</a:t>
+            </a:r>
+          </a:p>
+          <a:p>
+            <a:r>
+              <a:rPr lang="tr-TR" dirty="0" smtClean="0"/>
+              <a:t>Bağımsızlık eksikliği</a:t>
+            </a:r>
+          </a:p>
+          <a:p>
+            <a:pPr lvl="1"/>
+            <a:r>
+              <a:rPr lang="tr-TR" dirty="0" smtClean="0"/>
+              <a:t>Ağır </a:t>
+            </a:r>
+            <a:r>
+              <a:rPr lang="tr-TR" dirty="0"/>
+              <a:t>Ağırlık </a:t>
+            </a:r>
+            <a:r>
+              <a:rPr lang="tr-TR" dirty="0" smtClean="0"/>
+              <a:t>İşlemde </a:t>
+            </a:r>
+            <a:r>
+              <a:rPr lang="tr-TR" dirty="0"/>
+              <a:t>(HWP) </a:t>
+            </a:r>
+            <a:r>
+              <a:rPr lang="tr-TR" dirty="0" smtClean="0"/>
+              <a:t>iş parçacıkları bağımsız değildir</a:t>
+            </a:r>
+          </a:p>
+          <a:p>
+            <a:pPr lvl="1"/>
+            <a:r>
+              <a:rPr lang="tr-TR" dirty="0" smtClean="0"/>
+              <a:t>RAM </a:t>
+            </a:r>
+            <a:r>
+              <a:rPr lang="tr-TR" dirty="0"/>
+              <a:t>adres </a:t>
+            </a:r>
+            <a:r>
+              <a:rPr lang="tr-TR" dirty="0" smtClean="0"/>
+              <a:t>uzayı paylaşıldığından bellek </a:t>
+            </a:r>
+            <a:r>
+              <a:rPr lang="tr-TR" dirty="0"/>
+              <a:t>koruması </a:t>
+            </a:r>
+            <a:r>
+              <a:rPr lang="tr-TR" dirty="0" smtClean="0"/>
+              <a:t>yoktur</a:t>
+            </a:r>
+          </a:p>
+          <a:p>
+            <a:pPr lvl="1"/>
+            <a:r>
+              <a:rPr lang="tr-TR" dirty="0" smtClean="0"/>
+              <a:t>Her </a:t>
+            </a:r>
+            <a:r>
+              <a:rPr lang="tr-TR" dirty="0"/>
+              <a:t>iş parçacığının </a:t>
+            </a:r>
+            <a:r>
+              <a:rPr lang="tr-TR" dirty="0" smtClean="0"/>
+              <a:t>yığınları bellekte ayrı yerde olması amaçlanır, </a:t>
+            </a:r>
+            <a:r>
+              <a:rPr lang="tr-TR" dirty="0"/>
+              <a:t>ancak bir iş parçacığının </a:t>
+            </a:r>
+            <a:r>
+              <a:rPr lang="tr-TR" dirty="0" smtClean="0"/>
+              <a:t>hatası nedeniyle </a:t>
+            </a:r>
+            <a:r>
+              <a:rPr lang="tr-TR" dirty="0"/>
+              <a:t>başka bir iş parçacığının yığınının üzerine </a:t>
+            </a:r>
+            <a:r>
+              <a:rPr lang="tr-TR" dirty="0" smtClean="0"/>
+              <a:t>yazma yapılabilir.</a:t>
+            </a:r>
+            <a:endParaRPr lang="tr-TR" dirty="0"/>
+          </a:p>
+        </p:txBody>
+      </p:sp>
+    </p:spTree>
+    <p:extLst>
+      <p:ext uri="{BB962C8B-B14F-4D97-AF65-F5344CB8AC3E}">
+        <p14:creationId xmlns:p14="http://schemas.microsoft.com/office/powerpoint/2010/main" val="373355336"/>
+      </p:ext>
+    </p:extLst>
+  </p:cSld>
+  <p:clrMapOvr>
+    <a:masterClrMapping/>
+  </p:clrMapOvr>
+  <p:timing>
+    <p:tnLst>
+      <p:par>
+        <p:cTn id="1" dur="indefinite" restart="never" nodeType="tmRoot"/>
+      </p:par>
+    </p:tnLst>
+  </p:timing>
+</p:sld>
+</file>
+
+<file path=ppt/slides/slide22.xml><?xml version="1.0" encoding="utf-8"?>
+<p:sld xmlns:a="http://schemas.openxmlformats.org/drawingml/2006/main" xmlns:r="http://schemas.openxmlformats.org/officeDocument/2006/relationships" xmlns:p="http://schemas.openxmlformats.org/presentationml/2006/main">
+  <p:cSld>
+    <p:spTree>
+      <p:nvGrpSpPr>
+        <p:cNvPr id="1" name=""/>
+        <p:cNvGrpSpPr/>
+        <p:nvPr/>
+      </p:nvGrpSpPr>
+      <p:grpSpPr>
+        <a:xfrm>
+          <a:off x="0" y="0"/>
+          <a:ext cx="0" cy="0"/>
+          <a:chOff x="0" y="0"/>
+          <a:chExt cx="0" cy="0"/>
+        </a:xfrm>
+      </p:grpSpPr>
+      <p:sp>
+        <p:nvSpPr>
+          <p:cNvPr id="2" name="Title 1"/>
+          <p:cNvSpPr>
+            <a:spLocks noGrp="1"/>
+          </p:cNvSpPr>
+          <p:nvPr>
+            <p:ph type="title"/>
+          </p:nvPr>
+        </p:nvSpPr>
+        <p:spPr/>
+        <p:txBody>
+          <a:bodyPr/>
+          <a:lstStyle/>
+          <a:p>
+            <a:r>
+              <a:rPr lang="tr-TR" dirty="0" smtClean="0"/>
+              <a:t>Süreçler Arası İletişim</a:t>
+            </a:r>
+            <a:endParaRPr lang="tr-TR" dirty="0"/>
+          </a:p>
+        </p:txBody>
+      </p:sp>
+      <p:sp>
+        <p:nvSpPr>
+          <p:cNvPr id="3" name="Content Placeholder 2"/>
+          <p:cNvSpPr>
+            <a:spLocks noGrp="1"/>
+          </p:cNvSpPr>
+          <p:nvPr>
+            <p:ph idx="1"/>
+          </p:nvPr>
+        </p:nvSpPr>
+        <p:spPr>
+          <a:xfrm>
+            <a:off x="838200" y="1825625"/>
+            <a:ext cx="10515600" cy="4680000"/>
+          </a:xfrm>
+        </p:spPr>
+        <p:txBody>
+          <a:bodyPr>
+            <a:normAutofit/>
+          </a:bodyPr>
+          <a:lstStyle/>
+          <a:p>
+            <a:r>
+              <a:rPr lang="tr-TR" dirty="0" smtClean="0"/>
+              <a:t>Yarış durumu: iki süreç aynı bellek alanına aynı anda erişmek istediğinde</a:t>
+            </a:r>
+            <a:endParaRPr lang="tr-TR" dirty="0"/>
+          </a:p>
+        </p:txBody>
+      </p:sp>
+      <p:pic>
+        <p:nvPicPr>
+          <p:cNvPr id="4" name="Picture 4" descr="2-18"/>
+          <p:cNvPicPr>
+            <a:picLocks noChangeAspect="1" noChangeArrowheads="1"/>
+          </p:cNvPicPr>
+          <p:nvPr/>
+        </p:nvPicPr>
+        <p:blipFill>
+          <a:blip r:embed="rId2">
+            <a:extLst>
+              <a:ext uri="{28A0092B-C50C-407E-A947-70E740481C1C}">
+                <a14:useLocalDpi xmlns:a14="http://schemas.microsoft.com/office/drawing/2010/main" val="0"/>
+              </a:ext>
+            </a:extLst>
+          </a:blip>
+          <a:srcRect/>
+          <a:stretch>
+            <a:fillRect/>
+          </a:stretch>
+        </p:blipFill>
+        <p:spPr bwMode="auto">
+          <a:xfrm>
+            <a:off x="3635375" y="2775313"/>
+            <a:ext cx="4921250" cy="3611563"/>
+          </a:xfrm>
+          <a:prstGeom prst="rect">
+            <a:avLst/>
+          </a:prstGeom>
+          <a:noFill/>
+          <a:ln>
+            <a:noFill/>
+          </a:ln>
+          <a:extLst>
+            <a:ext uri="{909E8E84-426E-40DD-AFC4-6F175D3DCCD1}">
+              <a14:hiddenFill xmlns:a14="http://schemas.microsoft.com/office/drawing/2010/main">
+                <a:solidFill>
+                  <a:srgbClr val="FFFFFF"/>
+                </a:solidFill>
+              </a14:hiddenFill>
+            </a:ext>
+            <a:ext uri="{91240B29-F687-4F45-9708-019B960494DF}">
+              <a14:hiddenLine xmlns:a14="http://schemas.microsoft.com/office/drawing/2010/main" w="9525">
+                <a:solidFill>
+                  <a:srgbClr val="000000"/>
+                </a:solidFill>
+                <a:miter lim="800000"/>
+                <a:headEnd/>
+                <a:tailEnd/>
+              </a14:hiddenLine>
+            </a:ext>
+          </a:extLst>
+        </p:spPr>
+      </p:pic>
+    </p:spTree>
+    <p:extLst>
+      <p:ext uri="{BB962C8B-B14F-4D97-AF65-F5344CB8AC3E}">
+        <p14:creationId xmlns:p14="http://schemas.microsoft.com/office/powerpoint/2010/main" val="195161865"/>
+      </p:ext>
+    </p:extLst>
+  </p:cSld>
+  <p:clrMapOvr>
+    <a:masterClrMapping/>
+  </p:clrMapOvr>
+  <p:timing>
+    <p:tnLst>
+      <p:par>
+        <p:cTn id="1" dur="indefinite" restart="never" nodeType="tmRoot"/>
+      </p:par>
+    </p:tnLst>
+  </p:timing>
+</p:sld>
+</file>
+
+<file path=ppt/slides/slide23.xml><?xml version="1.0" encoding="utf-8"?>
+<p:sld xmlns:a="http://schemas.openxmlformats.org/drawingml/2006/main" xmlns:r="http://schemas.openxmlformats.org/officeDocument/2006/relationships" xmlns:p="http://schemas.openxmlformats.org/presentationml/2006/main">
+  <p:cSld>
+    <p:spTree>
+      <p:nvGrpSpPr>
+        <p:cNvPr id="1" name=""/>
+        <p:cNvGrpSpPr/>
+        <p:nvPr/>
+      </p:nvGrpSpPr>
+      <p:grpSpPr>
+        <a:xfrm>
+          <a:off x="0" y="0"/>
+          <a:ext cx="0" cy="0"/>
+          <a:chOff x="0" y="0"/>
+          <a:chExt cx="0" cy="0"/>
+        </a:xfrm>
+      </p:grpSpPr>
+      <p:sp>
+        <p:nvSpPr>
+          <p:cNvPr id="2" name="Title 1"/>
+          <p:cNvSpPr>
+            <a:spLocks noGrp="1"/>
+          </p:cNvSpPr>
+          <p:nvPr>
+            <p:ph type="title"/>
+          </p:nvPr>
+        </p:nvSpPr>
+        <p:spPr/>
+        <p:txBody>
+          <a:bodyPr/>
+          <a:lstStyle/>
+          <a:p>
+            <a:r>
+              <a:rPr lang="tr-TR" dirty="0"/>
+              <a:t>Tekrarlanamaz Yürütme</a:t>
+            </a:r>
+            <a:endParaRPr lang="tr-TR" dirty="0"/>
+          </a:p>
+        </p:txBody>
+      </p:sp>
+      <p:sp>
+        <p:nvSpPr>
+          <p:cNvPr id="3" name="Content Placeholder 2"/>
+          <p:cNvSpPr>
+            <a:spLocks noGrp="1"/>
+          </p:cNvSpPr>
+          <p:nvPr>
+            <p:ph idx="1"/>
+          </p:nvPr>
+        </p:nvSpPr>
+        <p:spPr>
+          <a:xfrm>
+            <a:off x="838200" y="1825625"/>
+            <a:ext cx="10515600" cy="4680000"/>
+          </a:xfrm>
+        </p:spPr>
+        <p:txBody>
+          <a:bodyPr>
+            <a:normAutofit/>
+          </a:bodyPr>
+          <a:lstStyle/>
+          <a:p>
+            <a:endParaRPr lang="tr-TR" dirty="0"/>
+          </a:p>
+        </p:txBody>
+      </p:sp>
+    </p:spTree>
+    <p:extLst>
+      <p:ext uri="{BB962C8B-B14F-4D97-AF65-F5344CB8AC3E}">
+        <p14:creationId xmlns:p14="http://schemas.microsoft.com/office/powerpoint/2010/main" val="3946972911"/>
+      </p:ext>
+    </p:extLst>
+  </p:cSld>
+  <p:clrMapOvr>
+    <a:masterClrMapping/>
+  </p:clrMapOvr>
+  <p:timing>
+    <p:tnLst>
+      <p:par>
+        <p:cTn id="1" dur="indefinite" restart="never" nodeType="tmRoot"/>
+      </p:par>
+    </p:tnLst>
+  </p:timing>
+</p:sld>
+</file>
+
+<file path=ppt/slides/slide24.xml><?xml version="1.0" encoding="utf-8"?>
+<p:sld xmlns:a="http://schemas.openxmlformats.org/drawingml/2006/main" xmlns:r="http://schemas.openxmlformats.org/officeDocument/2006/relationships" xmlns:p="http://schemas.openxmlformats.org/presentationml/2006/main">
+  <p:cSld>
+    <p:spTree>
+      <p:nvGrpSpPr>
+        <p:cNvPr id="1" name=""/>
+        <p:cNvGrpSpPr/>
+        <p:nvPr/>
+      </p:nvGrpSpPr>
+      <p:grpSpPr>
+        <a:xfrm>
+          <a:off x="0" y="0"/>
+          <a:ext cx="0" cy="0"/>
+          <a:chOff x="0" y="0"/>
+          <a:chExt cx="0" cy="0"/>
+        </a:xfrm>
+      </p:grpSpPr>
+      <p:sp>
+        <p:nvSpPr>
+          <p:cNvPr id="2" name="Title 1"/>
+          <p:cNvSpPr>
+            <a:spLocks noGrp="1"/>
+          </p:cNvSpPr>
+          <p:nvPr>
+            <p:ph type="title"/>
+          </p:nvPr>
+        </p:nvSpPr>
+        <p:spPr/>
+        <p:txBody>
+          <a:bodyPr/>
+          <a:lstStyle/>
+          <a:p>
+            <a:r>
+              <a:rPr lang="tr-TR" dirty="0"/>
+              <a:t>Tekrarlanamaz Yürütme</a:t>
+            </a:r>
+            <a:endParaRPr lang="tr-TR" dirty="0"/>
+          </a:p>
+        </p:txBody>
+      </p:sp>
+      <p:sp>
+        <p:nvSpPr>
+          <p:cNvPr id="3" name="Content Placeholder 2"/>
+          <p:cNvSpPr>
+            <a:spLocks noGrp="1"/>
+          </p:cNvSpPr>
+          <p:nvPr>
+            <p:ph idx="1"/>
+          </p:nvPr>
+        </p:nvSpPr>
+        <p:spPr>
+          <a:xfrm>
+            <a:off x="838200" y="1825625"/>
+            <a:ext cx="10515600" cy="4680000"/>
+          </a:xfrm>
+        </p:spPr>
+        <p:txBody>
+          <a:bodyPr>
+            <a:normAutofit/>
+          </a:bodyPr>
+          <a:lstStyle/>
+          <a:p>
+            <a:endParaRPr lang="tr-TR" dirty="0"/>
+          </a:p>
+        </p:txBody>
+      </p:sp>
+    </p:spTree>
+    <p:extLst>
+      <p:ext uri="{BB962C8B-B14F-4D97-AF65-F5344CB8AC3E}">
+        <p14:creationId xmlns:p14="http://schemas.microsoft.com/office/powerpoint/2010/main" val="2466730904"/>
+      </p:ext>
+    </p:extLst>
+  </p:cSld>
+  <p:clrMapOvr>
+    <a:masterClrMapping/>
+  </p:clrMapOvr>
+  <p:timing>
+    <p:tnLst>
+      <p:par>
+        <p:cTn id="1" dur="indefinite" restart="never" nodeType="tmRoot"/>
+      </p:par>
+    </p:tnLst>
+  </p:timing>
+</p:sld>
+</file>
+
+<file path=ppt/slides/slide25.xml><?xml version="1.0" encoding="utf-8"?>
+<p:sld xmlns:a="http://schemas.openxmlformats.org/drawingml/2006/main" xmlns:r="http://schemas.openxmlformats.org/officeDocument/2006/relationships" xmlns:p="http://schemas.openxmlformats.org/presentationml/2006/main">
+  <p:cSld>
+    <p:spTree>
+      <p:nvGrpSpPr>
+        <p:cNvPr id="1" name=""/>
+        <p:cNvGrpSpPr/>
+        <p:nvPr/>
+      </p:nvGrpSpPr>
+      <p:grpSpPr>
+        <a:xfrm>
+          <a:off x="0" y="0"/>
+          <a:ext cx="0" cy="0"/>
+          <a:chOff x="0" y="0"/>
+          <a:chExt cx="0" cy="0"/>
+        </a:xfrm>
+      </p:grpSpPr>
+      <p:sp>
+        <p:nvSpPr>
+          <p:cNvPr id="2" name="Title 1"/>
+          <p:cNvSpPr>
+            <a:spLocks noGrp="1"/>
+          </p:cNvSpPr>
+          <p:nvPr>
+            <p:ph type="title"/>
+          </p:nvPr>
+        </p:nvSpPr>
+        <p:spPr/>
+        <p:txBody>
+          <a:bodyPr/>
+          <a:lstStyle/>
+          <a:p>
+            <a:r>
+              <a:rPr lang="tr-TR" dirty="0"/>
+              <a:t>Tekrarlanamaz Yürütme</a:t>
+            </a:r>
+            <a:endParaRPr lang="tr-TR" dirty="0"/>
+          </a:p>
+        </p:txBody>
+      </p:sp>
+      <p:sp>
+        <p:nvSpPr>
+          <p:cNvPr id="3" name="Content Placeholder 2"/>
+          <p:cNvSpPr>
+            <a:spLocks noGrp="1"/>
+          </p:cNvSpPr>
+          <p:nvPr>
+            <p:ph idx="1"/>
+          </p:nvPr>
+        </p:nvSpPr>
+        <p:spPr>
+          <a:xfrm>
+            <a:off x="838200" y="1825625"/>
+            <a:ext cx="10515600" cy="4680000"/>
+          </a:xfrm>
+        </p:spPr>
+        <p:txBody>
+          <a:bodyPr>
+            <a:normAutofit/>
+          </a:bodyPr>
+          <a:lstStyle/>
+          <a:p>
+            <a:endParaRPr lang="tr-TR" dirty="0"/>
+          </a:p>
+        </p:txBody>
+      </p:sp>
+    </p:spTree>
+    <p:extLst>
+      <p:ext uri="{BB962C8B-B14F-4D97-AF65-F5344CB8AC3E}">
+        <p14:creationId xmlns:p14="http://schemas.microsoft.com/office/powerpoint/2010/main" val="3168308120"/>
+      </p:ext>
+    </p:extLst>
+  </p:cSld>
+  <p:clrMapOvr>
+    <a:masterClrMapping/>
+  </p:clrMapOvr>
+  <p:timing>
+    <p:tnLst>
+      <p:par>
+        <p:cTn id="1" dur="indefinite" restart="never" nodeType="tmRoot"/>
+      </p:par>
+    </p:tnLst>
+  </p:timing>
+</p:sld>
+</file>
+
+<file path=ppt/slides/slide26.xml><?xml version="1.0" encoding="utf-8"?>
+<p:sld xmlns:a="http://schemas.openxmlformats.org/drawingml/2006/main" xmlns:r="http://schemas.openxmlformats.org/officeDocument/2006/relationships" xmlns:p="http://schemas.openxmlformats.org/presentationml/2006/main">
+  <p:cSld>
+    <p:spTree>
+      <p:nvGrpSpPr>
+        <p:cNvPr id="1" name=""/>
+        <p:cNvGrpSpPr/>
+        <p:nvPr/>
+      </p:nvGrpSpPr>
+      <p:grpSpPr>
+        <a:xfrm>
+          <a:off x="0" y="0"/>
+          <a:ext cx="0" cy="0"/>
+          <a:chOff x="0" y="0"/>
+          <a:chExt cx="0" cy="0"/>
+        </a:xfrm>
+      </p:grpSpPr>
+      <p:sp>
+        <p:nvSpPr>
+          <p:cNvPr id="2" name="Title 1"/>
+          <p:cNvSpPr>
+            <a:spLocks noGrp="1"/>
+          </p:cNvSpPr>
+          <p:nvPr>
+            <p:ph type="title"/>
+          </p:nvPr>
+        </p:nvSpPr>
+        <p:spPr/>
+        <p:txBody>
+          <a:bodyPr/>
+          <a:lstStyle/>
+          <a:p>
+            <a:r>
+              <a:rPr lang="tr-TR" dirty="0"/>
+              <a:t>Tekrarlanamaz Yürütme</a:t>
+            </a:r>
+            <a:endParaRPr lang="tr-TR" dirty="0"/>
+          </a:p>
+        </p:txBody>
+      </p:sp>
+      <p:sp>
+        <p:nvSpPr>
+          <p:cNvPr id="3" name="Content Placeholder 2"/>
+          <p:cNvSpPr>
+            <a:spLocks noGrp="1"/>
+          </p:cNvSpPr>
+          <p:nvPr>
+            <p:ph idx="1"/>
+          </p:nvPr>
+        </p:nvSpPr>
+        <p:spPr>
+          <a:xfrm>
+            <a:off x="838200" y="1825625"/>
+            <a:ext cx="10515600" cy="4680000"/>
+          </a:xfrm>
+        </p:spPr>
+        <p:txBody>
+          <a:bodyPr>
+            <a:normAutofit/>
+          </a:bodyPr>
+          <a:lstStyle/>
+          <a:p>
+            <a:endParaRPr lang="tr-TR" dirty="0"/>
+          </a:p>
+        </p:txBody>
+      </p:sp>
+    </p:spTree>
+    <p:extLst>
+      <p:ext uri="{BB962C8B-B14F-4D97-AF65-F5344CB8AC3E}">
+        <p14:creationId xmlns:p14="http://schemas.microsoft.com/office/powerpoint/2010/main" val="2233354246"/>
+      </p:ext>
+    </p:extLst>
+  </p:cSld>
+  <p:clrMapOvr>
+    <a:masterClrMapping/>
+  </p:clrMapOvr>
+  <p:timing>
+    <p:tnLst>
+      <p:par>
+        <p:cTn id="1" dur="indefinite" restart="never" nodeType="tmRoot"/>
+      </p:par>
+    </p:tnLst>
+  </p:timing>
+</p:sld>
+</file>
+
+<file path=ppt/slides/slide27.xml><?xml version="1.0" encoding="utf-8"?>
+<p:sld xmlns:a="http://schemas.openxmlformats.org/drawingml/2006/main" xmlns:r="http://schemas.openxmlformats.org/officeDocument/2006/relationships" xmlns:p="http://schemas.openxmlformats.org/presentationml/2006/main">
+  <p:cSld>
+    <p:spTree>
+      <p:nvGrpSpPr>
+        <p:cNvPr id="1" name=""/>
+        <p:cNvGrpSpPr/>
+        <p:nvPr/>
+      </p:nvGrpSpPr>
+      <p:grpSpPr>
+        <a:xfrm>
+          <a:off x="0" y="0"/>
+          <a:ext cx="0" cy="0"/>
+          <a:chOff x="0" y="0"/>
+          <a:chExt cx="0" cy="0"/>
+        </a:xfrm>
+      </p:grpSpPr>
+      <p:sp>
+        <p:nvSpPr>
+          <p:cNvPr id="2" name="Title 1"/>
+          <p:cNvSpPr>
+            <a:spLocks noGrp="1"/>
+          </p:cNvSpPr>
+          <p:nvPr>
+            <p:ph type="title"/>
+          </p:nvPr>
+        </p:nvSpPr>
+        <p:spPr/>
+        <p:txBody>
+          <a:bodyPr/>
+          <a:lstStyle/>
+          <a:p>
+            <a:endParaRPr lang="tr-TR" dirty="0"/>
+          </a:p>
+        </p:txBody>
+      </p:sp>
+      <p:sp>
+        <p:nvSpPr>
+          <p:cNvPr id="3" name="Content Placeholder 2"/>
+          <p:cNvSpPr>
+            <a:spLocks noGrp="1"/>
+          </p:cNvSpPr>
+          <p:nvPr>
+            <p:ph idx="1"/>
+          </p:nvPr>
+        </p:nvSpPr>
+        <p:spPr>
+          <a:xfrm>
+            <a:off x="838200" y="1825625"/>
+            <a:ext cx="10515600" cy="4680000"/>
+          </a:xfrm>
+        </p:spPr>
+        <p:txBody>
+          <a:bodyPr>
+            <a:normAutofit/>
+          </a:bodyPr>
+          <a:lstStyle/>
+          <a:p>
+            <a:endParaRPr lang="tr-TR" dirty="0" smtClean="0"/>
+          </a:p>
+          <a:p>
+            <a:endParaRPr lang="tr-TR" dirty="0"/>
+          </a:p>
+          <a:p>
+            <a:endParaRPr lang="tr-TR" dirty="0" smtClean="0"/>
+          </a:p>
+          <a:p>
+            <a:pPr marL="0" indent="0" algn="ctr">
+              <a:buNone/>
+            </a:pPr>
+            <a:r>
+              <a:rPr lang="tr-TR" dirty="0" smtClean="0"/>
+              <a:t>SON</a:t>
+            </a:r>
+            <a:endParaRPr lang="tr-TR" dirty="0"/>
+          </a:p>
+          <a:p>
+            <a:endParaRPr lang="tr-TR" dirty="0"/>
+          </a:p>
+          <a:p>
+            <a:endParaRPr lang="tr-TR" dirty="0"/>
+          </a:p>
+          <a:p>
+            <a:endParaRPr lang="tr-TR" dirty="0"/>
+          </a:p>
+        </p:txBody>
+      </p:sp>
+    </p:spTree>
+    <p:extLst>
+      <p:ext uri="{BB962C8B-B14F-4D97-AF65-F5344CB8AC3E}">
+        <p14:creationId xmlns:p14="http://schemas.microsoft.com/office/powerpoint/2010/main" val="2824592776"/>
       </p:ext>
     </p:extLst>
   </p:cSld>

--- a/assets/teaching/os/2_Bolum_2_Surecler.pptx
+++ b/assets/teaching/os/2_Bolum_2_Surecler.pptx
@@ -31,7 +31,12 @@
     <p:sldId id="335" r:id="rId25"/>
     <p:sldId id="336" r:id="rId26"/>
     <p:sldId id="337" r:id="rId27"/>
-    <p:sldId id="312" r:id="rId28"/>
+    <p:sldId id="338" r:id="rId28"/>
+    <p:sldId id="339" r:id="rId29"/>
+    <p:sldId id="340" r:id="rId30"/>
+    <p:sldId id="341" r:id="rId31"/>
+    <p:sldId id="342" r:id="rId32"/>
+    <p:sldId id="312" r:id="rId33"/>
   </p:sldIdLst>
   <p:sldSz cx="12192000" cy="6858000"/>
   <p:notesSz cx="6858000" cy="9144000"/>
@@ -5471,8 +5476,8 @@
           <a:lstStyle/>
           <a:p>
             <a:r>
-              <a:rPr lang="tr-TR" dirty="0"/>
-              <a:t>Tekrarlanamaz Yürütme</a:t>
+              <a:rPr lang="tr-TR" dirty="0" smtClean="0"/>
+              <a:t>Yarış Durumu</a:t>
             </a:r>
             <a:endParaRPr lang="tr-TR" dirty="0"/>
           </a:p>
@@ -5500,6 +5505,83 @@
           </a:bodyPr>
           <a:lstStyle/>
           <a:p>
+            <a:r>
+              <a:rPr lang="tr-TR" dirty="0"/>
+              <a:t>İki veya daha fazla </a:t>
+            </a:r>
+            <a:r>
+              <a:rPr lang="tr-TR" dirty="0" smtClean="0"/>
+              <a:t>süreç, bazı </a:t>
+            </a:r>
+            <a:r>
+              <a:rPr lang="tr-TR" dirty="0"/>
+              <a:t>paylaşılan verileri okuyor veya yazıyor ve nihai sonuç </a:t>
+            </a:r>
+            <a:r>
+              <a:rPr lang="tr-TR" dirty="0" smtClean="0"/>
+              <a:t>hangisinin ne </a:t>
+            </a:r>
+            <a:r>
+              <a:rPr lang="tr-TR" dirty="0"/>
+              <a:t>zaman çalıştığına bağlı</a:t>
+            </a:r>
+            <a:r>
+              <a:rPr lang="tr-TR" dirty="0" smtClean="0"/>
+              <a:t>.</a:t>
+            </a:r>
+          </a:p>
+          <a:p>
+            <a:endParaRPr lang="tr-TR" dirty="0"/>
+          </a:p>
+          <a:p>
+            <a:r>
+              <a:rPr lang="tr-TR" dirty="0"/>
+              <a:t>Karşılıklı </a:t>
+            </a:r>
+            <a:r>
+              <a:rPr lang="tr-TR" dirty="0" smtClean="0"/>
+              <a:t>dışlama</a:t>
+            </a:r>
+          </a:p>
+          <a:p>
+            <a:pPr lvl="1"/>
+            <a:r>
+              <a:rPr lang="tr-TR" dirty="0" smtClean="0"/>
+              <a:t>Birden </a:t>
+            </a:r>
+            <a:r>
+              <a:rPr lang="tr-TR" dirty="0"/>
+              <a:t>fazla işlemin paylaşılan verileri aynı anda okumasını ve yazmasını </a:t>
+            </a:r>
+            <a:r>
+              <a:rPr lang="tr-TR" dirty="0" smtClean="0"/>
+              <a:t>engelleme</a:t>
+            </a:r>
+          </a:p>
+          <a:p>
+            <a:r>
+              <a:rPr lang="tr-TR" dirty="0"/>
+              <a:t>K</a:t>
+            </a:r>
+            <a:r>
+              <a:rPr lang="tr-TR" dirty="0" smtClean="0"/>
+              <a:t>ritik bölge</a:t>
+            </a:r>
+          </a:p>
+          <a:p>
+            <a:pPr lvl="1"/>
+            <a:r>
+              <a:rPr lang="tr-TR" dirty="0" smtClean="0"/>
+              <a:t>Programın </a:t>
+            </a:r>
+            <a:r>
+              <a:rPr lang="tr-TR" dirty="0"/>
+              <a:t>p</a:t>
+            </a:r>
+            <a:r>
+              <a:rPr lang="tr-TR" dirty="0" smtClean="0"/>
+              <a:t>aylaşılan alana erişim yaptığı kod bölümü</a:t>
+            </a:r>
             <a:endParaRPr lang="tr-TR" dirty="0"/>
           </a:p>
         </p:txBody>
@@ -5557,8 +5639,8 @@
           <a:lstStyle/>
           <a:p>
             <a:r>
-              <a:rPr lang="tr-TR" dirty="0"/>
-              <a:t>Tekrarlanamaz Yürütme</a:t>
+              <a:rPr lang="tr-TR" dirty="0" smtClean="0"/>
+              <a:t>Karşılıklı Dışlama</a:t>
             </a:r>
             <a:endParaRPr lang="tr-TR" dirty="0"/>
           </a:p>
@@ -5586,6 +5668,81 @@
           </a:bodyPr>
           <a:lstStyle/>
           <a:p>
+            <a:pPr marL="0" indent="0">
+              <a:buNone/>
+            </a:pPr>
+            <a:r>
+              <a:rPr lang="tr-TR" dirty="0"/>
+              <a:t>Karşılıklı dışlama sağlamak için dört </a:t>
+            </a:r>
+            <a:r>
+              <a:rPr lang="tr-TR" dirty="0" smtClean="0"/>
+              <a:t>koşul</a:t>
+            </a:r>
+          </a:p>
+          <a:p>
+            <a:r>
+              <a:rPr lang="tr-TR" dirty="0" smtClean="0"/>
+              <a:t>İki süreç aynı anda kritik </a:t>
+            </a:r>
+            <a:r>
+              <a:rPr lang="tr-TR" dirty="0"/>
+              <a:t>bölgede </a:t>
+            </a:r>
+            <a:r>
+              <a:rPr lang="tr-TR" dirty="0" smtClean="0"/>
+              <a:t>olmamalı</a:t>
+            </a:r>
+          </a:p>
+          <a:p>
+            <a:r>
+              <a:rPr lang="tr-TR" dirty="0" smtClean="0"/>
+              <a:t>İşlemci hızı ve sayısı </a:t>
+            </a:r>
+            <a:r>
+              <a:rPr lang="tr-TR" dirty="0"/>
+              <a:t>hakkında varsayım </a:t>
+            </a:r>
+            <a:r>
+              <a:rPr lang="tr-TR" dirty="0" smtClean="0"/>
+              <a:t>yapılmamalı</a:t>
+            </a:r>
+          </a:p>
+          <a:p>
+            <a:r>
+              <a:rPr lang="tr-TR" dirty="0" smtClean="0"/>
+              <a:t>Kritik </a:t>
+            </a:r>
+            <a:r>
+              <a:rPr lang="tr-TR" dirty="0"/>
+              <a:t>bölgesinin dışında çalışan hiçbir </a:t>
+            </a:r>
+            <a:r>
+              <a:rPr lang="tr-TR" dirty="0" smtClean="0"/>
+              <a:t>süreç başka </a:t>
+            </a:r>
+            <a:r>
+              <a:rPr lang="tr-TR" dirty="0"/>
+              <a:t>bir </a:t>
+            </a:r>
+            <a:r>
+              <a:rPr lang="tr-TR" dirty="0" smtClean="0"/>
+              <a:t>süreci engellememeli</a:t>
+            </a:r>
+          </a:p>
+          <a:p>
+            <a:r>
+              <a:rPr lang="tr-TR" dirty="0" smtClean="0"/>
+              <a:t>Hiçbir </a:t>
+            </a:r>
+            <a:r>
+              <a:rPr lang="tr-TR" dirty="0"/>
+              <a:t>süreç kritik bölgesine girmek için sonsuza kadar </a:t>
+            </a:r>
+            <a:r>
+              <a:rPr lang="tr-TR" dirty="0" smtClean="0"/>
+              <a:t>beklememeli</a:t>
+            </a:r>
             <a:endParaRPr lang="tr-TR" dirty="0"/>
           </a:p>
         </p:txBody>
@@ -5643,39 +5800,39 @@
           <a:lstStyle/>
           <a:p>
             <a:r>
-              <a:rPr lang="tr-TR" dirty="0"/>
-              <a:t>Tekrarlanamaz Yürütme</a:t>
+              <a:rPr lang="tr-TR" dirty="0" smtClean="0"/>
+              <a:t>Kritik Bölge</a:t>
             </a:r>
             <a:endParaRPr lang="tr-TR" dirty="0"/>
           </a:p>
         </p:txBody>
       </p:sp>
-      <p:sp>
-        <p:nvSpPr>
-          <p:cNvPr id="3" name="Content Placeholder 2"/>
-          <p:cNvSpPr>
-            <a:spLocks noGrp="1"/>
-          </p:cNvSpPr>
+      <p:pic>
+        <p:nvPicPr>
+          <p:cNvPr id="4" name="Content Placeholder 3"/>
+          <p:cNvPicPr>
+            <a:picLocks noGrp="1" noChangeAspect="1"/>
+          </p:cNvPicPr>
           <p:nvPr>
             <p:ph idx="1"/>
           </p:nvPr>
-        </p:nvSpPr>
+        </p:nvPicPr>
+        <p:blipFill>
+          <a:blip r:embed="rId2"/>
+          <a:stretch>
+            <a:fillRect/>
+          </a:stretch>
+        </p:blipFill>
         <p:spPr>
           <a:xfrm>
-            <a:off x="838200" y="1825625"/>
-            <a:ext cx="10515600" cy="4680000"/>
+            <a:off x="4248150" y="1898106"/>
+            <a:ext cx="3695700" cy="4038600"/>
           </a:xfrm>
+          <a:prstGeom prst="rect">
+            <a:avLst/>
+          </a:prstGeom>
         </p:spPr>
-        <p:txBody>
-          <a:bodyPr>
-            <a:normAutofit/>
-          </a:bodyPr>
-          <a:lstStyle/>
-          <a:p>
-            <a:endParaRPr lang="tr-TR" dirty="0"/>
-          </a:p>
-        </p:txBody>
-      </p:sp>
+      </p:pic>
     </p:spTree>
     <p:extLst>
       <p:ext uri="{BB962C8B-B14F-4D97-AF65-F5344CB8AC3E}">
@@ -5729,8 +5886,8 @@
           <a:lstStyle/>
           <a:p>
             <a:r>
-              <a:rPr lang="tr-TR" dirty="0"/>
-              <a:t>Tekrarlanamaz Yürütme</a:t>
+              <a:rPr lang="tr-TR" dirty="0" smtClean="0"/>
+              <a:t>Kritik Bölge Kullanarak Karşılıklı Dışlama</a:t>
             </a:r>
             <a:endParaRPr lang="tr-TR" dirty="0"/>
           </a:p>
@@ -5762,6 +5919,60 @@
           </a:p>
         </p:txBody>
       </p:sp>
+      <p:pic>
+        <p:nvPicPr>
+          <p:cNvPr id="4" name="Picture 4"/>
+          <p:cNvPicPr>
+            <a:picLocks noChangeAspect="1" noChangeArrowheads="1"/>
+          </p:cNvPicPr>
+          <p:nvPr/>
+        </p:nvPicPr>
+        <p:blipFill>
+          <a:blip r:embed="rId2">
+            <a:extLst>
+              <a:ext uri="{28A0092B-C50C-407E-A947-70E740481C1C}">
+                <a14:useLocalDpi xmlns:a14="http://schemas.microsoft.com/office/drawing/2010/main" val="0"/>
+              </a:ext>
+            </a:extLst>
+          </a:blip>
+          <a:srcRect/>
+          <a:stretch>
+            <a:fillRect/>
+          </a:stretch>
+        </p:blipFill>
+        <p:spPr bwMode="auto">
+          <a:xfrm>
+            <a:off x="1943100" y="2312217"/>
+            <a:ext cx="8305800" cy="4037013"/>
+          </a:xfrm>
+          <a:prstGeom prst="rect">
+            <a:avLst/>
+          </a:prstGeom>
+          <a:noFill/>
+          <a:ln>
+            <a:noFill/>
+          </a:ln>
+          <a:extLst>
+            <a:ext uri="{909E8E84-426E-40DD-AFC4-6F175D3DCCD1}">
+              <a14:hiddenFill xmlns:a14="http://schemas.microsoft.com/office/drawing/2010/main">
+                <a:solidFill>
+                  <a:srgbClr val="FFFFFF"/>
+                </a:solidFill>
+              </a14:hiddenFill>
+            </a:ext>
+            <a:ext uri="{91240B29-F687-4F45-9708-019B960494DF}">
+              <a14:hiddenLine xmlns:a14="http://schemas.microsoft.com/office/drawing/2010/main" w="9525">
+                <a:solidFill>
+                  <a:srgbClr val="000000"/>
+                </a:solidFill>
+                <a:miter lim="800000"/>
+                <a:headEnd/>
+                <a:tailEnd/>
+              </a14:hiddenLine>
+            </a:ext>
+          </a:extLst>
+        </p:spPr>
+      </p:pic>
     </p:spTree>
     <p:extLst>
       <p:ext uri="{BB962C8B-B14F-4D97-AF65-F5344CB8AC3E}">
@@ -5814,6 +6025,10 @@
           <a:bodyPr/>
           <a:lstStyle/>
           <a:p>
+            <a:r>
+              <a:rPr lang="tr-TR" dirty="0"/>
+              <a:t>Meşgul Bekleme ile Karşılıklı Dışlama</a:t>
+            </a:r>
             <a:endParaRPr lang="tr-TR" dirty="0"/>
           </a:p>
         </p:txBody>
@@ -5840,31 +6055,83 @@
           </a:bodyPr>
           <a:lstStyle/>
           <a:p>
-            <a:endParaRPr lang="tr-TR" dirty="0" smtClean="0"/>
-          </a:p>
-          <a:p>
-            <a:endParaRPr lang="tr-TR" dirty="0"/>
-          </a:p>
-          <a:p>
-            <a:endParaRPr lang="tr-TR" dirty="0" smtClean="0"/>
-          </a:p>
-          <a:p>
-            <a:pPr marL="0" indent="0" algn="ctr">
-              <a:buNone/>
-            </a:pPr>
-            <a:r>
-              <a:rPr lang="tr-TR" dirty="0" smtClean="0"/>
-              <a:t>SON</a:t>
-            </a:r>
-            <a:endParaRPr lang="tr-TR" dirty="0"/>
-          </a:p>
-          <a:p>
-            <a:endParaRPr lang="tr-TR" dirty="0"/>
-          </a:p>
-          <a:p>
-            <a:endParaRPr lang="tr-TR" dirty="0"/>
-          </a:p>
-          <a:p>
+            <a:r>
+              <a:rPr lang="tr-TR" dirty="0" smtClean="0"/>
+              <a:t>Kesmeleri </a:t>
+            </a:r>
+            <a:r>
+              <a:rPr lang="tr-TR" dirty="0"/>
+              <a:t>devre dışı </a:t>
+            </a:r>
+            <a:r>
+              <a:rPr lang="tr-TR" dirty="0" smtClean="0"/>
+              <a:t>bırakma</a:t>
+            </a:r>
+          </a:p>
+          <a:p>
+            <a:pPr lvl="1"/>
+            <a:r>
+              <a:rPr lang="tr-TR" dirty="0" smtClean="0"/>
+              <a:t>Kritik </a:t>
+            </a:r>
+            <a:r>
+              <a:rPr lang="tr-TR" dirty="0"/>
+              <a:t>bölgeye girdikten sonra tüm </a:t>
+            </a:r>
+            <a:r>
+              <a:rPr lang="tr-TR" dirty="0" smtClean="0"/>
+              <a:t>kesmeleri devre </a:t>
+            </a:r>
+            <a:r>
+              <a:rPr lang="tr-TR" dirty="0"/>
+              <a:t>dışı </a:t>
+            </a:r>
+            <a:r>
+              <a:rPr lang="tr-TR" dirty="0" smtClean="0"/>
+              <a:t>bırak</a:t>
+            </a:r>
+          </a:p>
+          <a:p>
+            <a:pPr lvl="1"/>
+            <a:r>
+              <a:rPr lang="tr-TR" dirty="0" err="1" smtClean="0"/>
+              <a:t>Clock</a:t>
+            </a:r>
+            <a:r>
+              <a:rPr lang="tr-TR" dirty="0" smtClean="0"/>
+              <a:t> </a:t>
+            </a:r>
+            <a:r>
+              <a:rPr lang="tr-TR" dirty="0"/>
+              <a:t>yalnızca bir kesme olduğundan, hiçbir CPU önalımı </a:t>
+            </a:r>
+            <a:r>
+              <a:rPr lang="tr-TR" dirty="0" smtClean="0"/>
+              <a:t>(</a:t>
+            </a:r>
+            <a:r>
+              <a:rPr lang="en-US" altLang="zh-CN" dirty="0"/>
+              <a:t>preemption </a:t>
+            </a:r>
+            <a:r>
+              <a:rPr lang="tr-TR" dirty="0" smtClean="0"/>
+              <a:t>) gerçekleşemez.</a:t>
+            </a:r>
+          </a:p>
+          <a:p>
+            <a:pPr lvl="1"/>
+            <a:r>
+              <a:rPr lang="tr-TR" dirty="0" smtClean="0"/>
+              <a:t>Kesmeleri </a:t>
+            </a:r>
+            <a:r>
+              <a:rPr lang="tr-TR" dirty="0"/>
+              <a:t>devre dışı bırakmak, işletim sisteminin kendisi için yararlıdır, ancak kullanıcılar için </a:t>
+            </a:r>
+            <a:r>
+              <a:rPr lang="tr-TR" dirty="0" smtClean="0"/>
+              <a:t>değildir</a:t>
+            </a:r>
             <a:endParaRPr lang="tr-TR" dirty="0"/>
           </a:p>
         </p:txBody>
@@ -5872,7 +6139,301 @@
     </p:spTree>
     <p:extLst>
       <p:ext uri="{BB962C8B-B14F-4D97-AF65-F5344CB8AC3E}">
-        <p14:creationId xmlns:p14="http://schemas.microsoft.com/office/powerpoint/2010/main" val="2824592776"/>
+        <p14:creationId xmlns:p14="http://schemas.microsoft.com/office/powerpoint/2010/main" val="2923642985"/>
+      </p:ext>
+    </p:extLst>
+  </p:cSld>
+  <p:clrMapOvr>
+    <a:masterClrMapping/>
+  </p:clrMapOvr>
+  <p:timing>
+    <p:tnLst>
+      <p:par>
+        <p:cTn id="1" dur="indefinite" restart="never" nodeType="tmRoot"/>
+      </p:par>
+    </p:tnLst>
+  </p:timing>
+</p:sld>
+</file>
+
+<file path=ppt/slides/slide28.xml><?xml version="1.0" encoding="utf-8"?>
+<p:sld xmlns:a="http://schemas.openxmlformats.org/drawingml/2006/main" xmlns:r="http://schemas.openxmlformats.org/officeDocument/2006/relationships" xmlns:p="http://schemas.openxmlformats.org/presentationml/2006/main">
+  <p:cSld>
+    <p:spTree>
+      <p:nvGrpSpPr>
+        <p:cNvPr id="1" name=""/>
+        <p:cNvGrpSpPr/>
+        <p:nvPr/>
+      </p:nvGrpSpPr>
+      <p:grpSpPr>
+        <a:xfrm>
+          <a:off x="0" y="0"/>
+          <a:ext cx="0" cy="0"/>
+          <a:chOff x="0" y="0"/>
+          <a:chExt cx="0" cy="0"/>
+        </a:xfrm>
+      </p:grpSpPr>
+      <p:sp>
+        <p:nvSpPr>
+          <p:cNvPr id="2" name="Title 1"/>
+          <p:cNvSpPr>
+            <a:spLocks noGrp="1"/>
+          </p:cNvSpPr>
+          <p:nvPr>
+            <p:ph type="title"/>
+          </p:nvPr>
+        </p:nvSpPr>
+        <p:spPr/>
+        <p:txBody>
+          <a:bodyPr/>
+          <a:lstStyle/>
+          <a:p>
+            <a:r>
+              <a:rPr lang="tr-TR" dirty="0"/>
+              <a:t>Meşgul Bekleme ile Karşılıklı Dışlama</a:t>
+            </a:r>
+            <a:endParaRPr lang="tr-TR" dirty="0"/>
+          </a:p>
+        </p:txBody>
+      </p:sp>
+      <p:sp>
+        <p:nvSpPr>
+          <p:cNvPr id="3" name="Content Placeholder 2"/>
+          <p:cNvSpPr>
+            <a:spLocks noGrp="1"/>
+          </p:cNvSpPr>
+          <p:nvPr>
+            <p:ph idx="1"/>
+          </p:nvPr>
+        </p:nvSpPr>
+        <p:spPr>
+          <a:xfrm>
+            <a:off x="838200" y="1825625"/>
+            <a:ext cx="10515600" cy="4680000"/>
+          </a:xfrm>
+        </p:spPr>
+        <p:txBody>
+          <a:bodyPr>
+            <a:normAutofit/>
+          </a:bodyPr>
+          <a:lstStyle/>
+          <a:p>
+            <a:r>
+              <a:rPr lang="tr-TR" dirty="0" err="1" smtClean="0"/>
+              <a:t>Lock</a:t>
+            </a:r>
+            <a:r>
+              <a:rPr lang="tr-TR" dirty="0" smtClean="0"/>
+              <a:t> değişkeni</a:t>
+            </a:r>
+          </a:p>
+          <a:p>
+            <a:pPr lvl="1"/>
+            <a:r>
+              <a:rPr lang="tr-TR" dirty="0" err="1" smtClean="0"/>
+              <a:t>Yazılımsal</a:t>
+            </a:r>
+            <a:r>
+              <a:rPr lang="tr-TR" dirty="0" smtClean="0"/>
+              <a:t> bir çözüm</a:t>
+            </a:r>
+          </a:p>
+          <a:p>
+            <a:pPr lvl="1"/>
+            <a:r>
+              <a:rPr lang="tr-TR" dirty="0" smtClean="0"/>
+              <a:t>Tek ve paylaşımlı bir değişen (</a:t>
+            </a:r>
+            <a:r>
+              <a:rPr lang="tr-TR" dirty="0" err="1" smtClean="0"/>
+              <a:t>lock</a:t>
+            </a:r>
+            <a:r>
+              <a:rPr lang="tr-TR" dirty="0" smtClean="0"/>
+              <a:t>) tanımlanır</a:t>
+            </a:r>
+          </a:p>
+          <a:p>
+            <a:pPr lvl="1"/>
+            <a:r>
+              <a:rPr lang="tr-TR" dirty="0" smtClean="0"/>
+              <a:t>Kritik bölgeye girmeden önce değeri kontrol edilir</a:t>
+            </a:r>
+          </a:p>
+          <a:p>
+            <a:pPr lvl="1"/>
+            <a:r>
+              <a:rPr lang="tr-TR" dirty="0" smtClean="0"/>
+              <a:t>Değer 0 ise kritik bölgeye girilmez, beklenir</a:t>
+            </a:r>
+          </a:p>
+          <a:p>
+            <a:pPr lvl="1"/>
+            <a:r>
+              <a:rPr lang="tr-TR" dirty="0" smtClean="0"/>
+              <a:t>Değer 1 ise kritik bölgeye girilir.</a:t>
+            </a:r>
+          </a:p>
+          <a:p>
+            <a:pPr lvl="1"/>
+            <a:endParaRPr lang="tr-TR" dirty="0"/>
+          </a:p>
+          <a:p>
+            <a:r>
+              <a:rPr lang="tr-TR" dirty="0" smtClean="0"/>
+              <a:t>Sorun ne?</a:t>
+            </a:r>
+            <a:endParaRPr lang="tr-TR" dirty="0"/>
+          </a:p>
+        </p:txBody>
+      </p:sp>
+    </p:spTree>
+    <p:extLst>
+      <p:ext uri="{BB962C8B-B14F-4D97-AF65-F5344CB8AC3E}">
+        <p14:creationId xmlns:p14="http://schemas.microsoft.com/office/powerpoint/2010/main" val="3042467210"/>
+      </p:ext>
+    </p:extLst>
+  </p:cSld>
+  <p:clrMapOvr>
+    <a:masterClrMapping/>
+  </p:clrMapOvr>
+  <p:timing>
+    <p:tnLst>
+      <p:par>
+        <p:cTn id="1" dur="indefinite" restart="never" nodeType="tmRoot"/>
+      </p:par>
+    </p:tnLst>
+  </p:timing>
+</p:sld>
+</file>
+
+<file path=ppt/slides/slide29.xml><?xml version="1.0" encoding="utf-8"?>
+<p:sld xmlns:a="http://schemas.openxmlformats.org/drawingml/2006/main" xmlns:r="http://schemas.openxmlformats.org/officeDocument/2006/relationships" xmlns:p="http://schemas.openxmlformats.org/presentationml/2006/main">
+  <p:cSld>
+    <p:spTree>
+      <p:nvGrpSpPr>
+        <p:cNvPr id="1" name=""/>
+        <p:cNvGrpSpPr/>
+        <p:nvPr/>
+      </p:nvGrpSpPr>
+      <p:grpSpPr>
+        <a:xfrm>
+          <a:off x="0" y="0"/>
+          <a:ext cx="0" cy="0"/>
+          <a:chOff x="0" y="0"/>
+          <a:chExt cx="0" cy="0"/>
+        </a:xfrm>
+      </p:grpSpPr>
+      <p:sp>
+        <p:nvSpPr>
+          <p:cNvPr id="2" name="Title 1"/>
+          <p:cNvSpPr>
+            <a:spLocks noGrp="1"/>
+          </p:cNvSpPr>
+          <p:nvPr>
+            <p:ph type="title"/>
+          </p:nvPr>
+        </p:nvSpPr>
+        <p:spPr/>
+        <p:txBody>
+          <a:bodyPr/>
+          <a:lstStyle/>
+          <a:p>
+            <a:r>
+              <a:rPr lang="tr-TR" dirty="0" smtClean="0"/>
+              <a:t>Önerilen Çözüm</a:t>
+            </a:r>
+            <a:endParaRPr lang="tr-TR" dirty="0"/>
+          </a:p>
+        </p:txBody>
+      </p:sp>
+      <p:sp>
+        <p:nvSpPr>
+          <p:cNvPr id="3" name="Content Placeholder 2"/>
+          <p:cNvSpPr>
+            <a:spLocks noGrp="1"/>
+          </p:cNvSpPr>
+          <p:nvPr>
+            <p:ph idx="1"/>
+          </p:nvPr>
+        </p:nvSpPr>
+        <p:spPr>
+          <a:xfrm>
+            <a:off x="838200" y="1825625"/>
+            <a:ext cx="10515600" cy="4680000"/>
+          </a:xfrm>
+        </p:spPr>
+        <p:txBody>
+          <a:bodyPr>
+            <a:normAutofit/>
+          </a:bodyPr>
+          <a:lstStyle/>
+          <a:p>
+            <a:endParaRPr lang="tr-TR" dirty="0" smtClean="0"/>
+          </a:p>
+          <a:p>
+            <a:endParaRPr lang="tr-TR" dirty="0"/>
+          </a:p>
+        </p:txBody>
+      </p:sp>
+      <p:pic>
+        <p:nvPicPr>
+          <p:cNvPr id="5" name="Picture 4"/>
+          <p:cNvPicPr>
+            <a:picLocks noChangeAspect="1" noChangeArrowheads="1"/>
+          </p:cNvPicPr>
+          <p:nvPr/>
+        </p:nvPicPr>
+        <p:blipFill>
+          <a:blip r:embed="rId2">
+            <a:extLst>
+              <a:ext uri="{28A0092B-C50C-407E-A947-70E740481C1C}">
+                <a14:useLocalDpi xmlns:a14="http://schemas.microsoft.com/office/drawing/2010/main" val="0"/>
+              </a:ext>
+            </a:extLst>
+          </a:blip>
+          <a:srcRect/>
+          <a:stretch>
+            <a:fillRect/>
+          </a:stretch>
+        </p:blipFill>
+        <p:spPr bwMode="auto">
+          <a:xfrm>
+            <a:off x="1685925" y="2544128"/>
+            <a:ext cx="8820150" cy="2895600"/>
+          </a:xfrm>
+          <a:prstGeom prst="rect">
+            <a:avLst/>
+          </a:prstGeom>
+          <a:noFill/>
+          <a:ln>
+            <a:noFill/>
+          </a:ln>
+          <a:extLst>
+            <a:ext uri="{909E8E84-426E-40DD-AFC4-6F175D3DCCD1}">
+              <a14:hiddenFill xmlns:a14="http://schemas.microsoft.com/office/drawing/2010/main">
+                <a:solidFill>
+                  <a:srgbClr val="FFFFFF"/>
+                </a:solidFill>
+              </a14:hiddenFill>
+            </a:ext>
+            <a:ext uri="{91240B29-F687-4F45-9708-019B960494DF}">
+              <a14:hiddenLine xmlns:a14="http://schemas.microsoft.com/office/drawing/2010/main" w="9525">
+                <a:solidFill>
+                  <a:srgbClr val="000000"/>
+                </a:solidFill>
+                <a:miter lim="800000"/>
+                <a:headEnd/>
+                <a:tailEnd/>
+              </a14:hiddenLine>
+            </a:ext>
+          </a:extLst>
+        </p:spPr>
+      </p:pic>
+    </p:spTree>
+    <p:extLst>
+      <p:ext uri="{BB962C8B-B14F-4D97-AF65-F5344CB8AC3E}">
+        <p14:creationId xmlns:p14="http://schemas.microsoft.com/office/powerpoint/2010/main" val="4103066964"/>
       </p:ext>
     </p:extLst>
   </p:cSld>
@@ -6027,6 +6588,442 @@
     <p:extLst>
       <p:ext uri="{BB962C8B-B14F-4D97-AF65-F5344CB8AC3E}">
         <p14:creationId xmlns:p14="http://schemas.microsoft.com/office/powerpoint/2010/main" val="4169584711"/>
+      </p:ext>
+    </p:extLst>
+  </p:cSld>
+  <p:clrMapOvr>
+    <a:masterClrMapping/>
+  </p:clrMapOvr>
+  <p:timing>
+    <p:tnLst>
+      <p:par>
+        <p:cTn id="1" dur="indefinite" restart="never" nodeType="tmRoot"/>
+      </p:par>
+    </p:tnLst>
+  </p:timing>
+</p:sld>
+</file>
+
+<file path=ppt/slides/slide30.xml><?xml version="1.0" encoding="utf-8"?>
+<p:sld xmlns:a="http://schemas.openxmlformats.org/drawingml/2006/main" xmlns:r="http://schemas.openxmlformats.org/officeDocument/2006/relationships" xmlns:p="http://schemas.openxmlformats.org/presentationml/2006/main">
+  <p:cSld>
+    <p:spTree>
+      <p:nvGrpSpPr>
+        <p:cNvPr id="1" name=""/>
+        <p:cNvGrpSpPr/>
+        <p:nvPr/>
+      </p:nvGrpSpPr>
+      <p:grpSpPr>
+        <a:xfrm>
+          <a:off x="0" y="0"/>
+          <a:ext cx="0" cy="0"/>
+          <a:chOff x="0" y="0"/>
+          <a:chExt cx="0" cy="0"/>
+        </a:xfrm>
+      </p:grpSpPr>
+      <p:sp>
+        <p:nvSpPr>
+          <p:cNvPr id="2" name="Title 1"/>
+          <p:cNvSpPr>
+            <a:spLocks noGrp="1"/>
+          </p:cNvSpPr>
+          <p:nvPr>
+            <p:ph type="title"/>
+          </p:nvPr>
+        </p:nvSpPr>
+        <p:spPr/>
+        <p:txBody>
+          <a:bodyPr/>
+          <a:lstStyle/>
+          <a:p>
+            <a:r>
+              <a:rPr lang="tr-TR" dirty="0" smtClean="0"/>
+              <a:t>Kavramlar</a:t>
+            </a:r>
+            <a:endParaRPr lang="tr-TR" dirty="0"/>
+          </a:p>
+        </p:txBody>
+      </p:sp>
+      <p:sp>
+        <p:nvSpPr>
+          <p:cNvPr id="3" name="Content Placeholder 2"/>
+          <p:cNvSpPr>
+            <a:spLocks noGrp="1"/>
+          </p:cNvSpPr>
+          <p:nvPr>
+            <p:ph idx="1"/>
+          </p:nvPr>
+        </p:nvSpPr>
+        <p:spPr>
+          <a:xfrm>
+            <a:off x="838200" y="1825625"/>
+            <a:ext cx="10515600" cy="4680000"/>
+          </a:xfrm>
+        </p:spPr>
+        <p:txBody>
+          <a:bodyPr>
+            <a:normAutofit/>
+          </a:bodyPr>
+          <a:lstStyle/>
+          <a:p>
+            <a:r>
+              <a:rPr lang="en-US" dirty="0"/>
+              <a:t>Busy waiting</a:t>
+            </a:r>
+          </a:p>
+          <a:p>
+            <a:pPr lvl="1"/>
+            <a:r>
+              <a:rPr lang="en-US" dirty="0" err="1"/>
+              <a:t>Bir</a:t>
+            </a:r>
+            <a:r>
+              <a:rPr lang="en-US" dirty="0"/>
+              <a:t> </a:t>
+            </a:r>
+            <a:r>
+              <a:rPr lang="en-US" dirty="0" err="1" smtClean="0"/>
+              <a:t>değer</a:t>
+            </a:r>
+            <a:r>
+              <a:rPr lang="tr-TR" dirty="0" smtClean="0"/>
+              <a:t>e</a:t>
+            </a:r>
+            <a:r>
+              <a:rPr lang="en-US" dirty="0" smtClean="0"/>
+              <a:t> </a:t>
+            </a:r>
+            <a:r>
+              <a:rPr lang="tr-TR" dirty="0" smtClean="0"/>
+              <a:t>ulaşana </a:t>
+            </a:r>
+            <a:r>
+              <a:rPr lang="en-US" dirty="0" err="1" smtClean="0"/>
+              <a:t>kadar</a:t>
+            </a:r>
+            <a:r>
+              <a:rPr lang="en-US" dirty="0" smtClean="0"/>
+              <a:t> </a:t>
+            </a:r>
+            <a:r>
+              <a:rPr lang="en-US" dirty="0" err="1"/>
+              <a:t>bir</a:t>
+            </a:r>
+            <a:r>
+              <a:rPr lang="en-US" dirty="0"/>
+              <a:t> </a:t>
+            </a:r>
+            <a:r>
+              <a:rPr lang="en-US" dirty="0" err="1"/>
+              <a:t>değişkeni</a:t>
+            </a:r>
+            <a:r>
+              <a:rPr lang="en-US" dirty="0"/>
+              <a:t> </a:t>
+            </a:r>
+            <a:r>
+              <a:rPr lang="en-US" dirty="0" err="1"/>
+              <a:t>sürekli</a:t>
+            </a:r>
+            <a:r>
+              <a:rPr lang="en-US" dirty="0"/>
+              <a:t> </a:t>
+            </a:r>
+            <a:r>
+              <a:rPr lang="en-US" dirty="0" err="1"/>
+              <a:t>olarak</a:t>
+            </a:r>
+            <a:r>
+              <a:rPr lang="en-US" dirty="0"/>
+              <a:t> test </a:t>
+            </a:r>
+            <a:r>
+              <a:rPr lang="en-US" dirty="0" err="1" smtClean="0"/>
+              <a:t>etme</a:t>
+            </a:r>
+            <a:endParaRPr lang="tr-TR" dirty="0" smtClean="0"/>
+          </a:p>
+          <a:p>
+            <a:pPr lvl="1"/>
+            <a:endParaRPr lang="en-US" dirty="0"/>
+          </a:p>
+          <a:p>
+            <a:r>
+              <a:rPr lang="en-US" dirty="0"/>
+              <a:t>Spin lock</a:t>
+            </a:r>
+          </a:p>
+          <a:p>
+            <a:pPr lvl="1"/>
+            <a:r>
+              <a:rPr lang="en-US" dirty="0" err="1"/>
+              <a:t>Meşgul</a:t>
+            </a:r>
+            <a:r>
+              <a:rPr lang="en-US" dirty="0"/>
+              <a:t> </a:t>
+            </a:r>
+            <a:r>
+              <a:rPr lang="en-US" dirty="0" err="1"/>
+              <a:t>beklemeyi</a:t>
+            </a:r>
+            <a:r>
+              <a:rPr lang="en-US" dirty="0"/>
+              <a:t> </a:t>
+            </a:r>
+            <a:r>
+              <a:rPr lang="en-US" dirty="0" err="1"/>
+              <a:t>kullanan</a:t>
+            </a:r>
+            <a:r>
+              <a:rPr lang="en-US" dirty="0"/>
+              <a:t> </a:t>
+            </a:r>
+            <a:r>
+              <a:rPr lang="en-US" dirty="0" err="1"/>
+              <a:t>bir</a:t>
+            </a:r>
+            <a:r>
+              <a:rPr lang="en-US" dirty="0"/>
+              <a:t> </a:t>
+            </a:r>
+            <a:r>
+              <a:rPr lang="en-US" dirty="0" err="1"/>
+              <a:t>kilit</a:t>
+            </a:r>
+            <a:r>
+              <a:rPr lang="en-US" dirty="0"/>
+              <a:t>, </a:t>
+            </a:r>
+            <a:r>
+              <a:rPr lang="en-US" dirty="0" err="1"/>
+              <a:t>döndürme</a:t>
+            </a:r>
+            <a:r>
+              <a:rPr lang="en-US" dirty="0"/>
+              <a:t> </a:t>
+            </a:r>
+            <a:r>
+              <a:rPr lang="en-US" dirty="0" err="1"/>
+              <a:t>kilidi</a:t>
+            </a:r>
+            <a:r>
+              <a:rPr lang="en-US" dirty="0"/>
+              <a:t> </a:t>
+            </a:r>
+            <a:r>
+              <a:rPr lang="en-US" dirty="0" err="1"/>
+              <a:t>olarak</a:t>
+            </a:r>
+            <a:r>
+              <a:rPr lang="en-US" dirty="0"/>
+              <a:t> </a:t>
+            </a:r>
+            <a:r>
+              <a:rPr lang="en-US"/>
+              <a:t>adlandırılır</a:t>
+            </a:r>
+            <a:endParaRPr lang="tr-TR" dirty="0"/>
+          </a:p>
+        </p:txBody>
+      </p:sp>
+    </p:spTree>
+    <p:extLst>
+      <p:ext uri="{BB962C8B-B14F-4D97-AF65-F5344CB8AC3E}">
+        <p14:creationId xmlns:p14="http://schemas.microsoft.com/office/powerpoint/2010/main" val="593853406"/>
+      </p:ext>
+    </p:extLst>
+  </p:cSld>
+  <p:clrMapOvr>
+    <a:masterClrMapping/>
+  </p:clrMapOvr>
+  <p:timing>
+    <p:tnLst>
+      <p:par>
+        <p:cTn id="1" dur="indefinite" restart="never" nodeType="tmRoot"/>
+      </p:par>
+    </p:tnLst>
+  </p:timing>
+</p:sld>
+</file>
+
+<file path=ppt/slides/slide31.xml><?xml version="1.0" encoding="utf-8"?>
+<p:sld xmlns:a="http://schemas.openxmlformats.org/drawingml/2006/main" xmlns:r="http://schemas.openxmlformats.org/officeDocument/2006/relationships" xmlns:p="http://schemas.openxmlformats.org/presentationml/2006/main">
+  <p:cSld>
+    <p:spTree>
+      <p:nvGrpSpPr>
+        <p:cNvPr id="1" name=""/>
+        <p:cNvGrpSpPr/>
+        <p:nvPr/>
+      </p:nvGrpSpPr>
+      <p:grpSpPr>
+        <a:xfrm>
+          <a:off x="0" y="0"/>
+          <a:ext cx="0" cy="0"/>
+          <a:chOff x="0" y="0"/>
+          <a:chExt cx="0" cy="0"/>
+        </a:xfrm>
+      </p:grpSpPr>
+      <p:sp>
+        <p:nvSpPr>
+          <p:cNvPr id="2" name="Title 1"/>
+          <p:cNvSpPr>
+            <a:spLocks noGrp="1"/>
+          </p:cNvSpPr>
+          <p:nvPr>
+            <p:ph type="title"/>
+          </p:nvPr>
+        </p:nvSpPr>
+        <p:spPr/>
+        <p:txBody>
+          <a:bodyPr/>
+          <a:lstStyle/>
+          <a:p>
+            <a:r>
+              <a:rPr lang="tr-TR" dirty="0"/>
+              <a:t>Tekrarlanamaz Yürütme</a:t>
+            </a:r>
+            <a:endParaRPr lang="tr-TR" dirty="0"/>
+          </a:p>
+        </p:txBody>
+      </p:sp>
+      <p:sp>
+        <p:nvSpPr>
+          <p:cNvPr id="3" name="Content Placeholder 2"/>
+          <p:cNvSpPr>
+            <a:spLocks noGrp="1"/>
+          </p:cNvSpPr>
+          <p:nvPr>
+            <p:ph idx="1"/>
+          </p:nvPr>
+        </p:nvSpPr>
+        <p:spPr>
+          <a:xfrm>
+            <a:off x="838200" y="1825625"/>
+            <a:ext cx="10515600" cy="4680000"/>
+          </a:xfrm>
+        </p:spPr>
+        <p:txBody>
+          <a:bodyPr>
+            <a:normAutofit/>
+          </a:bodyPr>
+          <a:lstStyle/>
+          <a:p>
+            <a:endParaRPr lang="tr-TR" dirty="0"/>
+          </a:p>
+        </p:txBody>
+      </p:sp>
+    </p:spTree>
+    <p:extLst>
+      <p:ext uri="{BB962C8B-B14F-4D97-AF65-F5344CB8AC3E}">
+        <p14:creationId xmlns:p14="http://schemas.microsoft.com/office/powerpoint/2010/main" val="3269218254"/>
+      </p:ext>
+    </p:extLst>
+  </p:cSld>
+  <p:clrMapOvr>
+    <a:masterClrMapping/>
+  </p:clrMapOvr>
+  <p:timing>
+    <p:tnLst>
+      <p:par>
+        <p:cTn id="1" dur="indefinite" restart="never" nodeType="tmRoot"/>
+      </p:par>
+    </p:tnLst>
+  </p:timing>
+</p:sld>
+</file>
+
+<file path=ppt/slides/slide32.xml><?xml version="1.0" encoding="utf-8"?>
+<p:sld xmlns:a="http://schemas.openxmlformats.org/drawingml/2006/main" xmlns:r="http://schemas.openxmlformats.org/officeDocument/2006/relationships" xmlns:p="http://schemas.openxmlformats.org/presentationml/2006/main">
+  <p:cSld>
+    <p:spTree>
+      <p:nvGrpSpPr>
+        <p:cNvPr id="1" name=""/>
+        <p:cNvGrpSpPr/>
+        <p:nvPr/>
+      </p:nvGrpSpPr>
+      <p:grpSpPr>
+        <a:xfrm>
+          <a:off x="0" y="0"/>
+          <a:ext cx="0" cy="0"/>
+          <a:chOff x="0" y="0"/>
+          <a:chExt cx="0" cy="0"/>
+        </a:xfrm>
+      </p:grpSpPr>
+      <p:sp>
+        <p:nvSpPr>
+          <p:cNvPr id="2" name="Title 1"/>
+          <p:cNvSpPr>
+            <a:spLocks noGrp="1"/>
+          </p:cNvSpPr>
+          <p:nvPr>
+            <p:ph type="title"/>
+          </p:nvPr>
+        </p:nvSpPr>
+        <p:spPr/>
+        <p:txBody>
+          <a:bodyPr/>
+          <a:lstStyle/>
+          <a:p>
+            <a:endParaRPr lang="tr-TR" dirty="0"/>
+          </a:p>
+        </p:txBody>
+      </p:sp>
+      <p:sp>
+        <p:nvSpPr>
+          <p:cNvPr id="3" name="Content Placeholder 2"/>
+          <p:cNvSpPr>
+            <a:spLocks noGrp="1"/>
+          </p:cNvSpPr>
+          <p:nvPr>
+            <p:ph idx="1"/>
+          </p:nvPr>
+        </p:nvSpPr>
+        <p:spPr>
+          <a:xfrm>
+            <a:off x="838200" y="1825625"/>
+            <a:ext cx="10515600" cy="4680000"/>
+          </a:xfrm>
+        </p:spPr>
+        <p:txBody>
+          <a:bodyPr>
+            <a:normAutofit/>
+          </a:bodyPr>
+          <a:lstStyle/>
+          <a:p>
+            <a:endParaRPr lang="tr-TR" dirty="0" smtClean="0"/>
+          </a:p>
+          <a:p>
+            <a:endParaRPr lang="tr-TR" dirty="0"/>
+          </a:p>
+          <a:p>
+            <a:endParaRPr lang="tr-TR" dirty="0" smtClean="0"/>
+          </a:p>
+          <a:p>
+            <a:pPr marL="0" indent="0" algn="ctr">
+              <a:buNone/>
+            </a:pPr>
+            <a:r>
+              <a:rPr lang="tr-TR" dirty="0" smtClean="0"/>
+              <a:t>SON</a:t>
+            </a:r>
+            <a:endParaRPr lang="tr-TR" dirty="0"/>
+          </a:p>
+          <a:p>
+            <a:endParaRPr lang="tr-TR" dirty="0"/>
+          </a:p>
+          <a:p>
+            <a:endParaRPr lang="tr-TR" dirty="0"/>
+          </a:p>
+          <a:p>
+            <a:endParaRPr lang="tr-TR" dirty="0"/>
+          </a:p>
+        </p:txBody>
+      </p:sp>
+    </p:spTree>
+    <p:extLst>
+      <p:ext uri="{BB962C8B-B14F-4D97-AF65-F5344CB8AC3E}">
+        <p14:creationId xmlns:p14="http://schemas.microsoft.com/office/powerpoint/2010/main" val="2824592776"/>
       </p:ext>
     </p:extLst>
   </p:cSld>

--- a/assets/teaching/os/2_Bolum_2_Surecler.pptx
+++ b/assets/teaching/os/2_Bolum_2_Surecler.pptx
@@ -36,7 +36,14 @@
     <p:sldId id="340" r:id="rId30"/>
     <p:sldId id="341" r:id="rId31"/>
     <p:sldId id="342" r:id="rId32"/>
-    <p:sldId id="312" r:id="rId33"/>
+    <p:sldId id="343" r:id="rId33"/>
+    <p:sldId id="344" r:id="rId34"/>
+    <p:sldId id="345" r:id="rId35"/>
+    <p:sldId id="346" r:id="rId36"/>
+    <p:sldId id="347" r:id="rId37"/>
+    <p:sldId id="348" r:id="rId38"/>
+    <p:sldId id="349" r:id="rId39"/>
+    <p:sldId id="312" r:id="rId40"/>
   </p:sldIdLst>
   <p:sldSz cx="12192000" cy="6858000"/>
   <p:notesSz cx="6858000" cy="9144000"/>
@@ -6820,7 +6827,7 @@
               <a:t> </a:t>
             </a:r>
             <a:r>
-              <a:rPr lang="en-US"/>
+              <a:rPr lang="en-US" dirty="0" err="1"/>
               <a:t>adlandırılır</a:t>
             </a:r>
             <a:endParaRPr lang="tr-TR" dirty="0"/>
@@ -6880,8 +6887,12 @@
           <a:lstStyle/>
           <a:p>
             <a:r>
-              <a:rPr lang="tr-TR" dirty="0"/>
-              <a:t>Tekrarlanamaz Yürütme</a:t>
+              <a:rPr lang="tr-TR" dirty="0" err="1" smtClean="0"/>
+              <a:t>Peterson’un</a:t>
+            </a:r>
+            <a:r>
+              <a:rPr lang="tr-TR" dirty="0" smtClean="0"/>
+              <a:t> Çözümü</a:t>
             </a:r>
             <a:endParaRPr lang="tr-TR" dirty="0"/>
           </a:p>
@@ -6909,10 +6920,67 @@
           </a:bodyPr>
           <a:lstStyle/>
           <a:p>
+            <a:endParaRPr lang="tr-TR" dirty="0" smtClean="0"/>
+          </a:p>
+          <a:p>
             <a:endParaRPr lang="tr-TR" dirty="0"/>
           </a:p>
         </p:txBody>
       </p:sp>
+      <p:pic>
+        <p:nvPicPr>
+          <p:cNvPr id="4" name="Picture 4"/>
+          <p:cNvPicPr>
+            <a:picLocks noChangeAspect="1" noChangeArrowheads="1"/>
+          </p:cNvPicPr>
+          <p:nvPr/>
+        </p:nvPicPr>
+        <p:blipFill>
+          <a:blip r:embed="rId2">
+            <a:extLst>
+              <a:ext uri="{28A0092B-C50C-407E-A947-70E740481C1C}">
+                <a14:useLocalDpi xmlns:a14="http://schemas.microsoft.com/office/drawing/2010/main" val="0"/>
+              </a:ext>
+            </a:extLst>
+          </a:blip>
+          <a:srcRect/>
+          <a:stretch>
+            <a:fillRect/>
+          </a:stretch>
+        </p:blipFill>
+        <p:spPr bwMode="auto">
+          <a:xfrm>
+            <a:off x="2655887" y="1412925"/>
+            <a:ext cx="6880225" cy="5092700"/>
+          </a:xfrm>
+          <a:prstGeom prst="rect">
+            <a:avLst/>
+          </a:prstGeom>
+          <a:noFill/>
+          <a:ln>
+            <a:noFill/>
+          </a:ln>
+          <a:extLst>
+            <a:ext uri="{909E8E84-426E-40DD-AFC4-6F175D3DCCD1}">
+              <a14:hiddenFill xmlns:a14="http://schemas.microsoft.com/office/drawing/2010/main">
+                <a:solidFill>
+                  <a:srgbClr val="FFFFFF"/>
+                </a:solidFill>
+              </a14:hiddenFill>
+            </a:ext>
+            <a:ext uri="{91240B29-F687-4F45-9708-019B960494DF}">
+              <a14:hiddenLine xmlns:a14="http://schemas.microsoft.com/office/drawing/2010/main" w="9525">
+                <a:solidFill>
+                  <a:srgbClr val="000000"/>
+                </a:solidFill>
+                <a:miter lim="800000"/>
+                <a:headEnd/>
+                <a:tailEnd/>
+              </a14:hiddenLine>
+            </a:ext>
+          </a:extLst>
+        </p:spPr>
+      </p:pic>
     </p:spTree>
     <p:extLst>
       <p:ext uri="{BB962C8B-B14F-4D97-AF65-F5344CB8AC3E}">
@@ -6934,6 +7002,1097 @@
 </file>
 
 <file path=ppt/slides/slide32.xml><?xml version="1.0" encoding="utf-8"?>
+<p:sld xmlns:a="http://schemas.openxmlformats.org/drawingml/2006/main" xmlns:r="http://schemas.openxmlformats.org/officeDocument/2006/relationships" xmlns:p="http://schemas.openxmlformats.org/presentationml/2006/main">
+  <p:cSld>
+    <p:spTree>
+      <p:nvGrpSpPr>
+        <p:cNvPr id="1" name=""/>
+        <p:cNvGrpSpPr/>
+        <p:nvPr/>
+      </p:nvGrpSpPr>
+      <p:grpSpPr>
+        <a:xfrm>
+          <a:off x="0" y="0"/>
+          <a:ext cx="0" cy="0"/>
+          <a:chOff x="0" y="0"/>
+          <a:chExt cx="0" cy="0"/>
+        </a:xfrm>
+      </p:grpSpPr>
+      <p:sp>
+        <p:nvSpPr>
+          <p:cNvPr id="2" name="Title 1"/>
+          <p:cNvSpPr>
+            <a:spLocks noGrp="1"/>
+          </p:cNvSpPr>
+          <p:nvPr>
+            <p:ph type="title"/>
+          </p:nvPr>
+        </p:nvSpPr>
+        <p:spPr/>
+        <p:txBody>
+          <a:bodyPr/>
+          <a:lstStyle/>
+          <a:p>
+            <a:r>
+              <a:rPr lang="tr-TR" dirty="0" smtClean="0"/>
+              <a:t>TSL Komutu</a:t>
+            </a:r>
+            <a:endParaRPr lang="tr-TR" dirty="0"/>
+          </a:p>
+        </p:txBody>
+      </p:sp>
+      <p:sp>
+        <p:nvSpPr>
+          <p:cNvPr id="3" name="Content Placeholder 2"/>
+          <p:cNvSpPr>
+            <a:spLocks noGrp="1"/>
+          </p:cNvSpPr>
+          <p:nvPr>
+            <p:ph idx="1"/>
+          </p:nvPr>
+        </p:nvSpPr>
+        <p:spPr>
+          <a:xfrm>
+            <a:off x="838200" y="1825625"/>
+            <a:ext cx="10515600" cy="4680000"/>
+          </a:xfrm>
+        </p:spPr>
+        <p:txBody>
+          <a:bodyPr>
+            <a:normAutofit/>
+          </a:bodyPr>
+          <a:lstStyle/>
+          <a:p>
+            <a:endParaRPr lang="tr-TR" dirty="0" smtClean="0"/>
+          </a:p>
+          <a:p>
+            <a:endParaRPr lang="tr-TR" dirty="0"/>
+          </a:p>
+        </p:txBody>
+      </p:sp>
+      <p:pic>
+        <p:nvPicPr>
+          <p:cNvPr id="4" name="Picture 4"/>
+          <p:cNvPicPr>
+            <a:picLocks noChangeAspect="1" noChangeArrowheads="1"/>
+          </p:cNvPicPr>
+          <p:nvPr/>
+        </p:nvPicPr>
+        <p:blipFill>
+          <a:blip r:embed="rId2">
+            <a:extLst>
+              <a:ext uri="{28A0092B-C50C-407E-A947-70E740481C1C}">
+                <a14:useLocalDpi xmlns:a14="http://schemas.microsoft.com/office/drawing/2010/main" val="0"/>
+              </a:ext>
+            </a:extLst>
+          </a:blip>
+          <a:srcRect/>
+          <a:stretch>
+            <a:fillRect/>
+          </a:stretch>
+        </p:blipFill>
+        <p:spPr bwMode="auto">
+          <a:xfrm>
+            <a:off x="2002631" y="2034767"/>
+            <a:ext cx="8186737" cy="3252787"/>
+          </a:xfrm>
+          <a:prstGeom prst="rect">
+            <a:avLst/>
+          </a:prstGeom>
+          <a:noFill/>
+          <a:ln>
+            <a:noFill/>
+          </a:ln>
+          <a:extLst>
+            <a:ext uri="{909E8E84-426E-40DD-AFC4-6F175D3DCCD1}">
+              <a14:hiddenFill xmlns:a14="http://schemas.microsoft.com/office/drawing/2010/main">
+                <a:solidFill>
+                  <a:srgbClr val="FFFFFF"/>
+                </a:solidFill>
+              </a14:hiddenFill>
+            </a:ext>
+            <a:ext uri="{91240B29-F687-4F45-9708-019B960494DF}">
+              <a14:hiddenLine xmlns:a14="http://schemas.microsoft.com/office/drawing/2010/main" w="9525">
+                <a:solidFill>
+                  <a:srgbClr val="000000"/>
+                </a:solidFill>
+                <a:miter lim="800000"/>
+                <a:headEnd/>
+                <a:tailEnd/>
+              </a14:hiddenLine>
+            </a:ext>
+          </a:extLst>
+        </p:spPr>
+      </p:pic>
+    </p:spTree>
+    <p:extLst>
+      <p:ext uri="{BB962C8B-B14F-4D97-AF65-F5344CB8AC3E}">
+        <p14:creationId xmlns:p14="http://schemas.microsoft.com/office/powerpoint/2010/main" val="4132734766"/>
+      </p:ext>
+    </p:extLst>
+  </p:cSld>
+  <p:clrMapOvr>
+    <a:masterClrMapping/>
+  </p:clrMapOvr>
+  <p:timing>
+    <p:tnLst>
+      <p:par>
+        <p:cTn id="1" dur="indefinite" restart="never" nodeType="tmRoot"/>
+      </p:par>
+    </p:tnLst>
+  </p:timing>
+</p:sld>
+</file>
+
+<file path=ppt/slides/slide33.xml><?xml version="1.0" encoding="utf-8"?>
+<p:sld xmlns:a="http://schemas.openxmlformats.org/drawingml/2006/main" xmlns:r="http://schemas.openxmlformats.org/officeDocument/2006/relationships" xmlns:p="http://schemas.openxmlformats.org/presentationml/2006/main">
+  <p:cSld>
+    <p:spTree>
+      <p:nvGrpSpPr>
+        <p:cNvPr id="1" name=""/>
+        <p:cNvGrpSpPr/>
+        <p:nvPr/>
+      </p:nvGrpSpPr>
+      <p:grpSpPr>
+        <a:xfrm>
+          <a:off x="0" y="0"/>
+          <a:ext cx="0" cy="0"/>
+          <a:chOff x="0" y="0"/>
+          <a:chExt cx="0" cy="0"/>
+        </a:xfrm>
+      </p:grpSpPr>
+      <p:sp>
+        <p:nvSpPr>
+          <p:cNvPr id="2" name="Title 1"/>
+          <p:cNvSpPr>
+            <a:spLocks noGrp="1"/>
+          </p:cNvSpPr>
+          <p:nvPr>
+            <p:ph type="title"/>
+          </p:nvPr>
+        </p:nvSpPr>
+        <p:spPr/>
+        <p:txBody>
+          <a:bodyPr/>
+          <a:lstStyle/>
+          <a:p>
+            <a:r>
+              <a:rPr lang="tr-TR" dirty="0" smtClean="0"/>
+              <a:t>Uyuma ve Uyanma</a:t>
+            </a:r>
+            <a:endParaRPr lang="tr-TR" dirty="0"/>
+          </a:p>
+        </p:txBody>
+      </p:sp>
+      <p:sp>
+        <p:nvSpPr>
+          <p:cNvPr id="3" name="Content Placeholder 2"/>
+          <p:cNvSpPr>
+            <a:spLocks noGrp="1"/>
+          </p:cNvSpPr>
+          <p:nvPr>
+            <p:ph idx="1"/>
+          </p:nvPr>
+        </p:nvSpPr>
+        <p:spPr>
+          <a:xfrm>
+            <a:off x="838200" y="1825625"/>
+            <a:ext cx="10515600" cy="4680000"/>
+          </a:xfrm>
+        </p:spPr>
+        <p:txBody>
+          <a:bodyPr>
+            <a:normAutofit/>
+          </a:bodyPr>
+          <a:lstStyle/>
+          <a:p>
+            <a:r>
+              <a:rPr lang="tr-TR" dirty="0"/>
+              <a:t>Meşgul beklemenin </a:t>
+            </a:r>
+            <a:r>
+              <a:rPr lang="tr-TR" dirty="0" smtClean="0"/>
+              <a:t>dezavantajı</a:t>
+            </a:r>
+          </a:p>
+          <a:p>
+            <a:pPr lvl="1"/>
+            <a:r>
+              <a:rPr lang="tr-TR" dirty="0" smtClean="0"/>
+              <a:t>Düşük </a:t>
+            </a:r>
+            <a:r>
+              <a:rPr lang="tr-TR" dirty="0"/>
+              <a:t>öncelikli bir süreç kritik </a:t>
+            </a:r>
+            <a:r>
+              <a:rPr lang="tr-TR" dirty="0" smtClean="0"/>
+              <a:t>bölgede iken, </a:t>
+            </a:r>
+          </a:p>
+          <a:p>
+            <a:pPr lvl="1"/>
+            <a:r>
+              <a:rPr lang="tr-TR" dirty="0" smtClean="0"/>
+              <a:t>Yüksek </a:t>
+            </a:r>
+            <a:r>
+              <a:rPr lang="tr-TR" dirty="0"/>
+              <a:t>öncelikli bir süreç </a:t>
+            </a:r>
+            <a:r>
+              <a:rPr lang="tr-TR" dirty="0" smtClean="0"/>
+              <a:t>geldiğinde daha </a:t>
+            </a:r>
+            <a:r>
+              <a:rPr lang="tr-TR" dirty="0"/>
+              <a:t>düşük öncelikli süreci engeller, </a:t>
+            </a:r>
+            <a:endParaRPr lang="tr-TR" dirty="0" smtClean="0"/>
+          </a:p>
+          <a:p>
+            <a:pPr lvl="1"/>
+            <a:r>
+              <a:rPr lang="tr-TR" dirty="0" err="1" smtClean="0"/>
+              <a:t>Lock’tan</a:t>
+            </a:r>
+            <a:r>
+              <a:rPr lang="tr-TR" dirty="0" smtClean="0"/>
+              <a:t> dolayı meşgul </a:t>
+            </a:r>
+            <a:r>
+              <a:rPr lang="tr-TR" dirty="0"/>
+              <a:t>beklemede CPU'yu boşa </a:t>
+            </a:r>
+            <a:r>
+              <a:rPr lang="tr-TR" dirty="0" smtClean="0"/>
+              <a:t>harcar</a:t>
+            </a:r>
+            <a:r>
+              <a:rPr lang="tr-TR" dirty="0"/>
+              <a:t>, </a:t>
+            </a:r>
+            <a:endParaRPr lang="tr-TR" dirty="0" smtClean="0"/>
+          </a:p>
+          <a:p>
+            <a:pPr lvl="1"/>
+            <a:r>
+              <a:rPr lang="tr-TR" dirty="0" smtClean="0"/>
+              <a:t>Daha </a:t>
+            </a:r>
+            <a:r>
+              <a:rPr lang="tr-TR" dirty="0"/>
+              <a:t>düşük öncelikli </a:t>
+            </a:r>
+            <a:r>
+              <a:rPr lang="tr-TR" dirty="0" smtClean="0"/>
+              <a:t>süreç kritik bölge dışına çıkamaz</a:t>
+            </a:r>
+          </a:p>
+          <a:p>
+            <a:pPr lvl="1"/>
+            <a:r>
+              <a:rPr lang="tr-TR" dirty="0" smtClean="0"/>
+              <a:t>Öncelikleri değiştirmek/ölümcül kilitlenme</a:t>
+            </a:r>
+          </a:p>
+          <a:p>
+            <a:pPr lvl="1"/>
+            <a:endParaRPr lang="tr-TR" dirty="0"/>
+          </a:p>
+          <a:p>
+            <a:r>
+              <a:rPr lang="tr-TR" dirty="0" smtClean="0"/>
+              <a:t>Meşgul </a:t>
+            </a:r>
+            <a:r>
+              <a:rPr lang="tr-TR" dirty="0"/>
+              <a:t>beklemek yerine </a:t>
+            </a:r>
+            <a:r>
+              <a:rPr lang="tr-TR" dirty="0" err="1" smtClean="0"/>
+              <a:t>block</a:t>
+            </a:r>
+            <a:endParaRPr lang="tr-TR" dirty="0" smtClean="0"/>
+          </a:p>
+          <a:p>
+            <a:pPr lvl="1"/>
+            <a:r>
+              <a:rPr lang="tr-TR" dirty="0" smtClean="0"/>
+              <a:t>Önce Uyandır, sonra uyut (</a:t>
+            </a:r>
+            <a:r>
+              <a:rPr lang="tr-TR" dirty="0" err="1" smtClean="0"/>
+              <a:t>wake</a:t>
+            </a:r>
+            <a:r>
+              <a:rPr lang="tr-TR" dirty="0" smtClean="0"/>
+              <a:t> </a:t>
+            </a:r>
+            <a:r>
+              <a:rPr lang="tr-TR" dirty="0" err="1" smtClean="0"/>
+              <a:t>up</a:t>
+            </a:r>
+            <a:r>
+              <a:rPr lang="tr-TR" dirty="0" smtClean="0"/>
+              <a:t>, </a:t>
+            </a:r>
+            <a:r>
+              <a:rPr lang="tr-TR" dirty="0" err="1" smtClean="0"/>
+              <a:t>sleep</a:t>
+            </a:r>
+            <a:r>
+              <a:rPr lang="tr-TR" dirty="0" smtClean="0"/>
+              <a:t>)</a:t>
+            </a:r>
+            <a:endParaRPr lang="tr-TR" dirty="0"/>
+          </a:p>
+        </p:txBody>
+      </p:sp>
+    </p:spTree>
+    <p:extLst>
+      <p:ext uri="{BB962C8B-B14F-4D97-AF65-F5344CB8AC3E}">
+        <p14:creationId xmlns:p14="http://schemas.microsoft.com/office/powerpoint/2010/main" val="3644190640"/>
+      </p:ext>
+    </p:extLst>
+  </p:cSld>
+  <p:clrMapOvr>
+    <a:masterClrMapping/>
+  </p:clrMapOvr>
+  <p:timing>
+    <p:tnLst>
+      <p:par>
+        <p:cTn id="1" dur="indefinite" restart="never" nodeType="tmRoot"/>
+      </p:par>
+    </p:tnLst>
+  </p:timing>
+</p:sld>
+</file>
+
+<file path=ppt/slides/slide34.xml><?xml version="1.0" encoding="utf-8"?>
+<p:sld xmlns:a="http://schemas.openxmlformats.org/drawingml/2006/main" xmlns:r="http://schemas.openxmlformats.org/officeDocument/2006/relationships" xmlns:p="http://schemas.openxmlformats.org/presentationml/2006/main">
+  <p:cSld>
+    <p:spTree>
+      <p:nvGrpSpPr>
+        <p:cNvPr id="1" name=""/>
+        <p:cNvGrpSpPr/>
+        <p:nvPr/>
+      </p:nvGrpSpPr>
+      <p:grpSpPr>
+        <a:xfrm>
+          <a:off x="0" y="0"/>
+          <a:ext cx="0" cy="0"/>
+          <a:chOff x="0" y="0"/>
+          <a:chExt cx="0" cy="0"/>
+        </a:xfrm>
+      </p:grpSpPr>
+      <p:sp>
+        <p:nvSpPr>
+          <p:cNvPr id="2" name="Title 1"/>
+          <p:cNvSpPr>
+            <a:spLocks noGrp="1"/>
+          </p:cNvSpPr>
+          <p:nvPr>
+            <p:ph type="title"/>
+          </p:nvPr>
+        </p:nvSpPr>
+        <p:spPr/>
+        <p:txBody>
+          <a:bodyPr/>
+          <a:lstStyle/>
+          <a:p>
+            <a:r>
+              <a:rPr lang="tr-TR" dirty="0" smtClean="0"/>
+              <a:t>Üretici Tüketici Problemi</a:t>
+            </a:r>
+            <a:endParaRPr lang="tr-TR" dirty="0"/>
+          </a:p>
+        </p:txBody>
+      </p:sp>
+      <p:sp>
+        <p:nvSpPr>
+          <p:cNvPr id="3" name="Content Placeholder 2"/>
+          <p:cNvSpPr>
+            <a:spLocks noGrp="1"/>
+          </p:cNvSpPr>
+          <p:nvPr>
+            <p:ph idx="1"/>
+          </p:nvPr>
+        </p:nvSpPr>
+        <p:spPr>
+          <a:xfrm>
+            <a:off x="838200" y="1825625"/>
+            <a:ext cx="10515600" cy="4680000"/>
+          </a:xfrm>
+        </p:spPr>
+        <p:txBody>
+          <a:bodyPr>
+            <a:normAutofit/>
+          </a:bodyPr>
+          <a:lstStyle/>
+          <a:p>
+            <a:r>
+              <a:rPr lang="tr-TR" dirty="0"/>
+              <a:t>İki işlem ortak, sabit boyutlu bir arabelleği </a:t>
+            </a:r>
+            <a:r>
+              <a:rPr lang="tr-TR" dirty="0" smtClean="0"/>
+              <a:t>paylaşmakta</a:t>
+            </a:r>
+          </a:p>
+          <a:p>
+            <a:r>
+              <a:rPr lang="tr-TR" dirty="0" smtClean="0"/>
+              <a:t>Üretici </a:t>
+            </a:r>
+            <a:r>
+              <a:rPr lang="tr-TR" dirty="0"/>
+              <a:t>arabelleğe </a:t>
+            </a:r>
+            <a:r>
+              <a:rPr lang="tr-TR" dirty="0" smtClean="0"/>
+              <a:t>veri yazar</a:t>
+            </a:r>
+          </a:p>
+          <a:p>
+            <a:r>
+              <a:rPr lang="tr-TR" dirty="0" smtClean="0"/>
+              <a:t>Tüketici </a:t>
+            </a:r>
+            <a:r>
+              <a:rPr lang="tr-TR" dirty="0"/>
+              <a:t>arabellekten </a:t>
+            </a:r>
+            <a:r>
+              <a:rPr lang="tr-TR" dirty="0" smtClean="0"/>
+              <a:t>veri okur</a:t>
+            </a:r>
+          </a:p>
+          <a:p>
+            <a:endParaRPr lang="tr-TR" dirty="0"/>
+          </a:p>
+          <a:p>
+            <a:r>
+              <a:rPr lang="tr-TR" dirty="0" smtClean="0"/>
+              <a:t>Basit </a:t>
+            </a:r>
+            <a:r>
+              <a:rPr lang="tr-TR" dirty="0"/>
+              <a:t>bir çözüm</a:t>
+            </a:r>
+            <a:endParaRPr lang="tr-TR" dirty="0"/>
+          </a:p>
+        </p:txBody>
+      </p:sp>
+    </p:spTree>
+    <p:extLst>
+      <p:ext uri="{BB962C8B-B14F-4D97-AF65-F5344CB8AC3E}">
+        <p14:creationId xmlns:p14="http://schemas.microsoft.com/office/powerpoint/2010/main" val="2281512441"/>
+      </p:ext>
+    </p:extLst>
+  </p:cSld>
+  <p:clrMapOvr>
+    <a:masterClrMapping/>
+  </p:clrMapOvr>
+  <p:timing>
+    <p:tnLst>
+      <p:par>
+        <p:cTn id="1" dur="indefinite" restart="never" nodeType="tmRoot"/>
+      </p:par>
+    </p:tnLst>
+  </p:timing>
+</p:sld>
+</file>
+
+<file path=ppt/slides/slide35.xml><?xml version="1.0" encoding="utf-8"?>
+<p:sld xmlns:a="http://schemas.openxmlformats.org/drawingml/2006/main" xmlns:r="http://schemas.openxmlformats.org/officeDocument/2006/relationships" xmlns:p="http://schemas.openxmlformats.org/presentationml/2006/main">
+  <p:cSld>
+    <p:spTree>
+      <p:nvGrpSpPr>
+        <p:cNvPr id="1" name=""/>
+        <p:cNvGrpSpPr/>
+        <p:nvPr/>
+      </p:nvGrpSpPr>
+      <p:grpSpPr>
+        <a:xfrm>
+          <a:off x="0" y="0"/>
+          <a:ext cx="0" cy="0"/>
+          <a:chOff x="0" y="0"/>
+          <a:chExt cx="0" cy="0"/>
+        </a:xfrm>
+      </p:grpSpPr>
+      <p:sp>
+        <p:nvSpPr>
+          <p:cNvPr id="2" name="Title 1"/>
+          <p:cNvSpPr>
+            <a:spLocks noGrp="1"/>
+          </p:cNvSpPr>
+          <p:nvPr>
+            <p:ph type="title"/>
+          </p:nvPr>
+        </p:nvSpPr>
+        <p:spPr/>
+        <p:txBody>
+          <a:bodyPr/>
+          <a:lstStyle/>
+          <a:p>
+            <a:r>
+              <a:rPr lang="tr-TR" dirty="0" smtClean="0"/>
+              <a:t>Ölümcül Yarış Durumu</a:t>
+            </a:r>
+            <a:endParaRPr lang="tr-TR" dirty="0"/>
+          </a:p>
+        </p:txBody>
+      </p:sp>
+      <p:sp>
+        <p:nvSpPr>
+          <p:cNvPr id="3" name="Content Placeholder 2"/>
+          <p:cNvSpPr>
+            <a:spLocks noGrp="1"/>
+          </p:cNvSpPr>
+          <p:nvPr>
+            <p:ph idx="1"/>
+          </p:nvPr>
+        </p:nvSpPr>
+        <p:spPr>
+          <a:xfrm>
+            <a:off x="838200" y="1825625"/>
+            <a:ext cx="10515600" cy="4680000"/>
+          </a:xfrm>
+        </p:spPr>
+        <p:txBody>
+          <a:bodyPr>
+            <a:normAutofit/>
+          </a:bodyPr>
+          <a:lstStyle/>
+          <a:p>
+            <a:endParaRPr lang="tr-TR" dirty="0" smtClean="0"/>
+          </a:p>
+          <a:p>
+            <a:endParaRPr lang="tr-TR" dirty="0"/>
+          </a:p>
+        </p:txBody>
+      </p:sp>
+      <p:pic>
+        <p:nvPicPr>
+          <p:cNvPr id="4" name="Picture 4"/>
+          <p:cNvPicPr>
+            <a:picLocks noChangeAspect="1" noChangeArrowheads="1"/>
+          </p:cNvPicPr>
+          <p:nvPr/>
+        </p:nvPicPr>
+        <p:blipFill>
+          <a:blip r:embed="rId2" cstate="print">
+            <a:extLst>
+              <a:ext uri="{28A0092B-C50C-407E-A947-70E740481C1C}">
+                <a14:useLocalDpi xmlns:a14="http://schemas.microsoft.com/office/drawing/2010/main" val="0"/>
+              </a:ext>
+            </a:extLst>
+          </a:blip>
+          <a:srcRect/>
+          <a:stretch>
+            <a:fillRect/>
+          </a:stretch>
+        </p:blipFill>
+        <p:spPr bwMode="auto">
+          <a:xfrm>
+            <a:off x="3139281" y="1619275"/>
+            <a:ext cx="5913437" cy="5092700"/>
+          </a:xfrm>
+          <a:prstGeom prst="rect">
+            <a:avLst/>
+          </a:prstGeom>
+          <a:noFill/>
+          <a:ln>
+            <a:noFill/>
+          </a:ln>
+          <a:extLst>
+            <a:ext uri="{909E8E84-426E-40DD-AFC4-6F175D3DCCD1}">
+              <a14:hiddenFill xmlns:a14="http://schemas.microsoft.com/office/drawing/2010/main">
+                <a:solidFill>
+                  <a:srgbClr val="FFFFFF"/>
+                </a:solidFill>
+              </a14:hiddenFill>
+            </a:ext>
+            <a:ext uri="{91240B29-F687-4F45-9708-019B960494DF}">
+              <a14:hiddenLine xmlns:a14="http://schemas.microsoft.com/office/drawing/2010/main" w="9525">
+                <a:solidFill>
+                  <a:srgbClr val="000000"/>
+                </a:solidFill>
+                <a:miter lim="800000"/>
+                <a:headEnd/>
+                <a:tailEnd/>
+              </a14:hiddenLine>
+            </a:ext>
+          </a:extLst>
+        </p:spPr>
+      </p:pic>
+    </p:spTree>
+    <p:extLst>
+      <p:ext uri="{BB962C8B-B14F-4D97-AF65-F5344CB8AC3E}">
+        <p14:creationId xmlns:p14="http://schemas.microsoft.com/office/powerpoint/2010/main" val="2229137413"/>
+      </p:ext>
+    </p:extLst>
+  </p:cSld>
+  <p:clrMapOvr>
+    <a:masterClrMapping/>
+  </p:clrMapOvr>
+  <p:timing>
+    <p:tnLst>
+      <p:par>
+        <p:cTn id="1" dur="indefinite" restart="never" nodeType="tmRoot"/>
+      </p:par>
+    </p:tnLst>
+  </p:timing>
+</p:sld>
+</file>
+
+<file path=ppt/slides/slide36.xml><?xml version="1.0" encoding="utf-8"?>
+<p:sld xmlns:a="http://schemas.openxmlformats.org/drawingml/2006/main" xmlns:r="http://schemas.openxmlformats.org/officeDocument/2006/relationships" xmlns:p="http://schemas.openxmlformats.org/presentationml/2006/main">
+  <p:cSld>
+    <p:spTree>
+      <p:nvGrpSpPr>
+        <p:cNvPr id="1" name=""/>
+        <p:cNvGrpSpPr/>
+        <p:nvPr/>
+      </p:nvGrpSpPr>
+      <p:grpSpPr>
+        <a:xfrm>
+          <a:off x="0" y="0"/>
+          <a:ext cx="0" cy="0"/>
+          <a:chOff x="0" y="0"/>
+          <a:chExt cx="0" cy="0"/>
+        </a:xfrm>
+      </p:grpSpPr>
+      <p:sp>
+        <p:nvSpPr>
+          <p:cNvPr id="2" name="Title 1"/>
+          <p:cNvSpPr>
+            <a:spLocks noGrp="1"/>
+          </p:cNvSpPr>
+          <p:nvPr>
+            <p:ph type="title"/>
+          </p:nvPr>
+        </p:nvSpPr>
+        <p:spPr/>
+        <p:txBody>
+          <a:bodyPr/>
+          <a:lstStyle/>
+          <a:p>
+            <a:r>
+              <a:rPr lang="tr-TR" dirty="0" smtClean="0"/>
+              <a:t>Veri Kaybı Sorunu</a:t>
+            </a:r>
+            <a:endParaRPr lang="tr-TR" dirty="0"/>
+          </a:p>
+        </p:txBody>
+      </p:sp>
+      <p:sp>
+        <p:nvSpPr>
+          <p:cNvPr id="3" name="Content Placeholder 2"/>
+          <p:cNvSpPr>
+            <a:spLocks noGrp="1"/>
+          </p:cNvSpPr>
+          <p:nvPr>
+            <p:ph idx="1"/>
+          </p:nvPr>
+        </p:nvSpPr>
+        <p:spPr>
+          <a:xfrm>
+            <a:off x="838200" y="1825625"/>
+            <a:ext cx="10515600" cy="4680000"/>
+          </a:xfrm>
+        </p:spPr>
+        <p:txBody>
+          <a:bodyPr>
+            <a:normAutofit/>
+          </a:bodyPr>
+          <a:lstStyle/>
+          <a:p>
+            <a:r>
+              <a:rPr lang="tr-TR" dirty="0"/>
+              <a:t>Paylaşılan değişken: </a:t>
+            </a:r>
+            <a:r>
+              <a:rPr lang="tr-TR" dirty="0" smtClean="0"/>
+              <a:t>sayaç</a:t>
+            </a:r>
+          </a:p>
+          <a:p>
+            <a:r>
+              <a:rPr lang="tr-TR" dirty="0" smtClean="0"/>
+              <a:t>Eşzamanlılıktan </a:t>
+            </a:r>
+            <a:r>
+              <a:rPr lang="tr-TR" dirty="0"/>
+              <a:t>kaynaklanan </a:t>
+            </a:r>
+            <a:r>
+              <a:rPr lang="tr-TR" dirty="0" smtClean="0"/>
+              <a:t>sorun</a:t>
+            </a:r>
+          </a:p>
+          <a:p>
+            <a:r>
+              <a:rPr lang="tr-TR" dirty="0" smtClean="0"/>
+              <a:t>Tüketici </a:t>
+            </a:r>
+            <a:r>
+              <a:rPr lang="tr-TR" dirty="0"/>
+              <a:t>0 ile </a:t>
+            </a:r>
+            <a:r>
+              <a:rPr lang="tr-TR" dirty="0" smtClean="0"/>
+              <a:t>sayaç değişkenini okuduğunda; </a:t>
+            </a:r>
+            <a:r>
+              <a:rPr lang="tr-TR" dirty="0"/>
+              <a:t>ancak zamanında uykuya </a:t>
+            </a:r>
+            <a:r>
+              <a:rPr lang="tr-TR" dirty="0" smtClean="0"/>
+              <a:t>geçmediğinde, </a:t>
+            </a:r>
+            <a:r>
+              <a:rPr lang="tr-TR" dirty="0"/>
+              <a:t>sinyal kaybolacaktır.</a:t>
+            </a:r>
+            <a:endParaRPr lang="tr-TR" dirty="0"/>
+          </a:p>
+        </p:txBody>
+      </p:sp>
+    </p:spTree>
+    <p:extLst>
+      <p:ext uri="{BB962C8B-B14F-4D97-AF65-F5344CB8AC3E}">
+        <p14:creationId xmlns:p14="http://schemas.microsoft.com/office/powerpoint/2010/main" val="2378468558"/>
+      </p:ext>
+    </p:extLst>
+  </p:cSld>
+  <p:clrMapOvr>
+    <a:masterClrMapping/>
+  </p:clrMapOvr>
+  <p:timing>
+    <p:tnLst>
+      <p:par>
+        <p:cTn id="1" dur="indefinite" restart="never" nodeType="tmRoot"/>
+      </p:par>
+    </p:tnLst>
+  </p:timing>
+</p:sld>
+</file>
+
+<file path=ppt/slides/slide37.xml><?xml version="1.0" encoding="utf-8"?>
+<p:sld xmlns:a="http://schemas.openxmlformats.org/drawingml/2006/main" xmlns:r="http://schemas.openxmlformats.org/officeDocument/2006/relationships" xmlns:p="http://schemas.openxmlformats.org/presentationml/2006/main">
+  <p:cSld>
+    <p:spTree>
+      <p:nvGrpSpPr>
+        <p:cNvPr id="1" name=""/>
+        <p:cNvGrpSpPr/>
+        <p:nvPr/>
+      </p:nvGrpSpPr>
+      <p:grpSpPr>
+        <a:xfrm>
+          <a:off x="0" y="0"/>
+          <a:ext cx="0" cy="0"/>
+          <a:chOff x="0" y="0"/>
+          <a:chExt cx="0" cy="0"/>
+        </a:xfrm>
+      </p:grpSpPr>
+      <p:sp>
+        <p:nvSpPr>
+          <p:cNvPr id="2" name="Title 1"/>
+          <p:cNvSpPr>
+            <a:spLocks noGrp="1"/>
+          </p:cNvSpPr>
+          <p:nvPr>
+            <p:ph type="title"/>
+          </p:nvPr>
+        </p:nvSpPr>
+        <p:spPr/>
+        <p:txBody>
+          <a:bodyPr/>
+          <a:lstStyle/>
+          <a:p>
+            <a:r>
+              <a:rPr lang="tr-TR" dirty="0" smtClean="0"/>
+              <a:t>Semafor</a:t>
+            </a:r>
+            <a:endParaRPr lang="tr-TR" dirty="0"/>
+          </a:p>
+        </p:txBody>
+      </p:sp>
+      <p:sp>
+        <p:nvSpPr>
+          <p:cNvPr id="3" name="Content Placeholder 2"/>
+          <p:cNvSpPr>
+            <a:spLocks noGrp="1"/>
+          </p:cNvSpPr>
+          <p:nvPr>
+            <p:ph idx="1"/>
+          </p:nvPr>
+        </p:nvSpPr>
+        <p:spPr>
+          <a:xfrm>
+            <a:off x="838200" y="1825625"/>
+            <a:ext cx="10515600" cy="4680000"/>
+          </a:xfrm>
+        </p:spPr>
+        <p:txBody>
+          <a:bodyPr>
+            <a:normAutofit/>
+          </a:bodyPr>
+          <a:lstStyle/>
+          <a:p>
+            <a:r>
+              <a:rPr lang="tr-TR" dirty="0" err="1"/>
+              <a:t>Dijkstra</a:t>
+            </a:r>
+            <a:r>
+              <a:rPr lang="tr-TR" dirty="0"/>
+              <a:t> tarafından </a:t>
+            </a:r>
+            <a:r>
+              <a:rPr lang="tr-TR" dirty="0" smtClean="0"/>
+              <a:t>önerilen </a:t>
+            </a:r>
+            <a:r>
+              <a:rPr lang="tr-TR" dirty="0"/>
+              <a:t>yeni bir değişken türü </a:t>
+            </a:r>
+            <a:endParaRPr lang="tr-TR" dirty="0" smtClean="0"/>
+          </a:p>
+          <a:p>
+            <a:r>
+              <a:rPr lang="tr-TR" dirty="0" smtClean="0"/>
+              <a:t>Atomik Eylem, tek ve bölünmez</a:t>
+            </a:r>
+          </a:p>
+          <a:p>
+            <a:r>
+              <a:rPr lang="tr-TR" dirty="0" err="1" smtClean="0"/>
+              <a:t>Down</a:t>
+            </a:r>
+            <a:r>
+              <a:rPr lang="tr-TR" dirty="0" smtClean="0"/>
+              <a:t> </a:t>
+            </a:r>
+            <a:r>
+              <a:rPr lang="tr-TR" dirty="0"/>
+              <a:t>(P</a:t>
+            </a:r>
+            <a:r>
+              <a:rPr lang="tr-TR" dirty="0" smtClean="0"/>
+              <a:t>)</a:t>
+            </a:r>
+          </a:p>
+          <a:p>
+            <a:pPr lvl="1"/>
+            <a:r>
+              <a:rPr lang="tr-TR" dirty="0" smtClean="0"/>
+              <a:t>semafor </a:t>
+            </a:r>
+            <a:r>
+              <a:rPr lang="tr-TR" dirty="0"/>
+              <a:t>kontrol </a:t>
+            </a:r>
+            <a:r>
+              <a:rPr lang="tr-TR" dirty="0" smtClean="0"/>
+              <a:t>edilir, değeri 0 ise uyku, değilse </a:t>
+            </a:r>
+            <a:r>
+              <a:rPr lang="tr-TR" dirty="0"/>
+              <a:t>değeri </a:t>
+            </a:r>
+            <a:r>
+              <a:rPr lang="tr-TR" dirty="0" smtClean="0"/>
+              <a:t>azalt </a:t>
+            </a:r>
+            <a:r>
+              <a:rPr lang="tr-TR" dirty="0"/>
+              <a:t>ve devam </a:t>
+            </a:r>
+            <a:r>
+              <a:rPr lang="tr-TR" dirty="0" smtClean="0"/>
+              <a:t>et</a:t>
+            </a:r>
+          </a:p>
+          <a:p>
+            <a:r>
+              <a:rPr lang="tr-TR" dirty="0" err="1" smtClean="0"/>
+              <a:t>Up</a:t>
+            </a:r>
+            <a:r>
+              <a:rPr lang="tr-TR" dirty="0" smtClean="0"/>
+              <a:t> </a:t>
+            </a:r>
+            <a:r>
+              <a:rPr lang="tr-TR" dirty="0"/>
+              <a:t>(v</a:t>
+            </a:r>
+            <a:r>
+              <a:rPr lang="tr-TR" dirty="0" smtClean="0"/>
+              <a:t>)</a:t>
+            </a:r>
+          </a:p>
+          <a:p>
+            <a:pPr lvl="1"/>
+            <a:r>
+              <a:rPr lang="tr-TR" dirty="0" smtClean="0"/>
+              <a:t>semafor </a:t>
+            </a:r>
+            <a:r>
+              <a:rPr lang="tr-TR" dirty="0"/>
+              <a:t>kontrol </a:t>
+            </a:r>
+            <a:r>
+              <a:rPr lang="tr-TR" dirty="0" smtClean="0"/>
+              <a:t>edilir, </a:t>
+            </a:r>
+          </a:p>
+          <a:p>
+            <a:pPr lvl="1"/>
+            <a:r>
+              <a:rPr lang="tr-TR" dirty="0" smtClean="0"/>
+              <a:t>Süreçler </a:t>
+            </a:r>
+            <a:r>
+              <a:rPr lang="tr-TR" dirty="0"/>
+              <a:t>semaforda bekliyorsa, işletim sistemi devam etmeyi seçecek ve düşüşünü tamamlayacaktır</a:t>
+            </a:r>
+            <a:r>
+              <a:rPr lang="tr-TR" dirty="0" smtClean="0"/>
+              <a:t>.</a:t>
+            </a:r>
+          </a:p>
+          <a:p>
+            <a:pPr lvl="1"/>
+            <a:r>
+              <a:rPr lang="tr-TR" dirty="0" smtClean="0"/>
+              <a:t>Kaynak </a:t>
+            </a:r>
+            <a:r>
+              <a:rPr lang="tr-TR" dirty="0"/>
+              <a:t>sayısının bir işareti </a:t>
+            </a:r>
+            <a:r>
+              <a:rPr lang="tr-TR"/>
+              <a:t>olarak </a:t>
+            </a:r>
+            <a:r>
+              <a:rPr lang="tr-TR" smtClean="0"/>
+              <a:t>farz edilir</a:t>
+            </a:r>
+            <a:endParaRPr lang="tr-TR" dirty="0"/>
+          </a:p>
+        </p:txBody>
+      </p:sp>
+    </p:spTree>
+    <p:extLst>
+      <p:ext uri="{BB962C8B-B14F-4D97-AF65-F5344CB8AC3E}">
+        <p14:creationId xmlns:p14="http://schemas.microsoft.com/office/powerpoint/2010/main" val="1276164906"/>
+      </p:ext>
+    </p:extLst>
+  </p:cSld>
+  <p:clrMapOvr>
+    <a:masterClrMapping/>
+  </p:clrMapOvr>
+  <p:timing>
+    <p:tnLst>
+      <p:par>
+        <p:cTn id="1" dur="indefinite" restart="never" nodeType="tmRoot"/>
+      </p:par>
+    </p:tnLst>
+  </p:timing>
+</p:sld>
+</file>
+
+<file path=ppt/slides/slide38.xml><?xml version="1.0" encoding="utf-8"?>
+<p:sld xmlns:a="http://schemas.openxmlformats.org/drawingml/2006/main" xmlns:r="http://schemas.openxmlformats.org/officeDocument/2006/relationships" xmlns:p="http://schemas.openxmlformats.org/presentationml/2006/main">
+  <p:cSld>
+    <p:spTree>
+      <p:nvGrpSpPr>
+        <p:cNvPr id="1" name=""/>
+        <p:cNvGrpSpPr/>
+        <p:nvPr/>
+      </p:nvGrpSpPr>
+      <p:grpSpPr>
+        <a:xfrm>
+          <a:off x="0" y="0"/>
+          <a:ext cx="0" cy="0"/>
+          <a:chOff x="0" y="0"/>
+          <a:chExt cx="0" cy="0"/>
+        </a:xfrm>
+      </p:grpSpPr>
+      <p:sp>
+        <p:nvSpPr>
+          <p:cNvPr id="2" name="Title 1"/>
+          <p:cNvSpPr>
+            <a:spLocks noGrp="1"/>
+          </p:cNvSpPr>
+          <p:nvPr>
+            <p:ph type="title"/>
+          </p:nvPr>
+        </p:nvSpPr>
+        <p:spPr/>
+        <p:txBody>
+          <a:bodyPr/>
+          <a:lstStyle/>
+          <a:p>
+            <a:r>
+              <a:rPr lang="tr-TR" dirty="0"/>
+              <a:t>Tekrarlanamaz Yürütme</a:t>
+            </a:r>
+            <a:endParaRPr lang="tr-TR" dirty="0"/>
+          </a:p>
+        </p:txBody>
+      </p:sp>
+      <p:sp>
+        <p:nvSpPr>
+          <p:cNvPr id="3" name="Content Placeholder 2"/>
+          <p:cNvSpPr>
+            <a:spLocks noGrp="1"/>
+          </p:cNvSpPr>
+          <p:nvPr>
+            <p:ph idx="1"/>
+          </p:nvPr>
+        </p:nvSpPr>
+        <p:spPr>
+          <a:xfrm>
+            <a:off x="838200" y="1825625"/>
+            <a:ext cx="10515600" cy="4680000"/>
+          </a:xfrm>
+        </p:spPr>
+        <p:txBody>
+          <a:bodyPr>
+            <a:normAutofit/>
+          </a:bodyPr>
+          <a:lstStyle/>
+          <a:p>
+            <a:endParaRPr lang="tr-TR" dirty="0"/>
+          </a:p>
+        </p:txBody>
+      </p:sp>
+    </p:spTree>
+    <p:extLst>
+      <p:ext uri="{BB962C8B-B14F-4D97-AF65-F5344CB8AC3E}">
+        <p14:creationId xmlns:p14="http://schemas.microsoft.com/office/powerpoint/2010/main" val="993419363"/>
+      </p:ext>
+    </p:extLst>
+  </p:cSld>
+  <p:clrMapOvr>
+    <a:masterClrMapping/>
+  </p:clrMapOvr>
+  <p:timing>
+    <p:tnLst>
+      <p:par>
+        <p:cTn id="1" dur="indefinite" restart="never" nodeType="tmRoot"/>
+      </p:par>
+    </p:tnLst>
+  </p:timing>
+</p:sld>
+</file>
+
+<file path=ppt/slides/slide39.xml><?xml version="1.0" encoding="utf-8"?>
 <p:sld xmlns:a="http://schemas.openxmlformats.org/drawingml/2006/main" xmlns:r="http://schemas.openxmlformats.org/officeDocument/2006/relationships" xmlns:p="http://schemas.openxmlformats.org/presentationml/2006/main">
   <p:cSld>
     <p:spTree>
